--- a/final-Tumimasu/Tumimasu.pptx
+++ b/final-Tumimasu/Tumimasu.pptx
@@ -2,10 +2,15 @@
 <file path=ppt/presentation.xml><?xml version="1.0" encoding="utf-8"?>
 <p:presentation xmlns:a="http://schemas.openxmlformats.org/drawingml/2006/main" xmlns:r="http://schemas.openxmlformats.org/officeDocument/2006/relationships" xmlns:p="http://schemas.openxmlformats.org/presentationml/2006/main" saveSubsetFonts="1">
   <p:sldMasterIdLst>
-    <p:sldMasterId id="2147483648" r:id="rId1"/>
+    <p:sldMasterId id="2147483695" r:id="rId1"/>
   </p:sldMasterIdLst>
   <p:sldIdLst>
     <p:sldId id="256" r:id="rId2"/>
+    <p:sldId id="257" r:id="rId3"/>
+    <p:sldId id="258" r:id="rId4"/>
+    <p:sldId id="261" r:id="rId5"/>
+    <p:sldId id="259" r:id="rId6"/>
+    <p:sldId id="260" r:id="rId7"/>
   </p:sldIdLst>
   <p:sldSz cx="12192000" cy="6858000"/>
   <p:notesSz cx="6858000" cy="9144000"/>
@@ -104,11 +109,16 @@
       </a:defRPr>
     </a:lvl9pPr>
   </p:defaultTextStyle>
+  <p:extLst>
+    <p:ext uri="{EFAFB233-063F-42B5-8137-9DF3F51BA10A}">
+      <p15:sldGuideLst xmlns:p15="http://schemas.microsoft.com/office/powerpoint/2012/main"/>
+    </p:ext>
+  </p:extLst>
 </p:presentation>
 </file>
 
 <file path=ppt/slideLayouts/slideLayout1.xml><?xml version="1.0" encoding="utf-8"?>
-<p:sldLayout xmlns:a="http://schemas.openxmlformats.org/drawingml/2006/main" xmlns:r="http://schemas.openxmlformats.org/officeDocument/2006/relationships" xmlns:p="http://schemas.openxmlformats.org/presentationml/2006/main" type="title" preserve="1">
+<p:sldLayout xmlns:a="http://schemas.openxmlformats.org/drawingml/2006/main" xmlns:r="http://schemas.openxmlformats.org/officeDocument/2006/relationships" xmlns:p="http://schemas.openxmlformats.org/presentationml/2006/main" showMasterSp="0" type="title" preserve="1">
   <p:cSld name="タイトル スライド">
     <p:spTree>
       <p:nvGrpSpPr>
@@ -124,9 +134,146 @@
           <a:chExt cx="0" cy="0"/>
         </a:xfrm>
       </p:grpSpPr>
-      <p:sp>
-        <p:nvSpPr>
-          <p:cNvPr id="2" name="タイトル 1"/>
+      <p:grpSp>
+        <p:nvGrpSpPr>
+          <p:cNvPr id="7" name="Group 6"/>
+          <p:cNvGrpSpPr/>
+          <p:nvPr/>
+        </p:nvGrpSpPr>
+        <p:grpSpPr>
+          <a:xfrm>
+            <a:off x="-16934" y="0"/>
+            <a:ext cx="12231160" cy="6856214"/>
+            <a:chOff x="-16934" y="0"/>
+            <a:chExt cx="12231160" cy="6856214"/>
+          </a:xfrm>
+        </p:grpSpPr>
+        <p:pic>
+          <p:nvPicPr>
+            <p:cNvPr id="16" name="Picture 15" descr="HD-PanelTitleR1.png"/>
+            <p:cNvPicPr>
+              <a:picLocks noChangeAspect="1"/>
+            </p:cNvPicPr>
+            <p:nvPr/>
+          </p:nvPicPr>
+          <p:blipFill>
+            <a:blip r:embed="rId2">
+              <a:extLst>
+                <a:ext uri="{28A0092B-C50C-407E-A947-70E740481C1C}">
+                  <a14:useLocalDpi xmlns:a14="http://schemas.microsoft.com/office/drawing/2010/main" val="0"/>
+                </a:ext>
+              </a:extLst>
+            </a:blip>
+            <a:stretch>
+              <a:fillRect/>
+            </a:stretch>
+          </p:blipFill>
+          <p:spPr>
+            <a:xfrm>
+              <a:off x="0" y="0"/>
+              <a:ext cx="12188825" cy="6856214"/>
+            </a:xfrm>
+            <a:prstGeom prst="rect">
+              <a:avLst/>
+            </a:prstGeom>
+          </p:spPr>
+        </p:pic>
+        <p:sp>
+          <p:nvSpPr>
+            <p:cNvPr id="26" name="Rectangle 25"/>
+            <p:cNvSpPr/>
+            <p:nvPr/>
+          </p:nvSpPr>
+          <p:spPr>
+            <a:xfrm>
+              <a:off x="2328332" y="1540931"/>
+              <a:ext cx="7543802" cy="3835401"/>
+            </a:xfrm>
+            <a:prstGeom prst="rect">
+              <a:avLst/>
+            </a:prstGeom>
+            <a:noFill/>
+            <a:ln w="15875">
+              <a:miter lim="800000"/>
+            </a:ln>
+          </p:spPr>
+          <p:style>
+            <a:lnRef idx="1">
+              <a:schemeClr val="accent1"/>
+            </a:lnRef>
+            <a:fillRef idx="3">
+              <a:schemeClr val="accent1"/>
+            </a:fillRef>
+            <a:effectRef idx="2">
+              <a:schemeClr val="accent1"/>
+            </a:effectRef>
+            <a:fontRef idx="minor">
+              <a:schemeClr val="lt1"/>
+            </a:fontRef>
+          </p:style>
+        </p:sp>
+        <p:pic>
+          <p:nvPicPr>
+            <p:cNvPr id="17" name="Picture 16" descr="HDRibbonTitle-UniformTrim.png"/>
+            <p:cNvPicPr>
+              <a:picLocks noChangeAspect="1"/>
+            </p:cNvPicPr>
+            <p:nvPr/>
+          </p:nvPicPr>
+          <p:blipFill rotWithShape="1">
+            <a:blip r:embed="rId3">
+              <a:extLst>
+                <a:ext uri="{28A0092B-C50C-407E-A947-70E740481C1C}">
+                  <a14:useLocalDpi xmlns:a14="http://schemas.microsoft.com/office/drawing/2010/main" val="0"/>
+                </a:ext>
+              </a:extLst>
+            </a:blip>
+            <a:srcRect/>
+            <a:stretch/>
+          </p:blipFill>
+          <p:spPr>
+            <a:xfrm>
+              <a:off x="-16934" y="3147609"/>
+              <a:ext cx="2478024" cy="612648"/>
+            </a:xfrm>
+            <a:prstGeom prst="rect">
+              <a:avLst/>
+            </a:prstGeom>
+          </p:spPr>
+        </p:pic>
+        <p:pic>
+          <p:nvPicPr>
+            <p:cNvPr id="20" name="Picture 19" descr="HDRibbonTitle-UniformTrim.png"/>
+            <p:cNvPicPr>
+              <a:picLocks noChangeAspect="1"/>
+            </p:cNvPicPr>
+            <p:nvPr/>
+          </p:nvPicPr>
+          <p:blipFill rotWithShape="1">
+            <a:blip r:embed="rId3">
+              <a:extLst>
+                <a:ext uri="{28A0092B-C50C-407E-A947-70E740481C1C}">
+                  <a14:useLocalDpi xmlns:a14="http://schemas.microsoft.com/office/drawing/2010/main" val="0"/>
+                </a:ext>
+              </a:extLst>
+            </a:blip>
+            <a:srcRect/>
+            <a:stretch/>
+          </p:blipFill>
+          <p:spPr>
+            <a:xfrm>
+              <a:off x="9736202" y="3147609"/>
+              <a:ext cx="2478024" cy="612648"/>
+            </a:xfrm>
+            <a:prstGeom prst="rect">
+              <a:avLst/>
+            </a:prstGeom>
+          </p:spPr>
+        </p:pic>
+      </p:grpSp>
+      <p:sp>
+        <p:nvSpPr>
+          <p:cNvPr id="2" name="Title 1"/>
           <p:cNvSpPr>
             <a:spLocks noGrp="1"/>
           </p:cNvSpPr>
@@ -136,29 +283,33 @@
         </p:nvSpPr>
         <p:spPr>
           <a:xfrm>
-            <a:off x="1524000" y="1122363"/>
-            <a:ext cx="9144000" cy="2387600"/>
+            <a:off x="2692398" y="1871131"/>
+            <a:ext cx="6815669" cy="1515533"/>
           </a:xfrm>
         </p:spPr>
         <p:txBody>
-          <a:bodyPr anchor="b"/>
+          <a:bodyPr anchor="b">
+            <a:noAutofit/>
+          </a:bodyPr>
           <a:lstStyle>
             <a:lvl1pPr algn="ctr">
-              <a:defRPr sz="6000"/>
+              <a:defRPr sz="5400">
+                <a:effectLst/>
+              </a:defRPr>
             </a:lvl1pPr>
           </a:lstStyle>
           <a:p>
             <a:r>
-              <a:rPr kumimoji="1" lang="ja-JP" altLang="en-US" smtClean="0"/>
+              <a:rPr lang="ja-JP" altLang="en-US" smtClean="0"/>
               <a:t>マスター タイトルの書式設定</a:t>
             </a:r>
-            <a:endParaRPr kumimoji="1" lang="ja-JP" altLang="en-US"/>
-          </a:p>
-        </p:txBody>
-      </p:sp>
-      <p:sp>
-        <p:nvSpPr>
-          <p:cNvPr id="3" name="サブタイトル 2"/>
+            <a:endParaRPr lang="en-US" dirty="0"/>
+          </a:p>
+        </p:txBody>
+      </p:sp>
+      <p:sp>
+        <p:nvSpPr>
+          <p:cNvPr id="3" name="Subtitle 2"/>
           <p:cNvSpPr>
             <a:spLocks noGrp="1"/>
           </p:cNvSpPr>
@@ -168,62 +319,116 @@
         </p:nvSpPr>
         <p:spPr>
           <a:xfrm>
-            <a:off x="1524000" y="3602038"/>
-            <a:ext cx="9144000" cy="1655762"/>
+            <a:off x="2692398" y="3657597"/>
+            <a:ext cx="6815669" cy="1320802"/>
           </a:xfrm>
         </p:spPr>
         <p:txBody>
-          <a:bodyPr/>
+          <a:bodyPr anchor="t">
+            <a:normAutofit/>
+          </a:bodyPr>
           <a:lstStyle>
             <a:lvl1pPr marL="0" indent="0" algn="ctr">
               <a:buNone/>
-              <a:defRPr sz="2400"/>
+              <a:defRPr sz="2100">
+                <a:solidFill>
+                  <a:schemeClr val="tx1"/>
+                </a:solidFill>
+              </a:defRPr>
             </a:lvl1pPr>
             <a:lvl2pPr marL="457200" indent="0" algn="ctr">
               <a:buNone/>
-              <a:defRPr sz="2000"/>
+              <a:defRPr>
+                <a:solidFill>
+                  <a:schemeClr val="tx1">
+                    <a:tint val="75000"/>
+                  </a:schemeClr>
+                </a:solidFill>
+              </a:defRPr>
             </a:lvl2pPr>
             <a:lvl3pPr marL="914400" indent="0" algn="ctr">
               <a:buNone/>
-              <a:defRPr sz="1800"/>
+              <a:defRPr>
+                <a:solidFill>
+                  <a:schemeClr val="tx1">
+                    <a:tint val="75000"/>
+                  </a:schemeClr>
+                </a:solidFill>
+              </a:defRPr>
             </a:lvl3pPr>
             <a:lvl4pPr marL="1371600" indent="0" algn="ctr">
               <a:buNone/>
-              <a:defRPr sz="1600"/>
+              <a:defRPr>
+                <a:solidFill>
+                  <a:schemeClr val="tx1">
+                    <a:tint val="75000"/>
+                  </a:schemeClr>
+                </a:solidFill>
+              </a:defRPr>
             </a:lvl4pPr>
             <a:lvl5pPr marL="1828800" indent="0" algn="ctr">
               <a:buNone/>
-              <a:defRPr sz="1600"/>
+              <a:defRPr>
+                <a:solidFill>
+                  <a:schemeClr val="tx1">
+                    <a:tint val="75000"/>
+                  </a:schemeClr>
+                </a:solidFill>
+              </a:defRPr>
             </a:lvl5pPr>
             <a:lvl6pPr marL="2286000" indent="0" algn="ctr">
               <a:buNone/>
-              <a:defRPr sz="1600"/>
+              <a:defRPr>
+                <a:solidFill>
+                  <a:schemeClr val="tx1">
+                    <a:tint val="75000"/>
+                  </a:schemeClr>
+                </a:solidFill>
+              </a:defRPr>
             </a:lvl6pPr>
             <a:lvl7pPr marL="2743200" indent="0" algn="ctr">
               <a:buNone/>
-              <a:defRPr sz="1600"/>
+              <a:defRPr>
+                <a:solidFill>
+                  <a:schemeClr val="tx1">
+                    <a:tint val="75000"/>
+                  </a:schemeClr>
+                </a:solidFill>
+              </a:defRPr>
             </a:lvl7pPr>
             <a:lvl8pPr marL="3200400" indent="0" algn="ctr">
               <a:buNone/>
-              <a:defRPr sz="1600"/>
+              <a:defRPr>
+                <a:solidFill>
+                  <a:schemeClr val="tx1">
+                    <a:tint val="75000"/>
+                  </a:schemeClr>
+                </a:solidFill>
+              </a:defRPr>
             </a:lvl8pPr>
             <a:lvl9pPr marL="3657600" indent="0" algn="ctr">
               <a:buNone/>
-              <a:defRPr sz="1600"/>
+              <a:defRPr>
+                <a:solidFill>
+                  <a:schemeClr val="tx1">
+                    <a:tint val="75000"/>
+                  </a:schemeClr>
+                </a:solidFill>
+              </a:defRPr>
             </a:lvl9pPr>
           </a:lstStyle>
           <a:p>
             <a:r>
-              <a:rPr kumimoji="1" lang="ja-JP" altLang="en-US" smtClean="0"/>
+              <a:rPr lang="ja-JP" altLang="en-US" smtClean="0"/>
               <a:t>マスター サブタイトルの書式設定</a:t>
             </a:r>
-            <a:endParaRPr kumimoji="1" lang="ja-JP" altLang="en-US"/>
-          </a:p>
-        </p:txBody>
-      </p:sp>
-      <p:sp>
-        <p:nvSpPr>
-          <p:cNvPr id="4" name="日付プレースホルダー 3"/>
+            <a:endParaRPr lang="en-US" dirty="0"/>
+          </a:p>
+        </p:txBody>
+      </p:sp>
+      <p:sp>
+        <p:nvSpPr>
+          <p:cNvPr id="4" name="Date Placeholder 3"/>
           <p:cNvSpPr>
             <a:spLocks noGrp="1"/>
           </p:cNvSpPr>
@@ -231,7 +436,12 @@
             <p:ph type="dt" sz="half" idx="10"/>
           </p:nvPr>
         </p:nvSpPr>
-        <p:spPr/>
+        <p:spPr>
+          <a:xfrm>
+            <a:off x="7983232" y="5037663"/>
+            <a:ext cx="897467" cy="279400"/>
+          </a:xfrm>
+        </p:spPr>
         <p:txBody>
           <a:bodyPr/>
           <a:lstStyle/>
@@ -246,7 +456,7 @@
       </p:sp>
       <p:sp>
         <p:nvSpPr>
-          <p:cNvPr id="5" name="フッター プレースホルダー 4"/>
+          <p:cNvPr id="5" name="Footer Placeholder 4"/>
           <p:cNvSpPr>
             <a:spLocks noGrp="1"/>
           </p:cNvSpPr>
@@ -254,7 +464,12 @@
             <p:ph type="ftr" sz="quarter" idx="11"/>
           </p:nvPr>
         </p:nvSpPr>
-        <p:spPr/>
+        <p:spPr>
+          <a:xfrm>
+            <a:off x="2692397" y="5037663"/>
+            <a:ext cx="5214635" cy="279400"/>
+          </a:xfrm>
+        </p:spPr>
         <p:txBody>
           <a:bodyPr/>
           <a:lstStyle/>
@@ -265,7 +480,7 @@
       </p:sp>
       <p:sp>
         <p:nvSpPr>
-          <p:cNvPr id="6" name="スライド番号プレースホルダー 5"/>
+          <p:cNvPr id="6" name="Slide Number Placeholder 5"/>
           <p:cNvSpPr>
             <a:spLocks noGrp="1"/>
           </p:cNvSpPr>
@@ -273,7 +488,12 @@
             <p:ph type="sldNum" sz="quarter" idx="12"/>
           </p:nvPr>
         </p:nvSpPr>
-        <p:spPr/>
+        <p:spPr>
+          <a:xfrm>
+            <a:off x="8956900" y="5037663"/>
+            <a:ext cx="551167" cy="279400"/>
+          </a:xfrm>
+        </p:spPr>
         <p:txBody>
           <a:bodyPr/>
           <a:lstStyle/>
@@ -286,10 +506,40 @@
           </a:p>
         </p:txBody>
       </p:sp>
+      <p:cxnSp>
+        <p:nvCxnSpPr>
+          <p:cNvPr id="15" name="Straight Connector 14"/>
+          <p:cNvCxnSpPr/>
+          <p:nvPr/>
+        </p:nvCxnSpPr>
+        <p:spPr>
+          <a:xfrm>
+            <a:off x="2692399" y="3522131"/>
+            <a:ext cx="6815668" cy="0"/>
+          </a:xfrm>
+          <a:prstGeom prst="line">
+            <a:avLst/>
+          </a:prstGeom>
+        </p:spPr>
+        <p:style>
+          <a:lnRef idx="2">
+            <a:schemeClr val="accent1"/>
+          </a:lnRef>
+          <a:fillRef idx="0">
+            <a:schemeClr val="accent1"/>
+          </a:fillRef>
+          <a:effectRef idx="1">
+            <a:schemeClr val="accent1"/>
+          </a:effectRef>
+          <a:fontRef idx="minor">
+            <a:schemeClr val="tx1"/>
+          </a:fontRef>
+        </p:style>
+      </p:cxnSp>
     </p:spTree>
     <p:extLst>
       <p:ext uri="{BB962C8B-B14F-4D97-AF65-F5344CB8AC3E}">
-        <p14:creationId xmlns:p14="http://schemas.microsoft.com/office/powerpoint/2010/main" val="3075840205"/>
+        <p14:creationId xmlns:p14="http://schemas.microsoft.com/office/powerpoint/2010/main" val="1543920903"/>
       </p:ext>
     </p:extLst>
   </p:cSld>
@@ -300,6 +550,2099 @@
 </file>
 
 <file path=ppt/slideLayouts/slideLayout10.xml><?xml version="1.0" encoding="utf-8"?>
+<p:sldLayout xmlns:a="http://schemas.openxmlformats.org/drawingml/2006/main" xmlns:r="http://schemas.openxmlformats.org/officeDocument/2006/relationships" xmlns:p="http://schemas.openxmlformats.org/presentationml/2006/main" preserve="1">
+  <p:cSld name="パノラマ写真 (キャプション付き)">
+    <p:spTree>
+      <p:nvGrpSpPr>
+        <p:cNvPr id="1" name=""/>
+        <p:cNvGrpSpPr/>
+        <p:nvPr/>
+      </p:nvGrpSpPr>
+      <p:grpSpPr>
+        <a:xfrm>
+          <a:off x="0" y="0"/>
+          <a:ext cx="0" cy="0"/>
+          <a:chOff x="0" y="0"/>
+          <a:chExt cx="0" cy="0"/>
+        </a:xfrm>
+      </p:grpSpPr>
+      <p:sp>
+        <p:nvSpPr>
+          <p:cNvPr id="2" name="Title 1"/>
+          <p:cNvSpPr>
+            <a:spLocks noGrp="1"/>
+          </p:cNvSpPr>
+          <p:nvPr>
+            <p:ph type="title"/>
+          </p:nvPr>
+        </p:nvSpPr>
+        <p:spPr>
+          <a:xfrm>
+            <a:off x="1295401" y="4815415"/>
+            <a:ext cx="9609666" cy="566738"/>
+          </a:xfrm>
+        </p:spPr>
+        <p:txBody>
+          <a:bodyPr anchor="b">
+            <a:normAutofit/>
+          </a:bodyPr>
+          <a:lstStyle>
+            <a:lvl1pPr algn="ctr">
+              <a:defRPr sz="2400" b="0"/>
+            </a:lvl1pPr>
+          </a:lstStyle>
+          <a:p>
+            <a:r>
+              <a:rPr lang="ja-JP" altLang="en-US" smtClean="0"/>
+              <a:t>マスター タイトルの書式設定</a:t>
+            </a:r>
+            <a:endParaRPr lang="en-US" dirty="0"/>
+          </a:p>
+        </p:txBody>
+      </p:sp>
+      <p:sp>
+        <p:nvSpPr>
+          <p:cNvPr id="3" name="Picture Placeholder 2"/>
+          <p:cNvSpPr>
+            <a:spLocks noGrp="1" noChangeAspect="1"/>
+          </p:cNvSpPr>
+          <p:nvPr>
+            <p:ph type="pic" idx="1"/>
+          </p:nvPr>
+        </p:nvSpPr>
+        <p:spPr>
+          <a:xfrm>
+            <a:off x="1041427" y="1041399"/>
+            <a:ext cx="10105972" cy="3335869"/>
+          </a:xfrm>
+          <a:prstGeom prst="roundRect">
+            <a:avLst>
+              <a:gd name="adj" fmla="val 0"/>
+            </a:avLst>
+          </a:prstGeom>
+          <a:ln w="57150" cmpd="thickThin">
+            <a:solidFill>
+              <a:schemeClr val="tx1">
+                <a:lumMod val="50000"/>
+                <a:lumOff val="50000"/>
+              </a:schemeClr>
+            </a:solidFill>
+            <a:miter lim="800000"/>
+          </a:ln>
+          <a:effectLst>
+            <a:innerShdw blurRad="57150" dist="38100" dir="14460000">
+              <a:srgbClr val="000000">
+                <a:alpha val="70000"/>
+              </a:srgbClr>
+            </a:innerShdw>
+          </a:effectLst>
+        </p:spPr>
+        <p:txBody>
+          <a:bodyPr anchor="t">
+            <a:normAutofit/>
+          </a:bodyPr>
+          <a:lstStyle>
+            <a:lvl1pPr marL="0" indent="0" algn="ctr">
+              <a:buNone/>
+              <a:defRPr sz="1600"/>
+            </a:lvl1pPr>
+            <a:lvl2pPr marL="457200" indent="0">
+              <a:buNone/>
+              <a:defRPr sz="1600"/>
+            </a:lvl2pPr>
+            <a:lvl3pPr marL="914400" indent="0">
+              <a:buNone/>
+              <a:defRPr sz="1600"/>
+            </a:lvl3pPr>
+            <a:lvl4pPr marL="1371600" indent="0">
+              <a:buNone/>
+              <a:defRPr sz="1600"/>
+            </a:lvl4pPr>
+            <a:lvl5pPr marL="1828800" indent="0">
+              <a:buNone/>
+              <a:defRPr sz="1600"/>
+            </a:lvl5pPr>
+            <a:lvl6pPr marL="2286000" indent="0">
+              <a:buNone/>
+              <a:defRPr sz="1600"/>
+            </a:lvl6pPr>
+            <a:lvl7pPr marL="2743200" indent="0">
+              <a:buNone/>
+              <a:defRPr sz="1600"/>
+            </a:lvl7pPr>
+            <a:lvl8pPr marL="3200400" indent="0">
+              <a:buNone/>
+              <a:defRPr sz="1600"/>
+            </a:lvl8pPr>
+            <a:lvl9pPr marL="3657600" indent="0">
+              <a:buNone/>
+              <a:defRPr sz="1600"/>
+            </a:lvl9pPr>
+          </a:lstStyle>
+          <a:p>
+            <a:r>
+              <a:rPr lang="ja-JP" altLang="en-US" smtClean="0"/>
+              <a:t>図を追加</a:t>
+            </a:r>
+            <a:endParaRPr lang="en-US" dirty="0"/>
+          </a:p>
+        </p:txBody>
+      </p:sp>
+      <p:sp>
+        <p:nvSpPr>
+          <p:cNvPr id="4" name="Text Placeholder 3"/>
+          <p:cNvSpPr>
+            <a:spLocks noGrp="1"/>
+          </p:cNvSpPr>
+          <p:nvPr>
+            <p:ph type="body" sz="half" idx="2"/>
+          </p:nvPr>
+        </p:nvSpPr>
+        <p:spPr>
+          <a:xfrm>
+            <a:off x="1295401" y="5382153"/>
+            <a:ext cx="9609666" cy="493712"/>
+          </a:xfrm>
+        </p:spPr>
+        <p:txBody>
+          <a:bodyPr>
+            <a:normAutofit/>
+          </a:bodyPr>
+          <a:lstStyle>
+            <a:lvl1pPr marL="0" indent="0" algn="ctr">
+              <a:buNone/>
+              <a:defRPr sz="1400"/>
+            </a:lvl1pPr>
+            <a:lvl2pPr marL="457200" indent="0">
+              <a:buNone/>
+              <a:defRPr sz="1200"/>
+            </a:lvl2pPr>
+            <a:lvl3pPr marL="914400" indent="0">
+              <a:buNone/>
+              <a:defRPr sz="1000"/>
+            </a:lvl3pPr>
+            <a:lvl4pPr marL="1371600" indent="0">
+              <a:buNone/>
+              <a:defRPr sz="900"/>
+            </a:lvl4pPr>
+            <a:lvl5pPr marL="1828800" indent="0">
+              <a:buNone/>
+              <a:defRPr sz="900"/>
+            </a:lvl5pPr>
+            <a:lvl6pPr marL="2286000" indent="0">
+              <a:buNone/>
+              <a:defRPr sz="900"/>
+            </a:lvl6pPr>
+            <a:lvl7pPr marL="2743200" indent="0">
+              <a:buNone/>
+              <a:defRPr sz="900"/>
+            </a:lvl7pPr>
+            <a:lvl8pPr marL="3200400" indent="0">
+              <a:buNone/>
+              <a:defRPr sz="900"/>
+            </a:lvl8pPr>
+            <a:lvl9pPr marL="3657600" indent="0">
+              <a:buNone/>
+              <a:defRPr sz="900"/>
+            </a:lvl9pPr>
+          </a:lstStyle>
+          <a:p>
+            <a:pPr lvl="0"/>
+            <a:r>
+              <a:rPr lang="ja-JP" altLang="en-US" smtClean="0"/>
+              <a:t>マスター テキストの書式設定</a:t>
+            </a:r>
+          </a:p>
+        </p:txBody>
+      </p:sp>
+      <p:sp>
+        <p:nvSpPr>
+          <p:cNvPr id="5" name="Date Placeholder 4"/>
+          <p:cNvSpPr>
+            <a:spLocks noGrp="1"/>
+          </p:cNvSpPr>
+          <p:nvPr>
+            <p:ph type="dt" sz="half" idx="10"/>
+          </p:nvPr>
+        </p:nvSpPr>
+        <p:spPr/>
+        <p:txBody>
+          <a:bodyPr/>
+          <a:lstStyle/>
+          <a:p>
+            <a:fld id="{715A4993-4668-4F9E-BB8C-4CD671B46C76}" type="datetimeFigureOut">
+              <a:rPr kumimoji="1" lang="ja-JP" altLang="en-US" smtClean="0"/>
+              <a:t>2015/12/16</a:t>
+            </a:fld>
+            <a:endParaRPr kumimoji="1" lang="ja-JP" altLang="en-US"/>
+          </a:p>
+        </p:txBody>
+      </p:sp>
+      <p:sp>
+        <p:nvSpPr>
+          <p:cNvPr id="6" name="Footer Placeholder 5"/>
+          <p:cNvSpPr>
+            <a:spLocks noGrp="1"/>
+          </p:cNvSpPr>
+          <p:nvPr>
+            <p:ph type="ftr" sz="quarter" idx="11"/>
+          </p:nvPr>
+        </p:nvSpPr>
+        <p:spPr/>
+        <p:txBody>
+          <a:bodyPr/>
+          <a:lstStyle/>
+          <a:p>
+            <a:endParaRPr kumimoji="1" lang="ja-JP" altLang="en-US"/>
+          </a:p>
+        </p:txBody>
+      </p:sp>
+      <p:sp>
+        <p:nvSpPr>
+          <p:cNvPr id="7" name="Slide Number Placeholder 6"/>
+          <p:cNvSpPr>
+            <a:spLocks noGrp="1"/>
+          </p:cNvSpPr>
+          <p:nvPr>
+            <p:ph type="sldNum" sz="quarter" idx="12"/>
+          </p:nvPr>
+        </p:nvSpPr>
+        <p:spPr/>
+        <p:txBody>
+          <a:bodyPr/>
+          <a:lstStyle/>
+          <a:p>
+            <a:fld id="{ACFD42AE-4C93-469F-B614-3F571304D59A}" type="slidenum">
+              <a:rPr kumimoji="1" lang="ja-JP" altLang="en-US" smtClean="0"/>
+              <a:t>‹#›</a:t>
+            </a:fld>
+            <a:endParaRPr kumimoji="1" lang="ja-JP" altLang="en-US"/>
+          </a:p>
+        </p:txBody>
+      </p:sp>
+    </p:spTree>
+    <p:extLst>
+      <p:ext uri="{BB962C8B-B14F-4D97-AF65-F5344CB8AC3E}">
+        <p14:creationId xmlns:p14="http://schemas.microsoft.com/office/powerpoint/2010/main" val="2317330473"/>
+      </p:ext>
+    </p:extLst>
+  </p:cSld>
+  <p:clrMapOvr>
+    <a:masterClrMapping/>
+  </p:clrMapOvr>
+</p:sldLayout>
+</file>
+
+<file path=ppt/slideLayouts/slideLayout11.xml><?xml version="1.0" encoding="utf-8"?>
+<p:sldLayout xmlns:a="http://schemas.openxmlformats.org/drawingml/2006/main" xmlns:r="http://schemas.openxmlformats.org/officeDocument/2006/relationships" xmlns:p="http://schemas.openxmlformats.org/presentationml/2006/main" preserve="1">
+  <p:cSld name="タイトルとキャプション">
+    <p:spTree>
+      <p:nvGrpSpPr>
+        <p:cNvPr id="1" name=""/>
+        <p:cNvGrpSpPr/>
+        <p:nvPr/>
+      </p:nvGrpSpPr>
+      <p:grpSpPr>
+        <a:xfrm>
+          <a:off x="0" y="0"/>
+          <a:ext cx="0" cy="0"/>
+          <a:chOff x="0" y="0"/>
+          <a:chExt cx="0" cy="0"/>
+        </a:xfrm>
+      </p:grpSpPr>
+      <p:sp>
+        <p:nvSpPr>
+          <p:cNvPr id="2" name="Title 1"/>
+          <p:cNvSpPr>
+            <a:spLocks noGrp="1"/>
+          </p:cNvSpPr>
+          <p:nvPr>
+            <p:ph type="title"/>
+          </p:nvPr>
+        </p:nvSpPr>
+        <p:spPr>
+          <a:xfrm>
+            <a:off x="1303868" y="982132"/>
+            <a:ext cx="9592732" cy="2954868"/>
+          </a:xfrm>
+        </p:spPr>
+        <p:txBody>
+          <a:bodyPr anchor="ctr">
+            <a:normAutofit/>
+          </a:bodyPr>
+          <a:lstStyle>
+            <a:lvl1pPr algn="ctr">
+              <a:defRPr sz="3200" b="0" cap="none"/>
+            </a:lvl1pPr>
+          </a:lstStyle>
+          <a:p>
+            <a:r>
+              <a:rPr lang="ja-JP" altLang="en-US" smtClean="0"/>
+              <a:t>マスター タイトルの書式設定</a:t>
+            </a:r>
+            <a:endParaRPr lang="en-US" dirty="0"/>
+          </a:p>
+        </p:txBody>
+      </p:sp>
+      <p:sp>
+        <p:nvSpPr>
+          <p:cNvPr id="3" name="Text Placeholder 2"/>
+          <p:cNvSpPr>
+            <a:spLocks noGrp="1"/>
+          </p:cNvSpPr>
+          <p:nvPr>
+            <p:ph type="body" idx="1"/>
+          </p:nvPr>
+        </p:nvSpPr>
+        <p:spPr>
+          <a:xfrm>
+            <a:off x="1303868" y="4343399"/>
+            <a:ext cx="9592732" cy="1532467"/>
+          </a:xfrm>
+        </p:spPr>
+        <p:txBody>
+          <a:bodyPr anchor="ctr">
+            <a:normAutofit/>
+          </a:bodyPr>
+          <a:lstStyle>
+            <a:lvl1pPr marL="0" indent="0" algn="ctr">
+              <a:buNone/>
+              <a:defRPr sz="2000">
+                <a:solidFill>
+                  <a:schemeClr val="tx1"/>
+                </a:solidFill>
+              </a:defRPr>
+            </a:lvl1pPr>
+            <a:lvl2pPr marL="457200" indent="0">
+              <a:buNone/>
+              <a:defRPr sz="1800">
+                <a:solidFill>
+                  <a:schemeClr val="tx1">
+                    <a:tint val="75000"/>
+                  </a:schemeClr>
+                </a:solidFill>
+              </a:defRPr>
+            </a:lvl2pPr>
+            <a:lvl3pPr marL="914400" indent="0">
+              <a:buNone/>
+              <a:defRPr sz="1600">
+                <a:solidFill>
+                  <a:schemeClr val="tx1">
+                    <a:tint val="75000"/>
+                  </a:schemeClr>
+                </a:solidFill>
+              </a:defRPr>
+            </a:lvl3pPr>
+            <a:lvl4pPr marL="1371600" indent="0">
+              <a:buNone/>
+              <a:defRPr sz="1400">
+                <a:solidFill>
+                  <a:schemeClr val="tx1">
+                    <a:tint val="75000"/>
+                  </a:schemeClr>
+                </a:solidFill>
+              </a:defRPr>
+            </a:lvl4pPr>
+            <a:lvl5pPr marL="1828800" indent="0">
+              <a:buNone/>
+              <a:defRPr sz="1400">
+                <a:solidFill>
+                  <a:schemeClr val="tx1">
+                    <a:tint val="75000"/>
+                  </a:schemeClr>
+                </a:solidFill>
+              </a:defRPr>
+            </a:lvl5pPr>
+            <a:lvl6pPr marL="2286000" indent="0">
+              <a:buNone/>
+              <a:defRPr sz="1400">
+                <a:solidFill>
+                  <a:schemeClr val="tx1">
+                    <a:tint val="75000"/>
+                  </a:schemeClr>
+                </a:solidFill>
+              </a:defRPr>
+            </a:lvl6pPr>
+            <a:lvl7pPr marL="2743200" indent="0">
+              <a:buNone/>
+              <a:defRPr sz="1400">
+                <a:solidFill>
+                  <a:schemeClr val="tx1">
+                    <a:tint val="75000"/>
+                  </a:schemeClr>
+                </a:solidFill>
+              </a:defRPr>
+            </a:lvl7pPr>
+            <a:lvl8pPr marL="3200400" indent="0">
+              <a:buNone/>
+              <a:defRPr sz="1400">
+                <a:solidFill>
+                  <a:schemeClr val="tx1">
+                    <a:tint val="75000"/>
+                  </a:schemeClr>
+                </a:solidFill>
+              </a:defRPr>
+            </a:lvl8pPr>
+            <a:lvl9pPr marL="3657600" indent="0">
+              <a:buNone/>
+              <a:defRPr sz="1400">
+                <a:solidFill>
+                  <a:schemeClr val="tx1">
+                    <a:tint val="75000"/>
+                  </a:schemeClr>
+                </a:solidFill>
+              </a:defRPr>
+            </a:lvl9pPr>
+          </a:lstStyle>
+          <a:p>
+            <a:pPr lvl="0"/>
+            <a:r>
+              <a:rPr lang="ja-JP" altLang="en-US" smtClean="0"/>
+              <a:t>マスター テキストの書式設定</a:t>
+            </a:r>
+          </a:p>
+        </p:txBody>
+      </p:sp>
+      <p:sp>
+        <p:nvSpPr>
+          <p:cNvPr id="4" name="Date Placeholder 3"/>
+          <p:cNvSpPr>
+            <a:spLocks noGrp="1"/>
+          </p:cNvSpPr>
+          <p:nvPr>
+            <p:ph type="dt" sz="half" idx="10"/>
+          </p:nvPr>
+        </p:nvSpPr>
+        <p:spPr/>
+        <p:txBody>
+          <a:bodyPr/>
+          <a:lstStyle/>
+          <a:p>
+            <a:fld id="{715A4993-4668-4F9E-BB8C-4CD671B46C76}" type="datetimeFigureOut">
+              <a:rPr kumimoji="1" lang="ja-JP" altLang="en-US" smtClean="0"/>
+              <a:t>2015/12/16</a:t>
+            </a:fld>
+            <a:endParaRPr kumimoji="1" lang="ja-JP" altLang="en-US"/>
+          </a:p>
+        </p:txBody>
+      </p:sp>
+      <p:sp>
+        <p:nvSpPr>
+          <p:cNvPr id="5" name="Footer Placeholder 4"/>
+          <p:cNvSpPr>
+            <a:spLocks noGrp="1"/>
+          </p:cNvSpPr>
+          <p:nvPr>
+            <p:ph type="ftr" sz="quarter" idx="11"/>
+          </p:nvPr>
+        </p:nvSpPr>
+        <p:spPr/>
+        <p:txBody>
+          <a:bodyPr/>
+          <a:lstStyle/>
+          <a:p>
+            <a:endParaRPr kumimoji="1" lang="ja-JP" altLang="en-US"/>
+          </a:p>
+        </p:txBody>
+      </p:sp>
+      <p:sp>
+        <p:nvSpPr>
+          <p:cNvPr id="6" name="Slide Number Placeholder 5"/>
+          <p:cNvSpPr>
+            <a:spLocks noGrp="1"/>
+          </p:cNvSpPr>
+          <p:nvPr>
+            <p:ph type="sldNum" sz="quarter" idx="12"/>
+          </p:nvPr>
+        </p:nvSpPr>
+        <p:spPr/>
+        <p:txBody>
+          <a:bodyPr/>
+          <a:lstStyle/>
+          <a:p>
+            <a:fld id="{ACFD42AE-4C93-469F-B614-3F571304D59A}" type="slidenum">
+              <a:rPr kumimoji="1" lang="ja-JP" altLang="en-US" smtClean="0"/>
+              <a:t>‹#›</a:t>
+            </a:fld>
+            <a:endParaRPr kumimoji="1" lang="ja-JP" altLang="en-US"/>
+          </a:p>
+        </p:txBody>
+      </p:sp>
+      <p:cxnSp>
+        <p:nvCxnSpPr>
+          <p:cNvPr id="15" name="Straight Connector 14"/>
+          <p:cNvCxnSpPr/>
+          <p:nvPr/>
+        </p:nvCxnSpPr>
+        <p:spPr>
+          <a:xfrm>
+            <a:off x="1396169" y="4140199"/>
+            <a:ext cx="9407298" cy="0"/>
+          </a:xfrm>
+          <a:prstGeom prst="line">
+            <a:avLst/>
+          </a:prstGeom>
+          <a:ln w="15875"/>
+        </p:spPr>
+        <p:style>
+          <a:lnRef idx="2">
+            <a:schemeClr val="accent1"/>
+          </a:lnRef>
+          <a:fillRef idx="0">
+            <a:schemeClr val="accent1"/>
+          </a:fillRef>
+          <a:effectRef idx="1">
+            <a:schemeClr val="accent1"/>
+          </a:effectRef>
+          <a:fontRef idx="minor">
+            <a:schemeClr val="tx1"/>
+          </a:fontRef>
+        </p:style>
+      </p:cxnSp>
+    </p:spTree>
+    <p:extLst>
+      <p:ext uri="{BB962C8B-B14F-4D97-AF65-F5344CB8AC3E}">
+        <p14:creationId xmlns:p14="http://schemas.microsoft.com/office/powerpoint/2010/main" val="453826166"/>
+      </p:ext>
+    </p:extLst>
+  </p:cSld>
+  <p:clrMapOvr>
+    <a:masterClrMapping/>
+  </p:clrMapOvr>
+</p:sldLayout>
+</file>
+
+<file path=ppt/slideLayouts/slideLayout12.xml><?xml version="1.0" encoding="utf-8"?>
+<p:sldLayout xmlns:a="http://schemas.openxmlformats.org/drawingml/2006/main" xmlns:r="http://schemas.openxmlformats.org/officeDocument/2006/relationships" xmlns:p="http://schemas.openxmlformats.org/presentationml/2006/main" preserve="1">
+  <p:cSld name="引用 (キャプション付き)">
+    <p:spTree>
+      <p:nvGrpSpPr>
+        <p:cNvPr id="1" name=""/>
+        <p:cNvGrpSpPr/>
+        <p:nvPr/>
+      </p:nvGrpSpPr>
+      <p:grpSpPr>
+        <a:xfrm>
+          <a:off x="0" y="0"/>
+          <a:ext cx="0" cy="0"/>
+          <a:chOff x="0" y="0"/>
+          <a:chExt cx="0" cy="0"/>
+        </a:xfrm>
+      </p:grpSpPr>
+      <p:sp>
+        <p:nvSpPr>
+          <p:cNvPr id="2" name="Title 1"/>
+          <p:cNvSpPr>
+            <a:spLocks noGrp="1"/>
+          </p:cNvSpPr>
+          <p:nvPr>
+            <p:ph type="title"/>
+          </p:nvPr>
+        </p:nvSpPr>
+        <p:spPr>
+          <a:xfrm>
+            <a:off x="1446213" y="982132"/>
+            <a:ext cx="9296398" cy="2370668"/>
+          </a:xfrm>
+        </p:spPr>
+        <p:txBody>
+          <a:bodyPr anchor="ctr">
+            <a:normAutofit/>
+          </a:bodyPr>
+          <a:lstStyle>
+            <a:lvl1pPr algn="ctr">
+              <a:defRPr sz="3200" b="0" cap="none">
+                <a:solidFill>
+                  <a:schemeClr val="tx1"/>
+                </a:solidFill>
+              </a:defRPr>
+            </a:lvl1pPr>
+          </a:lstStyle>
+          <a:p>
+            <a:r>
+              <a:rPr lang="ja-JP" altLang="en-US" smtClean="0"/>
+              <a:t>マスター タイトルの書式設定</a:t>
+            </a:r>
+            <a:endParaRPr lang="en-US" dirty="0"/>
+          </a:p>
+        </p:txBody>
+      </p:sp>
+      <p:sp>
+        <p:nvSpPr>
+          <p:cNvPr id="10" name="Text Placeholder 9"/>
+          <p:cNvSpPr>
+            <a:spLocks noGrp="1"/>
+          </p:cNvSpPr>
+          <p:nvPr>
+            <p:ph type="body" sz="quarter" idx="13"/>
+          </p:nvPr>
+        </p:nvSpPr>
+        <p:spPr>
+          <a:xfrm>
+            <a:off x="1674812" y="3352800"/>
+            <a:ext cx="8839202" cy="584200"/>
+          </a:xfrm>
+        </p:spPr>
+        <p:txBody>
+          <a:bodyPr anchor="ctr">
+            <a:normAutofit/>
+          </a:bodyPr>
+          <a:lstStyle>
+            <a:lvl1pPr marL="0" indent="0" algn="r">
+              <a:buFontTx/>
+              <a:buNone/>
+              <a:defRPr sz="2000"/>
+            </a:lvl1pPr>
+            <a:lvl2pPr marL="457200" indent="0">
+              <a:buFontTx/>
+              <a:buNone/>
+              <a:defRPr/>
+            </a:lvl2pPr>
+            <a:lvl3pPr marL="914400" indent="0">
+              <a:buFontTx/>
+              <a:buNone/>
+              <a:defRPr/>
+            </a:lvl3pPr>
+            <a:lvl4pPr marL="1371600" indent="0">
+              <a:buFontTx/>
+              <a:buNone/>
+              <a:defRPr/>
+            </a:lvl4pPr>
+            <a:lvl5pPr marL="1828800" indent="0">
+              <a:buFontTx/>
+              <a:buNone/>
+              <a:defRPr/>
+            </a:lvl5pPr>
+          </a:lstStyle>
+          <a:p>
+            <a:pPr lvl="0"/>
+            <a:r>
+              <a:rPr lang="ja-JP" altLang="en-US" smtClean="0"/>
+              <a:t>マスター テキストの書式設定</a:t>
+            </a:r>
+          </a:p>
+        </p:txBody>
+      </p:sp>
+      <p:sp>
+        <p:nvSpPr>
+          <p:cNvPr id="3" name="Text Placeholder 2"/>
+          <p:cNvSpPr>
+            <a:spLocks noGrp="1"/>
+          </p:cNvSpPr>
+          <p:nvPr>
+            <p:ph type="body" idx="1"/>
+          </p:nvPr>
+        </p:nvSpPr>
+        <p:spPr>
+          <a:xfrm>
+            <a:off x="1295401" y="4343399"/>
+            <a:ext cx="9609666" cy="1532467"/>
+          </a:xfrm>
+        </p:spPr>
+        <p:txBody>
+          <a:bodyPr anchor="ctr">
+            <a:normAutofit/>
+          </a:bodyPr>
+          <a:lstStyle>
+            <a:lvl1pPr marL="0" indent="0" algn="ctr">
+              <a:buNone/>
+              <a:defRPr sz="2000">
+                <a:solidFill>
+                  <a:schemeClr val="tx1"/>
+                </a:solidFill>
+              </a:defRPr>
+            </a:lvl1pPr>
+            <a:lvl2pPr marL="457200" indent="0">
+              <a:buNone/>
+              <a:defRPr sz="1800">
+                <a:solidFill>
+                  <a:schemeClr val="tx1">
+                    <a:tint val="75000"/>
+                  </a:schemeClr>
+                </a:solidFill>
+              </a:defRPr>
+            </a:lvl2pPr>
+            <a:lvl3pPr marL="914400" indent="0">
+              <a:buNone/>
+              <a:defRPr sz="1600">
+                <a:solidFill>
+                  <a:schemeClr val="tx1">
+                    <a:tint val="75000"/>
+                  </a:schemeClr>
+                </a:solidFill>
+              </a:defRPr>
+            </a:lvl3pPr>
+            <a:lvl4pPr marL="1371600" indent="0">
+              <a:buNone/>
+              <a:defRPr sz="1400">
+                <a:solidFill>
+                  <a:schemeClr val="tx1">
+                    <a:tint val="75000"/>
+                  </a:schemeClr>
+                </a:solidFill>
+              </a:defRPr>
+            </a:lvl4pPr>
+            <a:lvl5pPr marL="1828800" indent="0">
+              <a:buNone/>
+              <a:defRPr sz="1400">
+                <a:solidFill>
+                  <a:schemeClr val="tx1">
+                    <a:tint val="75000"/>
+                  </a:schemeClr>
+                </a:solidFill>
+              </a:defRPr>
+            </a:lvl5pPr>
+            <a:lvl6pPr marL="2286000" indent="0">
+              <a:buNone/>
+              <a:defRPr sz="1400">
+                <a:solidFill>
+                  <a:schemeClr val="tx1">
+                    <a:tint val="75000"/>
+                  </a:schemeClr>
+                </a:solidFill>
+              </a:defRPr>
+            </a:lvl6pPr>
+            <a:lvl7pPr marL="2743200" indent="0">
+              <a:buNone/>
+              <a:defRPr sz="1400">
+                <a:solidFill>
+                  <a:schemeClr val="tx1">
+                    <a:tint val="75000"/>
+                  </a:schemeClr>
+                </a:solidFill>
+              </a:defRPr>
+            </a:lvl7pPr>
+            <a:lvl8pPr marL="3200400" indent="0">
+              <a:buNone/>
+              <a:defRPr sz="1400">
+                <a:solidFill>
+                  <a:schemeClr val="tx1">
+                    <a:tint val="75000"/>
+                  </a:schemeClr>
+                </a:solidFill>
+              </a:defRPr>
+            </a:lvl8pPr>
+            <a:lvl9pPr marL="3657600" indent="0">
+              <a:buNone/>
+              <a:defRPr sz="1400">
+                <a:solidFill>
+                  <a:schemeClr val="tx1">
+                    <a:tint val="75000"/>
+                  </a:schemeClr>
+                </a:solidFill>
+              </a:defRPr>
+            </a:lvl9pPr>
+          </a:lstStyle>
+          <a:p>
+            <a:pPr lvl="0"/>
+            <a:r>
+              <a:rPr lang="ja-JP" altLang="en-US" smtClean="0"/>
+              <a:t>マスター テキストの書式設定</a:t>
+            </a:r>
+          </a:p>
+        </p:txBody>
+      </p:sp>
+      <p:sp>
+        <p:nvSpPr>
+          <p:cNvPr id="4" name="Date Placeholder 3"/>
+          <p:cNvSpPr>
+            <a:spLocks noGrp="1"/>
+          </p:cNvSpPr>
+          <p:nvPr>
+            <p:ph type="dt" sz="half" idx="10"/>
+          </p:nvPr>
+        </p:nvSpPr>
+        <p:spPr/>
+        <p:txBody>
+          <a:bodyPr/>
+          <a:lstStyle/>
+          <a:p>
+            <a:fld id="{715A4993-4668-4F9E-BB8C-4CD671B46C76}" type="datetimeFigureOut">
+              <a:rPr kumimoji="1" lang="ja-JP" altLang="en-US" smtClean="0"/>
+              <a:t>2015/12/16</a:t>
+            </a:fld>
+            <a:endParaRPr kumimoji="1" lang="ja-JP" altLang="en-US"/>
+          </a:p>
+        </p:txBody>
+      </p:sp>
+      <p:sp>
+        <p:nvSpPr>
+          <p:cNvPr id="5" name="Footer Placeholder 4"/>
+          <p:cNvSpPr>
+            <a:spLocks noGrp="1"/>
+          </p:cNvSpPr>
+          <p:nvPr>
+            <p:ph type="ftr" sz="quarter" idx="11"/>
+          </p:nvPr>
+        </p:nvSpPr>
+        <p:spPr/>
+        <p:txBody>
+          <a:bodyPr/>
+          <a:lstStyle/>
+          <a:p>
+            <a:endParaRPr kumimoji="1" lang="ja-JP" altLang="en-US"/>
+          </a:p>
+        </p:txBody>
+      </p:sp>
+      <p:sp>
+        <p:nvSpPr>
+          <p:cNvPr id="6" name="Slide Number Placeholder 5"/>
+          <p:cNvSpPr>
+            <a:spLocks noGrp="1"/>
+          </p:cNvSpPr>
+          <p:nvPr>
+            <p:ph type="sldNum" sz="quarter" idx="12"/>
+          </p:nvPr>
+        </p:nvSpPr>
+        <p:spPr/>
+        <p:txBody>
+          <a:bodyPr/>
+          <a:lstStyle/>
+          <a:p>
+            <a:fld id="{ACFD42AE-4C93-469F-B614-3F571304D59A}" type="slidenum">
+              <a:rPr kumimoji="1" lang="ja-JP" altLang="en-US" smtClean="0"/>
+              <a:t>‹#›</a:t>
+            </a:fld>
+            <a:endParaRPr kumimoji="1" lang="ja-JP" altLang="en-US"/>
+          </a:p>
+        </p:txBody>
+      </p:sp>
+      <p:sp>
+        <p:nvSpPr>
+          <p:cNvPr id="14" name="TextBox 13"/>
+          <p:cNvSpPr txBox="1"/>
+          <p:nvPr/>
+        </p:nvSpPr>
+        <p:spPr>
+          <a:xfrm>
+            <a:off x="862013" y="879961"/>
+            <a:ext cx="609600" cy="584776"/>
+          </a:xfrm>
+          <a:prstGeom prst="rect">
+            <a:avLst/>
+          </a:prstGeom>
+        </p:spPr>
+        <p:txBody>
+          <a:bodyPr vert="horz" lIns="91440" tIns="45720" rIns="91440" bIns="45720" rtlCol="0" anchor="ctr">
+            <a:noAutofit/>
+          </a:bodyPr>
+          <a:lstStyle/>
+          <a:p>
+            <a:pPr lvl="0"/>
+            <a:r>
+              <a:rPr lang="en-US" sz="8000" dirty="0">
+                <a:solidFill>
+                  <a:schemeClr val="tx1"/>
+                </a:solidFill>
+                <a:effectLst/>
+              </a:rPr>
+              <a:t>“</a:t>
+            </a:r>
+          </a:p>
+        </p:txBody>
+      </p:sp>
+      <p:sp>
+        <p:nvSpPr>
+          <p:cNvPr id="15" name="TextBox 14"/>
+          <p:cNvSpPr txBox="1"/>
+          <p:nvPr/>
+        </p:nvSpPr>
+        <p:spPr>
+          <a:xfrm>
+            <a:off x="10600267" y="2827870"/>
+            <a:ext cx="609600" cy="584776"/>
+          </a:xfrm>
+          <a:prstGeom prst="rect">
+            <a:avLst/>
+          </a:prstGeom>
+        </p:spPr>
+        <p:txBody>
+          <a:bodyPr vert="horz" lIns="91440" tIns="45720" rIns="91440" bIns="45720" rtlCol="0" anchor="ctr">
+            <a:noAutofit/>
+          </a:bodyPr>
+          <a:lstStyle/>
+          <a:p>
+            <a:pPr lvl="0" algn="r"/>
+            <a:r>
+              <a:rPr lang="en-US" sz="8000" dirty="0">
+                <a:solidFill>
+                  <a:schemeClr val="tx1"/>
+                </a:solidFill>
+                <a:effectLst/>
+              </a:rPr>
+              <a:t>”</a:t>
+            </a:r>
+          </a:p>
+        </p:txBody>
+      </p:sp>
+      <p:cxnSp>
+        <p:nvCxnSpPr>
+          <p:cNvPr id="19" name="Straight Connector 18"/>
+          <p:cNvCxnSpPr/>
+          <p:nvPr/>
+        </p:nvCxnSpPr>
+        <p:spPr>
+          <a:xfrm>
+            <a:off x="1396169" y="4140199"/>
+            <a:ext cx="9407298" cy="0"/>
+          </a:xfrm>
+          <a:prstGeom prst="line">
+            <a:avLst/>
+          </a:prstGeom>
+          <a:ln w="15875"/>
+        </p:spPr>
+        <p:style>
+          <a:lnRef idx="2">
+            <a:schemeClr val="accent1"/>
+          </a:lnRef>
+          <a:fillRef idx="0">
+            <a:schemeClr val="accent1"/>
+          </a:fillRef>
+          <a:effectRef idx="1">
+            <a:schemeClr val="accent1"/>
+          </a:effectRef>
+          <a:fontRef idx="minor">
+            <a:schemeClr val="tx1"/>
+          </a:fontRef>
+        </p:style>
+      </p:cxnSp>
+    </p:spTree>
+    <p:extLst>
+      <p:ext uri="{BB962C8B-B14F-4D97-AF65-F5344CB8AC3E}">
+        <p14:creationId xmlns:p14="http://schemas.microsoft.com/office/powerpoint/2010/main" val="2625186362"/>
+      </p:ext>
+    </p:extLst>
+  </p:cSld>
+  <p:clrMapOvr>
+    <a:masterClrMapping/>
+  </p:clrMapOvr>
+</p:sldLayout>
+</file>
+
+<file path=ppt/slideLayouts/slideLayout13.xml><?xml version="1.0" encoding="utf-8"?>
+<p:sldLayout xmlns:a="http://schemas.openxmlformats.org/drawingml/2006/main" xmlns:r="http://schemas.openxmlformats.org/officeDocument/2006/relationships" xmlns:p="http://schemas.openxmlformats.org/presentationml/2006/main" preserve="1">
+  <p:cSld name="名札">
+    <p:spTree>
+      <p:nvGrpSpPr>
+        <p:cNvPr id="1" name=""/>
+        <p:cNvGrpSpPr/>
+        <p:nvPr/>
+      </p:nvGrpSpPr>
+      <p:grpSpPr>
+        <a:xfrm>
+          <a:off x="0" y="0"/>
+          <a:ext cx="0" cy="0"/>
+          <a:chOff x="0" y="0"/>
+          <a:chExt cx="0" cy="0"/>
+        </a:xfrm>
+      </p:grpSpPr>
+      <p:sp>
+        <p:nvSpPr>
+          <p:cNvPr id="2" name="Title 1"/>
+          <p:cNvSpPr>
+            <a:spLocks noGrp="1"/>
+          </p:cNvSpPr>
+          <p:nvPr>
+            <p:ph type="title"/>
+          </p:nvPr>
+        </p:nvSpPr>
+        <p:spPr>
+          <a:xfrm>
+            <a:off x="1295402" y="3308581"/>
+            <a:ext cx="9609668" cy="1468800"/>
+          </a:xfrm>
+        </p:spPr>
+        <p:txBody>
+          <a:bodyPr anchor="b">
+            <a:normAutofit/>
+          </a:bodyPr>
+          <a:lstStyle>
+            <a:lvl1pPr algn="l">
+              <a:defRPr sz="3200" b="0" cap="none"/>
+            </a:lvl1pPr>
+          </a:lstStyle>
+          <a:p>
+            <a:r>
+              <a:rPr lang="ja-JP" altLang="en-US" smtClean="0"/>
+              <a:t>マスター タイトルの書式設定</a:t>
+            </a:r>
+            <a:endParaRPr lang="en-US" dirty="0"/>
+          </a:p>
+        </p:txBody>
+      </p:sp>
+      <p:sp>
+        <p:nvSpPr>
+          <p:cNvPr id="3" name="Text Placeholder 2"/>
+          <p:cNvSpPr>
+            <a:spLocks noGrp="1"/>
+          </p:cNvSpPr>
+          <p:nvPr>
+            <p:ph type="body" idx="1"/>
+          </p:nvPr>
+        </p:nvSpPr>
+        <p:spPr>
+          <a:xfrm>
+            <a:off x="1295401" y="4777381"/>
+            <a:ext cx="9609668" cy="860400"/>
+          </a:xfrm>
+        </p:spPr>
+        <p:txBody>
+          <a:bodyPr anchor="t">
+            <a:normAutofit/>
+          </a:bodyPr>
+          <a:lstStyle>
+            <a:lvl1pPr marL="0" indent="0" algn="l">
+              <a:buNone/>
+              <a:defRPr sz="2000">
+                <a:solidFill>
+                  <a:schemeClr val="tx1"/>
+                </a:solidFill>
+              </a:defRPr>
+            </a:lvl1pPr>
+            <a:lvl2pPr marL="457200" indent="0">
+              <a:buNone/>
+              <a:defRPr sz="1800">
+                <a:solidFill>
+                  <a:schemeClr val="tx1">
+                    <a:tint val="75000"/>
+                  </a:schemeClr>
+                </a:solidFill>
+              </a:defRPr>
+            </a:lvl2pPr>
+            <a:lvl3pPr marL="914400" indent="0">
+              <a:buNone/>
+              <a:defRPr sz="1600">
+                <a:solidFill>
+                  <a:schemeClr val="tx1">
+                    <a:tint val="75000"/>
+                  </a:schemeClr>
+                </a:solidFill>
+              </a:defRPr>
+            </a:lvl3pPr>
+            <a:lvl4pPr marL="1371600" indent="0">
+              <a:buNone/>
+              <a:defRPr sz="1400">
+                <a:solidFill>
+                  <a:schemeClr val="tx1">
+                    <a:tint val="75000"/>
+                  </a:schemeClr>
+                </a:solidFill>
+              </a:defRPr>
+            </a:lvl4pPr>
+            <a:lvl5pPr marL="1828800" indent="0">
+              <a:buNone/>
+              <a:defRPr sz="1400">
+                <a:solidFill>
+                  <a:schemeClr val="tx1">
+                    <a:tint val="75000"/>
+                  </a:schemeClr>
+                </a:solidFill>
+              </a:defRPr>
+            </a:lvl5pPr>
+            <a:lvl6pPr marL="2286000" indent="0">
+              <a:buNone/>
+              <a:defRPr sz="1400">
+                <a:solidFill>
+                  <a:schemeClr val="tx1">
+                    <a:tint val="75000"/>
+                  </a:schemeClr>
+                </a:solidFill>
+              </a:defRPr>
+            </a:lvl6pPr>
+            <a:lvl7pPr marL="2743200" indent="0">
+              <a:buNone/>
+              <a:defRPr sz="1400">
+                <a:solidFill>
+                  <a:schemeClr val="tx1">
+                    <a:tint val="75000"/>
+                  </a:schemeClr>
+                </a:solidFill>
+              </a:defRPr>
+            </a:lvl7pPr>
+            <a:lvl8pPr marL="3200400" indent="0">
+              <a:buNone/>
+              <a:defRPr sz="1400">
+                <a:solidFill>
+                  <a:schemeClr val="tx1">
+                    <a:tint val="75000"/>
+                  </a:schemeClr>
+                </a:solidFill>
+              </a:defRPr>
+            </a:lvl8pPr>
+            <a:lvl9pPr marL="3657600" indent="0">
+              <a:buNone/>
+              <a:defRPr sz="1400">
+                <a:solidFill>
+                  <a:schemeClr val="tx1">
+                    <a:tint val="75000"/>
+                  </a:schemeClr>
+                </a:solidFill>
+              </a:defRPr>
+            </a:lvl9pPr>
+          </a:lstStyle>
+          <a:p>
+            <a:pPr lvl="0"/>
+            <a:r>
+              <a:rPr lang="ja-JP" altLang="en-US" smtClean="0"/>
+              <a:t>マスター テキストの書式設定</a:t>
+            </a:r>
+          </a:p>
+        </p:txBody>
+      </p:sp>
+      <p:sp>
+        <p:nvSpPr>
+          <p:cNvPr id="4" name="Date Placeholder 3"/>
+          <p:cNvSpPr>
+            <a:spLocks noGrp="1"/>
+          </p:cNvSpPr>
+          <p:nvPr>
+            <p:ph type="dt" sz="half" idx="10"/>
+          </p:nvPr>
+        </p:nvSpPr>
+        <p:spPr/>
+        <p:txBody>
+          <a:bodyPr/>
+          <a:lstStyle/>
+          <a:p>
+            <a:fld id="{715A4993-4668-4F9E-BB8C-4CD671B46C76}" type="datetimeFigureOut">
+              <a:rPr kumimoji="1" lang="ja-JP" altLang="en-US" smtClean="0"/>
+              <a:t>2015/12/16</a:t>
+            </a:fld>
+            <a:endParaRPr kumimoji="1" lang="ja-JP" altLang="en-US"/>
+          </a:p>
+        </p:txBody>
+      </p:sp>
+      <p:sp>
+        <p:nvSpPr>
+          <p:cNvPr id="5" name="Footer Placeholder 4"/>
+          <p:cNvSpPr>
+            <a:spLocks noGrp="1"/>
+          </p:cNvSpPr>
+          <p:nvPr>
+            <p:ph type="ftr" sz="quarter" idx="11"/>
+          </p:nvPr>
+        </p:nvSpPr>
+        <p:spPr/>
+        <p:txBody>
+          <a:bodyPr/>
+          <a:lstStyle/>
+          <a:p>
+            <a:endParaRPr kumimoji="1" lang="ja-JP" altLang="en-US"/>
+          </a:p>
+        </p:txBody>
+      </p:sp>
+      <p:sp>
+        <p:nvSpPr>
+          <p:cNvPr id="6" name="Slide Number Placeholder 5"/>
+          <p:cNvSpPr>
+            <a:spLocks noGrp="1"/>
+          </p:cNvSpPr>
+          <p:nvPr>
+            <p:ph type="sldNum" sz="quarter" idx="12"/>
+          </p:nvPr>
+        </p:nvSpPr>
+        <p:spPr/>
+        <p:txBody>
+          <a:bodyPr/>
+          <a:lstStyle/>
+          <a:p>
+            <a:fld id="{ACFD42AE-4C93-469F-B614-3F571304D59A}" type="slidenum">
+              <a:rPr kumimoji="1" lang="ja-JP" altLang="en-US" smtClean="0"/>
+              <a:t>‹#›</a:t>
+            </a:fld>
+            <a:endParaRPr kumimoji="1" lang="ja-JP" altLang="en-US"/>
+          </a:p>
+        </p:txBody>
+      </p:sp>
+    </p:spTree>
+    <p:extLst>
+      <p:ext uri="{BB962C8B-B14F-4D97-AF65-F5344CB8AC3E}">
+        <p14:creationId xmlns:p14="http://schemas.microsoft.com/office/powerpoint/2010/main" val="3247946995"/>
+      </p:ext>
+    </p:extLst>
+  </p:cSld>
+  <p:clrMapOvr>
+    <a:masterClrMapping/>
+  </p:clrMapOvr>
+</p:sldLayout>
+</file>
+
+<file path=ppt/slideLayouts/slideLayout14.xml><?xml version="1.0" encoding="utf-8"?>
+<p:sldLayout xmlns:a="http://schemas.openxmlformats.org/drawingml/2006/main" xmlns:r="http://schemas.openxmlformats.org/officeDocument/2006/relationships" xmlns:p="http://schemas.openxmlformats.org/presentationml/2006/main" preserve="1">
+  <p:cSld name="引用付きの名札">
+    <p:spTree>
+      <p:nvGrpSpPr>
+        <p:cNvPr id="1" name=""/>
+        <p:cNvGrpSpPr/>
+        <p:nvPr/>
+      </p:nvGrpSpPr>
+      <p:grpSpPr>
+        <a:xfrm>
+          <a:off x="0" y="0"/>
+          <a:ext cx="0" cy="0"/>
+          <a:chOff x="0" y="0"/>
+          <a:chExt cx="0" cy="0"/>
+        </a:xfrm>
+      </p:grpSpPr>
+      <p:sp>
+        <p:nvSpPr>
+          <p:cNvPr id="2" name="Title 1"/>
+          <p:cNvSpPr>
+            <a:spLocks noGrp="1"/>
+          </p:cNvSpPr>
+          <p:nvPr>
+            <p:ph type="title"/>
+          </p:nvPr>
+        </p:nvSpPr>
+        <p:spPr>
+          <a:xfrm>
+            <a:off x="1446213" y="982132"/>
+            <a:ext cx="9296398" cy="2243668"/>
+          </a:xfrm>
+        </p:spPr>
+        <p:txBody>
+          <a:bodyPr anchor="ctr">
+            <a:normAutofit/>
+          </a:bodyPr>
+          <a:lstStyle>
+            <a:lvl1pPr algn="ctr">
+              <a:defRPr sz="3200" b="0" cap="none">
+                <a:solidFill>
+                  <a:schemeClr val="tx1"/>
+                </a:solidFill>
+              </a:defRPr>
+            </a:lvl1pPr>
+          </a:lstStyle>
+          <a:p>
+            <a:r>
+              <a:rPr lang="ja-JP" altLang="en-US" smtClean="0"/>
+              <a:t>マスター タイトルの書式設定</a:t>
+            </a:r>
+            <a:endParaRPr lang="en-US" dirty="0"/>
+          </a:p>
+        </p:txBody>
+      </p:sp>
+      <p:sp>
+        <p:nvSpPr>
+          <p:cNvPr id="23" name="Text Placeholder 2"/>
+          <p:cNvSpPr>
+            <a:spLocks noGrp="1"/>
+          </p:cNvSpPr>
+          <p:nvPr>
+            <p:ph type="body" idx="13"/>
+          </p:nvPr>
+        </p:nvSpPr>
+        <p:spPr>
+          <a:xfrm>
+            <a:off x="1295401" y="3639312"/>
+            <a:ext cx="9609668" cy="886968"/>
+          </a:xfrm>
+        </p:spPr>
+        <p:txBody>
+          <a:bodyPr anchor="b">
+            <a:normAutofit/>
+          </a:bodyPr>
+          <a:lstStyle>
+            <a:lvl1pPr marL="0" indent="0" algn="l">
+              <a:spcBef>
+                <a:spcPts val="0"/>
+              </a:spcBef>
+              <a:buNone/>
+              <a:defRPr sz="2400">
+                <a:solidFill>
+                  <a:schemeClr val="tx1"/>
+                </a:solidFill>
+              </a:defRPr>
+            </a:lvl1pPr>
+            <a:lvl2pPr marL="457200" indent="0">
+              <a:buNone/>
+              <a:defRPr sz="1800">
+                <a:solidFill>
+                  <a:schemeClr val="tx1">
+                    <a:tint val="75000"/>
+                  </a:schemeClr>
+                </a:solidFill>
+              </a:defRPr>
+            </a:lvl2pPr>
+            <a:lvl3pPr marL="914400" indent="0">
+              <a:buNone/>
+              <a:defRPr sz="1600">
+                <a:solidFill>
+                  <a:schemeClr val="tx1">
+                    <a:tint val="75000"/>
+                  </a:schemeClr>
+                </a:solidFill>
+              </a:defRPr>
+            </a:lvl3pPr>
+            <a:lvl4pPr marL="1371600" indent="0">
+              <a:buNone/>
+              <a:defRPr sz="1400">
+                <a:solidFill>
+                  <a:schemeClr val="tx1">
+                    <a:tint val="75000"/>
+                  </a:schemeClr>
+                </a:solidFill>
+              </a:defRPr>
+            </a:lvl4pPr>
+            <a:lvl5pPr marL="1828800" indent="0">
+              <a:buNone/>
+              <a:defRPr sz="1400">
+                <a:solidFill>
+                  <a:schemeClr val="tx1">
+                    <a:tint val="75000"/>
+                  </a:schemeClr>
+                </a:solidFill>
+              </a:defRPr>
+            </a:lvl5pPr>
+            <a:lvl6pPr marL="2286000" indent="0">
+              <a:buNone/>
+              <a:defRPr sz="1400">
+                <a:solidFill>
+                  <a:schemeClr val="tx1">
+                    <a:tint val="75000"/>
+                  </a:schemeClr>
+                </a:solidFill>
+              </a:defRPr>
+            </a:lvl6pPr>
+            <a:lvl7pPr marL="2743200" indent="0">
+              <a:buNone/>
+              <a:defRPr sz="1400">
+                <a:solidFill>
+                  <a:schemeClr val="tx1">
+                    <a:tint val="75000"/>
+                  </a:schemeClr>
+                </a:solidFill>
+              </a:defRPr>
+            </a:lvl7pPr>
+            <a:lvl8pPr marL="3200400" indent="0">
+              <a:buNone/>
+              <a:defRPr sz="1400">
+                <a:solidFill>
+                  <a:schemeClr val="tx1">
+                    <a:tint val="75000"/>
+                  </a:schemeClr>
+                </a:solidFill>
+              </a:defRPr>
+            </a:lvl8pPr>
+            <a:lvl9pPr marL="3657600" indent="0">
+              <a:buNone/>
+              <a:defRPr sz="1400">
+                <a:solidFill>
+                  <a:schemeClr val="tx1">
+                    <a:tint val="75000"/>
+                  </a:schemeClr>
+                </a:solidFill>
+              </a:defRPr>
+            </a:lvl9pPr>
+          </a:lstStyle>
+          <a:p>
+            <a:pPr lvl="0"/>
+            <a:r>
+              <a:rPr lang="ja-JP" altLang="en-US" smtClean="0"/>
+              <a:t>マスター テキストの書式設定</a:t>
+            </a:r>
+          </a:p>
+        </p:txBody>
+      </p:sp>
+      <p:sp>
+        <p:nvSpPr>
+          <p:cNvPr id="3" name="Text Placeholder 2"/>
+          <p:cNvSpPr>
+            <a:spLocks noGrp="1"/>
+          </p:cNvSpPr>
+          <p:nvPr>
+            <p:ph type="body" idx="1"/>
+          </p:nvPr>
+        </p:nvSpPr>
+        <p:spPr>
+          <a:xfrm>
+            <a:off x="1295401" y="4529667"/>
+            <a:ext cx="9609668" cy="1346200"/>
+          </a:xfrm>
+        </p:spPr>
+        <p:txBody>
+          <a:bodyPr anchor="t">
+            <a:normAutofit/>
+          </a:bodyPr>
+          <a:lstStyle>
+            <a:lvl1pPr marL="0" indent="0" algn="l">
+              <a:buNone/>
+              <a:defRPr sz="1800">
+                <a:solidFill>
+                  <a:schemeClr val="tx1"/>
+                </a:solidFill>
+              </a:defRPr>
+            </a:lvl1pPr>
+            <a:lvl2pPr marL="457200" indent="0">
+              <a:buNone/>
+              <a:defRPr sz="1800">
+                <a:solidFill>
+                  <a:schemeClr val="tx1">
+                    <a:tint val="75000"/>
+                  </a:schemeClr>
+                </a:solidFill>
+              </a:defRPr>
+            </a:lvl2pPr>
+            <a:lvl3pPr marL="914400" indent="0">
+              <a:buNone/>
+              <a:defRPr sz="1600">
+                <a:solidFill>
+                  <a:schemeClr val="tx1">
+                    <a:tint val="75000"/>
+                  </a:schemeClr>
+                </a:solidFill>
+              </a:defRPr>
+            </a:lvl3pPr>
+            <a:lvl4pPr marL="1371600" indent="0">
+              <a:buNone/>
+              <a:defRPr sz="1400">
+                <a:solidFill>
+                  <a:schemeClr val="tx1">
+                    <a:tint val="75000"/>
+                  </a:schemeClr>
+                </a:solidFill>
+              </a:defRPr>
+            </a:lvl4pPr>
+            <a:lvl5pPr marL="1828800" indent="0">
+              <a:buNone/>
+              <a:defRPr sz="1400">
+                <a:solidFill>
+                  <a:schemeClr val="tx1">
+                    <a:tint val="75000"/>
+                  </a:schemeClr>
+                </a:solidFill>
+              </a:defRPr>
+            </a:lvl5pPr>
+            <a:lvl6pPr marL="2286000" indent="0">
+              <a:buNone/>
+              <a:defRPr sz="1400">
+                <a:solidFill>
+                  <a:schemeClr val="tx1">
+                    <a:tint val="75000"/>
+                  </a:schemeClr>
+                </a:solidFill>
+              </a:defRPr>
+            </a:lvl6pPr>
+            <a:lvl7pPr marL="2743200" indent="0">
+              <a:buNone/>
+              <a:defRPr sz="1400">
+                <a:solidFill>
+                  <a:schemeClr val="tx1">
+                    <a:tint val="75000"/>
+                  </a:schemeClr>
+                </a:solidFill>
+              </a:defRPr>
+            </a:lvl7pPr>
+            <a:lvl8pPr marL="3200400" indent="0">
+              <a:buNone/>
+              <a:defRPr sz="1400">
+                <a:solidFill>
+                  <a:schemeClr val="tx1">
+                    <a:tint val="75000"/>
+                  </a:schemeClr>
+                </a:solidFill>
+              </a:defRPr>
+            </a:lvl8pPr>
+            <a:lvl9pPr marL="3657600" indent="0">
+              <a:buNone/>
+              <a:defRPr sz="1400">
+                <a:solidFill>
+                  <a:schemeClr val="tx1">
+                    <a:tint val="75000"/>
+                  </a:schemeClr>
+                </a:solidFill>
+              </a:defRPr>
+            </a:lvl9pPr>
+          </a:lstStyle>
+          <a:p>
+            <a:pPr lvl="0"/>
+            <a:r>
+              <a:rPr lang="ja-JP" altLang="en-US" smtClean="0"/>
+              <a:t>マスター テキストの書式設定</a:t>
+            </a:r>
+          </a:p>
+        </p:txBody>
+      </p:sp>
+      <p:sp>
+        <p:nvSpPr>
+          <p:cNvPr id="4" name="Date Placeholder 3"/>
+          <p:cNvSpPr>
+            <a:spLocks noGrp="1"/>
+          </p:cNvSpPr>
+          <p:nvPr>
+            <p:ph type="dt" sz="half" idx="10"/>
+          </p:nvPr>
+        </p:nvSpPr>
+        <p:spPr/>
+        <p:txBody>
+          <a:bodyPr/>
+          <a:lstStyle/>
+          <a:p>
+            <a:fld id="{715A4993-4668-4F9E-BB8C-4CD671B46C76}" type="datetimeFigureOut">
+              <a:rPr kumimoji="1" lang="ja-JP" altLang="en-US" smtClean="0"/>
+              <a:t>2015/12/16</a:t>
+            </a:fld>
+            <a:endParaRPr kumimoji="1" lang="ja-JP" altLang="en-US"/>
+          </a:p>
+        </p:txBody>
+      </p:sp>
+      <p:sp>
+        <p:nvSpPr>
+          <p:cNvPr id="5" name="Footer Placeholder 4"/>
+          <p:cNvSpPr>
+            <a:spLocks noGrp="1"/>
+          </p:cNvSpPr>
+          <p:nvPr>
+            <p:ph type="ftr" sz="quarter" idx="11"/>
+          </p:nvPr>
+        </p:nvSpPr>
+        <p:spPr/>
+        <p:txBody>
+          <a:bodyPr/>
+          <a:lstStyle/>
+          <a:p>
+            <a:endParaRPr kumimoji="1" lang="ja-JP" altLang="en-US"/>
+          </a:p>
+        </p:txBody>
+      </p:sp>
+      <p:sp>
+        <p:nvSpPr>
+          <p:cNvPr id="6" name="Slide Number Placeholder 5"/>
+          <p:cNvSpPr>
+            <a:spLocks noGrp="1"/>
+          </p:cNvSpPr>
+          <p:nvPr>
+            <p:ph type="sldNum" sz="quarter" idx="12"/>
+          </p:nvPr>
+        </p:nvSpPr>
+        <p:spPr/>
+        <p:txBody>
+          <a:bodyPr/>
+          <a:lstStyle/>
+          <a:p>
+            <a:fld id="{ACFD42AE-4C93-469F-B614-3F571304D59A}" type="slidenum">
+              <a:rPr kumimoji="1" lang="ja-JP" altLang="en-US" smtClean="0"/>
+              <a:t>‹#›</a:t>
+            </a:fld>
+            <a:endParaRPr kumimoji="1" lang="ja-JP" altLang="en-US"/>
+          </a:p>
+        </p:txBody>
+      </p:sp>
+      <p:sp>
+        <p:nvSpPr>
+          <p:cNvPr id="12" name="TextBox 11"/>
+          <p:cNvSpPr txBox="1"/>
+          <p:nvPr/>
+        </p:nvSpPr>
+        <p:spPr>
+          <a:xfrm>
+            <a:off x="862013" y="879961"/>
+            <a:ext cx="609600" cy="584776"/>
+          </a:xfrm>
+          <a:prstGeom prst="rect">
+            <a:avLst/>
+          </a:prstGeom>
+        </p:spPr>
+        <p:txBody>
+          <a:bodyPr vert="horz" lIns="91440" tIns="45720" rIns="91440" bIns="45720" rtlCol="0" anchor="ctr">
+            <a:noAutofit/>
+          </a:bodyPr>
+          <a:lstStyle/>
+          <a:p>
+            <a:pPr lvl="0"/>
+            <a:r>
+              <a:rPr lang="en-US" sz="8000" dirty="0">
+                <a:solidFill>
+                  <a:schemeClr val="tx1"/>
+                </a:solidFill>
+                <a:effectLst/>
+              </a:rPr>
+              <a:t>“</a:t>
+            </a:r>
+          </a:p>
+        </p:txBody>
+      </p:sp>
+      <p:sp>
+        <p:nvSpPr>
+          <p:cNvPr id="13" name="TextBox 12"/>
+          <p:cNvSpPr txBox="1"/>
+          <p:nvPr/>
+        </p:nvSpPr>
+        <p:spPr>
+          <a:xfrm>
+            <a:off x="10600267" y="2599261"/>
+            <a:ext cx="609600" cy="584776"/>
+          </a:xfrm>
+          <a:prstGeom prst="rect">
+            <a:avLst/>
+          </a:prstGeom>
+        </p:spPr>
+        <p:txBody>
+          <a:bodyPr vert="horz" lIns="91440" tIns="45720" rIns="91440" bIns="45720" rtlCol="0" anchor="ctr">
+            <a:noAutofit/>
+          </a:bodyPr>
+          <a:lstStyle/>
+          <a:p>
+            <a:pPr lvl="0" algn="r"/>
+            <a:r>
+              <a:rPr lang="en-US" sz="8000" dirty="0">
+                <a:solidFill>
+                  <a:schemeClr val="tx1"/>
+                </a:solidFill>
+                <a:effectLst/>
+              </a:rPr>
+              <a:t>”</a:t>
+            </a:r>
+          </a:p>
+        </p:txBody>
+      </p:sp>
+      <p:cxnSp>
+        <p:nvCxnSpPr>
+          <p:cNvPr id="26" name="Straight Connector 25"/>
+          <p:cNvCxnSpPr/>
+          <p:nvPr/>
+        </p:nvCxnSpPr>
+        <p:spPr>
+          <a:xfrm>
+            <a:off x="1396169" y="3429000"/>
+            <a:ext cx="9407298" cy="0"/>
+          </a:xfrm>
+          <a:prstGeom prst="line">
+            <a:avLst/>
+          </a:prstGeom>
+          <a:ln w="15875"/>
+        </p:spPr>
+        <p:style>
+          <a:lnRef idx="2">
+            <a:schemeClr val="accent1"/>
+          </a:lnRef>
+          <a:fillRef idx="0">
+            <a:schemeClr val="accent1"/>
+          </a:fillRef>
+          <a:effectRef idx="1">
+            <a:schemeClr val="accent1"/>
+          </a:effectRef>
+          <a:fontRef idx="minor">
+            <a:schemeClr val="tx1"/>
+          </a:fontRef>
+        </p:style>
+      </p:cxnSp>
+    </p:spTree>
+    <p:extLst>
+      <p:ext uri="{BB962C8B-B14F-4D97-AF65-F5344CB8AC3E}">
+        <p14:creationId xmlns:p14="http://schemas.microsoft.com/office/powerpoint/2010/main" val="412349410"/>
+      </p:ext>
+    </p:extLst>
+  </p:cSld>
+  <p:clrMapOvr>
+    <a:masterClrMapping/>
+  </p:clrMapOvr>
+</p:sldLayout>
+</file>
+
+<file path=ppt/slideLayouts/slideLayout15.xml><?xml version="1.0" encoding="utf-8"?>
+<p:sldLayout xmlns:a="http://schemas.openxmlformats.org/drawingml/2006/main" xmlns:r="http://schemas.openxmlformats.org/officeDocument/2006/relationships" xmlns:p="http://schemas.openxmlformats.org/presentationml/2006/main" preserve="1">
+  <p:cSld name="真または偽">
+    <p:spTree>
+      <p:nvGrpSpPr>
+        <p:cNvPr id="1" name=""/>
+        <p:cNvGrpSpPr/>
+        <p:nvPr/>
+      </p:nvGrpSpPr>
+      <p:grpSpPr>
+        <a:xfrm>
+          <a:off x="0" y="0"/>
+          <a:ext cx="0" cy="0"/>
+          <a:chOff x="0" y="0"/>
+          <a:chExt cx="0" cy="0"/>
+        </a:xfrm>
+      </p:grpSpPr>
+      <p:sp>
+        <p:nvSpPr>
+          <p:cNvPr id="2" name="Title 1"/>
+          <p:cNvSpPr>
+            <a:spLocks noGrp="1"/>
+          </p:cNvSpPr>
+          <p:nvPr>
+            <p:ph type="title"/>
+          </p:nvPr>
+        </p:nvSpPr>
+        <p:spPr>
+          <a:xfrm>
+            <a:off x="1295401" y="982132"/>
+            <a:ext cx="9609666" cy="2243668"/>
+          </a:xfrm>
+        </p:spPr>
+        <p:txBody>
+          <a:bodyPr vert="horz" lIns="91440" tIns="45720" rIns="91440" bIns="45720" rtlCol="0" anchor="ctr">
+            <a:normAutofit/>
+          </a:bodyPr>
+          <a:lstStyle>
+            <a:lvl1pPr>
+              <a:defRPr lang="en-US" b="0" dirty="0"/>
+            </a:lvl1pPr>
+          </a:lstStyle>
+          <a:p>
+            <a:pPr marL="0" lvl="0"/>
+            <a:r>
+              <a:rPr lang="ja-JP" altLang="en-US" smtClean="0"/>
+              <a:t>マスター タイトルの書式設定</a:t>
+            </a:r>
+            <a:endParaRPr lang="en-US" dirty="0"/>
+          </a:p>
+        </p:txBody>
+      </p:sp>
+      <p:sp>
+        <p:nvSpPr>
+          <p:cNvPr id="20" name="Text Placeholder 2"/>
+          <p:cNvSpPr>
+            <a:spLocks noGrp="1"/>
+          </p:cNvSpPr>
+          <p:nvPr>
+            <p:ph type="body" idx="13"/>
+          </p:nvPr>
+        </p:nvSpPr>
+        <p:spPr>
+          <a:xfrm>
+            <a:off x="1295401" y="3630168"/>
+            <a:ext cx="9609668" cy="841248"/>
+          </a:xfrm>
+        </p:spPr>
+        <p:txBody>
+          <a:bodyPr anchor="b">
+            <a:normAutofit/>
+          </a:bodyPr>
+          <a:lstStyle>
+            <a:lvl1pPr marL="0" indent="0" algn="l">
+              <a:spcBef>
+                <a:spcPts val="0"/>
+              </a:spcBef>
+              <a:buNone/>
+              <a:defRPr sz="2800">
+                <a:solidFill>
+                  <a:schemeClr val="tx1"/>
+                </a:solidFill>
+              </a:defRPr>
+            </a:lvl1pPr>
+            <a:lvl2pPr marL="457200" indent="0">
+              <a:buNone/>
+              <a:defRPr sz="1800">
+                <a:solidFill>
+                  <a:schemeClr val="tx1">
+                    <a:tint val="75000"/>
+                  </a:schemeClr>
+                </a:solidFill>
+              </a:defRPr>
+            </a:lvl2pPr>
+            <a:lvl3pPr marL="914400" indent="0">
+              <a:buNone/>
+              <a:defRPr sz="1600">
+                <a:solidFill>
+                  <a:schemeClr val="tx1">
+                    <a:tint val="75000"/>
+                  </a:schemeClr>
+                </a:solidFill>
+              </a:defRPr>
+            </a:lvl3pPr>
+            <a:lvl4pPr marL="1371600" indent="0">
+              <a:buNone/>
+              <a:defRPr sz="1400">
+                <a:solidFill>
+                  <a:schemeClr val="tx1">
+                    <a:tint val="75000"/>
+                  </a:schemeClr>
+                </a:solidFill>
+              </a:defRPr>
+            </a:lvl4pPr>
+            <a:lvl5pPr marL="1828800" indent="0">
+              <a:buNone/>
+              <a:defRPr sz="1400">
+                <a:solidFill>
+                  <a:schemeClr val="tx1">
+                    <a:tint val="75000"/>
+                  </a:schemeClr>
+                </a:solidFill>
+              </a:defRPr>
+            </a:lvl5pPr>
+            <a:lvl6pPr marL="2286000" indent="0">
+              <a:buNone/>
+              <a:defRPr sz="1400">
+                <a:solidFill>
+                  <a:schemeClr val="tx1">
+                    <a:tint val="75000"/>
+                  </a:schemeClr>
+                </a:solidFill>
+              </a:defRPr>
+            </a:lvl6pPr>
+            <a:lvl7pPr marL="2743200" indent="0">
+              <a:buNone/>
+              <a:defRPr sz="1400">
+                <a:solidFill>
+                  <a:schemeClr val="tx1">
+                    <a:tint val="75000"/>
+                  </a:schemeClr>
+                </a:solidFill>
+              </a:defRPr>
+            </a:lvl7pPr>
+            <a:lvl8pPr marL="3200400" indent="0">
+              <a:buNone/>
+              <a:defRPr sz="1400">
+                <a:solidFill>
+                  <a:schemeClr val="tx1">
+                    <a:tint val="75000"/>
+                  </a:schemeClr>
+                </a:solidFill>
+              </a:defRPr>
+            </a:lvl8pPr>
+            <a:lvl9pPr marL="3657600" indent="0">
+              <a:buNone/>
+              <a:defRPr sz="1400">
+                <a:solidFill>
+                  <a:schemeClr val="tx1">
+                    <a:tint val="75000"/>
+                  </a:schemeClr>
+                </a:solidFill>
+              </a:defRPr>
+            </a:lvl9pPr>
+          </a:lstStyle>
+          <a:p>
+            <a:pPr lvl="0"/>
+            <a:r>
+              <a:rPr lang="ja-JP" altLang="en-US" smtClean="0"/>
+              <a:t>マスター テキストの書式設定</a:t>
+            </a:r>
+          </a:p>
+        </p:txBody>
+      </p:sp>
+      <p:sp>
+        <p:nvSpPr>
+          <p:cNvPr id="3" name="Text Placeholder 2"/>
+          <p:cNvSpPr>
+            <a:spLocks noGrp="1"/>
+          </p:cNvSpPr>
+          <p:nvPr>
+            <p:ph type="body" idx="1"/>
+          </p:nvPr>
+        </p:nvSpPr>
+        <p:spPr>
+          <a:xfrm>
+            <a:off x="1295400" y="4470399"/>
+            <a:ext cx="9609670" cy="1405467"/>
+          </a:xfrm>
+        </p:spPr>
+        <p:txBody>
+          <a:bodyPr anchor="t">
+            <a:normAutofit/>
+          </a:bodyPr>
+          <a:lstStyle>
+            <a:lvl1pPr marL="0" indent="0" algn="l">
+              <a:buNone/>
+              <a:defRPr sz="1800">
+                <a:solidFill>
+                  <a:schemeClr val="tx1"/>
+                </a:solidFill>
+              </a:defRPr>
+            </a:lvl1pPr>
+            <a:lvl2pPr marL="457200" indent="0">
+              <a:buNone/>
+              <a:defRPr sz="1800">
+                <a:solidFill>
+                  <a:schemeClr val="tx1">
+                    <a:tint val="75000"/>
+                  </a:schemeClr>
+                </a:solidFill>
+              </a:defRPr>
+            </a:lvl2pPr>
+            <a:lvl3pPr marL="914400" indent="0">
+              <a:buNone/>
+              <a:defRPr sz="1600">
+                <a:solidFill>
+                  <a:schemeClr val="tx1">
+                    <a:tint val="75000"/>
+                  </a:schemeClr>
+                </a:solidFill>
+              </a:defRPr>
+            </a:lvl3pPr>
+            <a:lvl4pPr marL="1371600" indent="0">
+              <a:buNone/>
+              <a:defRPr sz="1400">
+                <a:solidFill>
+                  <a:schemeClr val="tx1">
+                    <a:tint val="75000"/>
+                  </a:schemeClr>
+                </a:solidFill>
+              </a:defRPr>
+            </a:lvl4pPr>
+            <a:lvl5pPr marL="1828800" indent="0">
+              <a:buNone/>
+              <a:defRPr sz="1400">
+                <a:solidFill>
+                  <a:schemeClr val="tx1">
+                    <a:tint val="75000"/>
+                  </a:schemeClr>
+                </a:solidFill>
+              </a:defRPr>
+            </a:lvl5pPr>
+            <a:lvl6pPr marL="2286000" indent="0">
+              <a:buNone/>
+              <a:defRPr sz="1400">
+                <a:solidFill>
+                  <a:schemeClr val="tx1">
+                    <a:tint val="75000"/>
+                  </a:schemeClr>
+                </a:solidFill>
+              </a:defRPr>
+            </a:lvl6pPr>
+            <a:lvl7pPr marL="2743200" indent="0">
+              <a:buNone/>
+              <a:defRPr sz="1400">
+                <a:solidFill>
+                  <a:schemeClr val="tx1">
+                    <a:tint val="75000"/>
+                  </a:schemeClr>
+                </a:solidFill>
+              </a:defRPr>
+            </a:lvl7pPr>
+            <a:lvl8pPr marL="3200400" indent="0">
+              <a:buNone/>
+              <a:defRPr sz="1400">
+                <a:solidFill>
+                  <a:schemeClr val="tx1">
+                    <a:tint val="75000"/>
+                  </a:schemeClr>
+                </a:solidFill>
+              </a:defRPr>
+            </a:lvl8pPr>
+            <a:lvl9pPr marL="3657600" indent="0">
+              <a:buNone/>
+              <a:defRPr sz="1400">
+                <a:solidFill>
+                  <a:schemeClr val="tx1">
+                    <a:tint val="75000"/>
+                  </a:schemeClr>
+                </a:solidFill>
+              </a:defRPr>
+            </a:lvl9pPr>
+          </a:lstStyle>
+          <a:p>
+            <a:pPr lvl="0"/>
+            <a:r>
+              <a:rPr lang="ja-JP" altLang="en-US" smtClean="0"/>
+              <a:t>マスター テキストの書式設定</a:t>
+            </a:r>
+          </a:p>
+        </p:txBody>
+      </p:sp>
+      <p:sp>
+        <p:nvSpPr>
+          <p:cNvPr id="4" name="Date Placeholder 3"/>
+          <p:cNvSpPr>
+            <a:spLocks noGrp="1"/>
+          </p:cNvSpPr>
+          <p:nvPr>
+            <p:ph type="dt" sz="half" idx="10"/>
+          </p:nvPr>
+        </p:nvSpPr>
+        <p:spPr/>
+        <p:txBody>
+          <a:bodyPr/>
+          <a:lstStyle/>
+          <a:p>
+            <a:fld id="{715A4993-4668-4F9E-BB8C-4CD671B46C76}" type="datetimeFigureOut">
+              <a:rPr kumimoji="1" lang="ja-JP" altLang="en-US" smtClean="0"/>
+              <a:t>2015/12/16</a:t>
+            </a:fld>
+            <a:endParaRPr kumimoji="1" lang="ja-JP" altLang="en-US"/>
+          </a:p>
+        </p:txBody>
+      </p:sp>
+      <p:sp>
+        <p:nvSpPr>
+          <p:cNvPr id="5" name="Footer Placeholder 4"/>
+          <p:cNvSpPr>
+            <a:spLocks noGrp="1"/>
+          </p:cNvSpPr>
+          <p:nvPr>
+            <p:ph type="ftr" sz="quarter" idx="11"/>
+          </p:nvPr>
+        </p:nvSpPr>
+        <p:spPr/>
+        <p:txBody>
+          <a:bodyPr/>
+          <a:lstStyle/>
+          <a:p>
+            <a:endParaRPr kumimoji="1" lang="ja-JP" altLang="en-US"/>
+          </a:p>
+        </p:txBody>
+      </p:sp>
+      <p:sp>
+        <p:nvSpPr>
+          <p:cNvPr id="6" name="Slide Number Placeholder 5"/>
+          <p:cNvSpPr>
+            <a:spLocks noGrp="1"/>
+          </p:cNvSpPr>
+          <p:nvPr>
+            <p:ph type="sldNum" sz="quarter" idx="12"/>
+          </p:nvPr>
+        </p:nvSpPr>
+        <p:spPr/>
+        <p:txBody>
+          <a:bodyPr/>
+          <a:lstStyle/>
+          <a:p>
+            <a:fld id="{ACFD42AE-4C93-469F-B614-3F571304D59A}" type="slidenum">
+              <a:rPr kumimoji="1" lang="ja-JP" altLang="en-US" smtClean="0"/>
+              <a:t>‹#›</a:t>
+            </a:fld>
+            <a:endParaRPr kumimoji="1" lang="ja-JP" altLang="en-US"/>
+          </a:p>
+        </p:txBody>
+      </p:sp>
+      <p:cxnSp>
+        <p:nvCxnSpPr>
+          <p:cNvPr id="15" name="Straight Connector 14"/>
+          <p:cNvCxnSpPr/>
+          <p:nvPr/>
+        </p:nvCxnSpPr>
+        <p:spPr>
+          <a:xfrm>
+            <a:off x="1396169" y="3429000"/>
+            <a:ext cx="9407298" cy="0"/>
+          </a:xfrm>
+          <a:prstGeom prst="line">
+            <a:avLst/>
+          </a:prstGeom>
+          <a:ln w="15875"/>
+        </p:spPr>
+        <p:style>
+          <a:lnRef idx="2">
+            <a:schemeClr val="accent1"/>
+          </a:lnRef>
+          <a:fillRef idx="0">
+            <a:schemeClr val="accent1"/>
+          </a:fillRef>
+          <a:effectRef idx="1">
+            <a:schemeClr val="accent1"/>
+          </a:effectRef>
+          <a:fontRef idx="minor">
+            <a:schemeClr val="tx1"/>
+          </a:fontRef>
+        </p:style>
+      </p:cxnSp>
+    </p:spTree>
+    <p:extLst>
+      <p:ext uri="{BB962C8B-B14F-4D97-AF65-F5344CB8AC3E}">
+        <p14:creationId xmlns:p14="http://schemas.microsoft.com/office/powerpoint/2010/main" val="1568755911"/>
+      </p:ext>
+    </p:extLst>
+  </p:cSld>
+  <p:clrMapOvr>
+    <a:masterClrMapping/>
+  </p:clrMapOvr>
+</p:sldLayout>
+</file>
+
+<file path=ppt/slideLayouts/slideLayout16.xml><?xml version="1.0" encoding="utf-8"?>
 <p:sldLayout xmlns:a="http://schemas.openxmlformats.org/drawingml/2006/main" xmlns:r="http://schemas.openxmlformats.org/officeDocument/2006/relationships" xmlns:p="http://schemas.openxmlformats.org/presentationml/2006/main" type="vertTx" preserve="1">
   <p:cSld name="タイトルと&#10;縦書きテキスト">
     <p:spTree>
@@ -318,7 +2661,7 @@
       </p:grpSpPr>
       <p:sp>
         <p:nvSpPr>
-          <p:cNvPr id="2" name="タイトル 1"/>
+          <p:cNvPr id="2" name="Title 1"/>
           <p:cNvSpPr>
             <a:spLocks noGrp="1"/>
           </p:cNvSpPr>
@@ -329,19 +2672,23 @@
         <p:spPr/>
         <p:txBody>
           <a:bodyPr/>
-          <a:lstStyle/>
-          <a:p>
-            <a:r>
-              <a:rPr kumimoji="1" lang="ja-JP" altLang="en-US" smtClean="0"/>
+          <a:lstStyle>
+            <a:lvl1pPr algn="ctr">
+              <a:defRPr/>
+            </a:lvl1pPr>
+          </a:lstStyle>
+          <a:p>
+            <a:r>
+              <a:rPr lang="ja-JP" altLang="en-US" smtClean="0"/>
               <a:t>マスター タイトルの書式設定</a:t>
             </a:r>
-            <a:endParaRPr kumimoji="1" lang="ja-JP" altLang="en-US"/>
-          </a:p>
-        </p:txBody>
-      </p:sp>
-      <p:sp>
-        <p:nvSpPr>
-          <p:cNvPr id="3" name="縦書きテキスト プレースホルダー 2"/>
+            <a:endParaRPr lang="en-US" dirty="0"/>
+          </a:p>
+        </p:txBody>
+      </p:sp>
+      <p:sp>
+        <p:nvSpPr>
+          <p:cNvPr id="3" name="Vertical Text Placeholder 2"/>
           <p:cNvSpPr>
             <a:spLocks noGrp="1"/>
           </p:cNvSpPr>
@@ -351,81 +2698,81 @@
         </p:nvSpPr>
         <p:spPr/>
         <p:txBody>
-          <a:bodyPr vert="eaVert"/>
+          <a:bodyPr vert="eaVert" anchor="t"/>
           <a:lstStyle/>
           <a:p>
             <a:pPr lvl="0"/>
             <a:r>
-              <a:rPr kumimoji="1" lang="ja-JP" altLang="en-US" smtClean="0"/>
+              <a:rPr lang="ja-JP" altLang="en-US" smtClean="0"/>
               <a:t>マスター テキストの書式設定</a:t>
             </a:r>
           </a:p>
           <a:p>
             <a:pPr lvl="1"/>
             <a:r>
-              <a:rPr kumimoji="1" lang="ja-JP" altLang="en-US" smtClean="0"/>
+              <a:rPr lang="ja-JP" altLang="en-US" smtClean="0"/>
               <a:t>第 </a:t>
             </a:r>
             <a:r>
-              <a:rPr kumimoji="1" lang="en-US" altLang="ja-JP" smtClean="0"/>
+              <a:rPr lang="en-US" altLang="ja-JP" smtClean="0"/>
               <a:t>2 </a:t>
             </a:r>
             <a:r>
-              <a:rPr kumimoji="1" lang="ja-JP" altLang="en-US" smtClean="0"/>
+              <a:rPr lang="ja-JP" altLang="en-US" smtClean="0"/>
               <a:t>レベル</a:t>
             </a:r>
           </a:p>
           <a:p>
             <a:pPr lvl="2"/>
             <a:r>
-              <a:rPr kumimoji="1" lang="ja-JP" altLang="en-US" smtClean="0"/>
+              <a:rPr lang="ja-JP" altLang="en-US" smtClean="0"/>
               <a:t>第 </a:t>
             </a:r>
             <a:r>
-              <a:rPr kumimoji="1" lang="en-US" altLang="ja-JP" smtClean="0"/>
+              <a:rPr lang="en-US" altLang="ja-JP" smtClean="0"/>
               <a:t>3 </a:t>
             </a:r>
             <a:r>
-              <a:rPr kumimoji="1" lang="ja-JP" altLang="en-US" smtClean="0"/>
+              <a:rPr lang="ja-JP" altLang="en-US" smtClean="0"/>
               <a:t>レベル</a:t>
             </a:r>
           </a:p>
           <a:p>
             <a:pPr lvl="3"/>
             <a:r>
-              <a:rPr kumimoji="1" lang="ja-JP" altLang="en-US" smtClean="0"/>
+              <a:rPr lang="ja-JP" altLang="en-US" smtClean="0"/>
               <a:t>第 </a:t>
             </a:r>
             <a:r>
-              <a:rPr kumimoji="1" lang="en-US" altLang="ja-JP" smtClean="0"/>
+              <a:rPr lang="en-US" altLang="ja-JP" smtClean="0"/>
               <a:t>4 </a:t>
             </a:r>
             <a:r>
-              <a:rPr kumimoji="1" lang="ja-JP" altLang="en-US" smtClean="0"/>
+              <a:rPr lang="ja-JP" altLang="en-US" smtClean="0"/>
               <a:t>レベル</a:t>
             </a:r>
           </a:p>
           <a:p>
             <a:pPr lvl="4"/>
             <a:r>
-              <a:rPr kumimoji="1" lang="ja-JP" altLang="en-US" smtClean="0"/>
+              <a:rPr lang="ja-JP" altLang="en-US" smtClean="0"/>
               <a:t>第 </a:t>
             </a:r>
             <a:r>
-              <a:rPr kumimoji="1" lang="en-US" altLang="ja-JP" smtClean="0"/>
+              <a:rPr lang="en-US" altLang="ja-JP" smtClean="0"/>
               <a:t>5 </a:t>
             </a:r>
             <a:r>
-              <a:rPr kumimoji="1" lang="ja-JP" altLang="en-US" smtClean="0"/>
+              <a:rPr lang="ja-JP" altLang="en-US" smtClean="0"/>
               <a:t>レベル</a:t>
             </a:r>
-            <a:endParaRPr kumimoji="1" lang="ja-JP" altLang="en-US"/>
-          </a:p>
-        </p:txBody>
-      </p:sp>
-      <p:sp>
-        <p:nvSpPr>
-          <p:cNvPr id="4" name="日付プレースホルダー 3"/>
+            <a:endParaRPr lang="en-US" dirty="0"/>
+          </a:p>
+        </p:txBody>
+      </p:sp>
+      <p:sp>
+        <p:nvSpPr>
+          <p:cNvPr id="4" name="Date Placeholder 3"/>
           <p:cNvSpPr>
             <a:spLocks noGrp="1"/>
           </p:cNvSpPr>
@@ -448,7 +2795,7 @@
       </p:sp>
       <p:sp>
         <p:nvSpPr>
-          <p:cNvPr id="5" name="フッター プレースホルダー 4"/>
+          <p:cNvPr id="5" name="Footer Placeholder 4"/>
           <p:cNvSpPr>
             <a:spLocks noGrp="1"/>
           </p:cNvSpPr>
@@ -467,7 +2814,7 @@
       </p:sp>
       <p:sp>
         <p:nvSpPr>
-          <p:cNvPr id="6" name="スライド番号プレースホルダー 5"/>
+          <p:cNvPr id="6" name="Slide Number Placeholder 5"/>
           <p:cNvSpPr>
             <a:spLocks noGrp="1"/>
           </p:cNvSpPr>
@@ -488,10 +2835,41 @@
           </a:p>
         </p:txBody>
       </p:sp>
+      <p:cxnSp>
+        <p:nvCxnSpPr>
+          <p:cNvPr id="14" name="Straight Connector 13"/>
+          <p:cNvCxnSpPr/>
+          <p:nvPr/>
+        </p:nvCxnSpPr>
+        <p:spPr>
+          <a:xfrm>
+            <a:off x="1396169" y="2421466"/>
+            <a:ext cx="9407298" cy="0"/>
+          </a:xfrm>
+          <a:prstGeom prst="line">
+            <a:avLst/>
+          </a:prstGeom>
+          <a:ln w="15875"/>
+        </p:spPr>
+        <p:style>
+          <a:lnRef idx="2">
+            <a:schemeClr val="accent1"/>
+          </a:lnRef>
+          <a:fillRef idx="0">
+            <a:schemeClr val="accent1"/>
+          </a:fillRef>
+          <a:effectRef idx="1">
+            <a:schemeClr val="accent1"/>
+          </a:effectRef>
+          <a:fontRef idx="minor">
+            <a:schemeClr val="tx1"/>
+          </a:fontRef>
+        </p:style>
+      </p:cxnSp>
     </p:spTree>
     <p:extLst>
       <p:ext uri="{BB962C8B-B14F-4D97-AF65-F5344CB8AC3E}">
-        <p14:creationId xmlns:p14="http://schemas.microsoft.com/office/powerpoint/2010/main" val="1043619337"/>
+        <p14:creationId xmlns:p14="http://schemas.microsoft.com/office/powerpoint/2010/main" val="3275523381"/>
       </p:ext>
     </p:extLst>
   </p:cSld>
@@ -501,7 +2879,7 @@
 </p:sldLayout>
 </file>
 
-<file path=ppt/slideLayouts/slideLayout11.xml><?xml version="1.0" encoding="utf-8"?>
+<file path=ppt/slideLayouts/slideLayout17.xml><?xml version="1.0" encoding="utf-8"?>
 <p:sldLayout xmlns:a="http://schemas.openxmlformats.org/drawingml/2006/main" xmlns:r="http://schemas.openxmlformats.org/officeDocument/2006/relationships" xmlns:p="http://schemas.openxmlformats.org/presentationml/2006/main" type="vertTitleAndTx" preserve="1">
   <p:cSld name="縦書きタイトルと&#10;縦書きテキスト">
     <p:spTree>
@@ -520,7 +2898,7 @@
       </p:grpSpPr>
       <p:sp>
         <p:nvSpPr>
-          <p:cNvPr id="2" name="縦書きタイトル 1"/>
+          <p:cNvPr id="2" name="Vertical Title 1"/>
           <p:cNvSpPr>
             <a:spLocks noGrp="1"/>
           </p:cNvSpPr>
@@ -530,8 +2908,8 @@
         </p:nvSpPr>
         <p:spPr>
           <a:xfrm>
-            <a:off x="8724900" y="365125"/>
-            <a:ext cx="2628900" cy="5811838"/>
+            <a:off x="8999356" y="982131"/>
+            <a:ext cx="1890895" cy="4893735"/>
           </a:xfrm>
         </p:spPr>
         <p:txBody>
@@ -539,16 +2917,16 @@
           <a:lstStyle/>
           <a:p>
             <a:r>
-              <a:rPr kumimoji="1" lang="ja-JP" altLang="en-US" smtClean="0"/>
+              <a:rPr lang="ja-JP" altLang="en-US" smtClean="0"/>
               <a:t>マスター タイトルの書式設定</a:t>
             </a:r>
-            <a:endParaRPr kumimoji="1" lang="ja-JP" altLang="en-US"/>
-          </a:p>
-        </p:txBody>
-      </p:sp>
-      <p:sp>
-        <p:nvSpPr>
-          <p:cNvPr id="3" name="縦書きテキスト プレースホルダー 2"/>
+            <a:endParaRPr lang="en-US" dirty="0"/>
+          </a:p>
+        </p:txBody>
+      </p:sp>
+      <p:sp>
+        <p:nvSpPr>
+          <p:cNvPr id="3" name="Vertical Text Placeholder 2"/>
           <p:cNvSpPr>
             <a:spLocks noGrp="1"/>
           </p:cNvSpPr>
@@ -558,86 +2936,86 @@
         </p:nvSpPr>
         <p:spPr>
           <a:xfrm>
-            <a:off x="838200" y="365125"/>
-            <a:ext cx="7734300" cy="5811838"/>
+            <a:off x="1295398" y="982132"/>
+            <a:ext cx="7433025" cy="4893734"/>
           </a:xfrm>
         </p:spPr>
         <p:txBody>
-          <a:bodyPr vert="eaVert"/>
+          <a:bodyPr vert="eaVert" anchor="t"/>
           <a:lstStyle/>
           <a:p>
             <a:pPr lvl="0"/>
             <a:r>
-              <a:rPr kumimoji="1" lang="ja-JP" altLang="en-US" smtClean="0"/>
+              <a:rPr lang="ja-JP" altLang="en-US" smtClean="0"/>
               <a:t>マスター テキストの書式設定</a:t>
             </a:r>
           </a:p>
           <a:p>
             <a:pPr lvl="1"/>
             <a:r>
-              <a:rPr kumimoji="1" lang="ja-JP" altLang="en-US" smtClean="0"/>
+              <a:rPr lang="ja-JP" altLang="en-US" smtClean="0"/>
               <a:t>第 </a:t>
             </a:r>
             <a:r>
-              <a:rPr kumimoji="1" lang="en-US" altLang="ja-JP" smtClean="0"/>
+              <a:rPr lang="en-US" altLang="ja-JP" smtClean="0"/>
               <a:t>2 </a:t>
             </a:r>
             <a:r>
-              <a:rPr kumimoji="1" lang="ja-JP" altLang="en-US" smtClean="0"/>
+              <a:rPr lang="ja-JP" altLang="en-US" smtClean="0"/>
               <a:t>レベル</a:t>
             </a:r>
           </a:p>
           <a:p>
             <a:pPr lvl="2"/>
             <a:r>
-              <a:rPr kumimoji="1" lang="ja-JP" altLang="en-US" smtClean="0"/>
+              <a:rPr lang="ja-JP" altLang="en-US" smtClean="0"/>
               <a:t>第 </a:t>
             </a:r>
             <a:r>
-              <a:rPr kumimoji="1" lang="en-US" altLang="ja-JP" smtClean="0"/>
+              <a:rPr lang="en-US" altLang="ja-JP" smtClean="0"/>
               <a:t>3 </a:t>
             </a:r>
             <a:r>
-              <a:rPr kumimoji="1" lang="ja-JP" altLang="en-US" smtClean="0"/>
+              <a:rPr lang="ja-JP" altLang="en-US" smtClean="0"/>
               <a:t>レベル</a:t>
             </a:r>
           </a:p>
           <a:p>
             <a:pPr lvl="3"/>
             <a:r>
-              <a:rPr kumimoji="1" lang="ja-JP" altLang="en-US" smtClean="0"/>
+              <a:rPr lang="ja-JP" altLang="en-US" smtClean="0"/>
               <a:t>第 </a:t>
             </a:r>
             <a:r>
-              <a:rPr kumimoji="1" lang="en-US" altLang="ja-JP" smtClean="0"/>
+              <a:rPr lang="en-US" altLang="ja-JP" smtClean="0"/>
               <a:t>4 </a:t>
             </a:r>
             <a:r>
-              <a:rPr kumimoji="1" lang="ja-JP" altLang="en-US" smtClean="0"/>
+              <a:rPr lang="ja-JP" altLang="en-US" smtClean="0"/>
               <a:t>レベル</a:t>
             </a:r>
           </a:p>
           <a:p>
             <a:pPr lvl="4"/>
             <a:r>
-              <a:rPr kumimoji="1" lang="ja-JP" altLang="en-US" smtClean="0"/>
+              <a:rPr lang="ja-JP" altLang="en-US" smtClean="0"/>
               <a:t>第 </a:t>
             </a:r>
             <a:r>
-              <a:rPr kumimoji="1" lang="en-US" altLang="ja-JP" smtClean="0"/>
+              <a:rPr lang="en-US" altLang="ja-JP" smtClean="0"/>
               <a:t>5 </a:t>
             </a:r>
             <a:r>
-              <a:rPr kumimoji="1" lang="ja-JP" altLang="en-US" smtClean="0"/>
+              <a:rPr lang="ja-JP" altLang="en-US" smtClean="0"/>
               <a:t>レベル</a:t>
             </a:r>
-            <a:endParaRPr kumimoji="1" lang="ja-JP" altLang="en-US"/>
-          </a:p>
-        </p:txBody>
-      </p:sp>
-      <p:sp>
-        <p:nvSpPr>
-          <p:cNvPr id="4" name="日付プレースホルダー 3"/>
+            <a:endParaRPr lang="en-US" dirty="0"/>
+          </a:p>
+        </p:txBody>
+      </p:sp>
+      <p:sp>
+        <p:nvSpPr>
+          <p:cNvPr id="4" name="Date Placeholder 3"/>
           <p:cNvSpPr>
             <a:spLocks noGrp="1"/>
           </p:cNvSpPr>
@@ -660,7 +3038,7 @@
       </p:sp>
       <p:sp>
         <p:nvSpPr>
-          <p:cNvPr id="5" name="フッター プレースホルダー 4"/>
+          <p:cNvPr id="5" name="Footer Placeholder 4"/>
           <p:cNvSpPr>
             <a:spLocks noGrp="1"/>
           </p:cNvSpPr>
@@ -679,7 +3057,7 @@
       </p:sp>
       <p:sp>
         <p:nvSpPr>
-          <p:cNvPr id="6" name="スライド番号プレースホルダー 5"/>
+          <p:cNvPr id="6" name="Slide Number Placeholder 5"/>
           <p:cNvSpPr>
             <a:spLocks noGrp="1"/>
           </p:cNvSpPr>
@@ -700,10 +3078,41 @@
           </a:p>
         </p:txBody>
       </p:sp>
+      <p:cxnSp>
+        <p:nvCxnSpPr>
+          <p:cNvPr id="14" name="Straight Connector 13"/>
+          <p:cNvCxnSpPr/>
+          <p:nvPr/>
+        </p:nvCxnSpPr>
+        <p:spPr>
+          <a:xfrm>
+            <a:off x="8863890" y="990600"/>
+            <a:ext cx="0" cy="4876800"/>
+          </a:xfrm>
+          <a:prstGeom prst="line">
+            <a:avLst/>
+          </a:prstGeom>
+          <a:ln w="15875"/>
+        </p:spPr>
+        <p:style>
+          <a:lnRef idx="2">
+            <a:schemeClr val="accent1"/>
+          </a:lnRef>
+          <a:fillRef idx="0">
+            <a:schemeClr val="accent1"/>
+          </a:fillRef>
+          <a:effectRef idx="1">
+            <a:schemeClr val="accent1"/>
+          </a:effectRef>
+          <a:fontRef idx="minor">
+            <a:schemeClr val="tx1"/>
+          </a:fontRef>
+        </p:style>
+      </p:cxnSp>
     </p:spTree>
     <p:extLst>
       <p:ext uri="{BB962C8B-B14F-4D97-AF65-F5344CB8AC3E}">
-        <p14:creationId xmlns:p14="http://schemas.microsoft.com/office/powerpoint/2010/main" val="3009260120"/>
+        <p14:creationId xmlns:p14="http://schemas.microsoft.com/office/powerpoint/2010/main" val="2406849131"/>
       </p:ext>
     </p:extLst>
   </p:cSld>
@@ -730,9 +3139,40 @@
           <a:chExt cx="0" cy="0"/>
         </a:xfrm>
       </p:grpSpPr>
-      <p:sp>
-        <p:nvSpPr>
-          <p:cNvPr id="2" name="タイトル 1"/>
+      <p:cxnSp>
+        <p:nvCxnSpPr>
+          <p:cNvPr id="7" name="Straight Connector 6"/>
+          <p:cNvCxnSpPr/>
+          <p:nvPr/>
+        </p:nvCxnSpPr>
+        <p:spPr>
+          <a:xfrm>
+            <a:off x="1396169" y="2421466"/>
+            <a:ext cx="9407298" cy="0"/>
+          </a:xfrm>
+          <a:prstGeom prst="line">
+            <a:avLst/>
+          </a:prstGeom>
+          <a:ln w="15875"/>
+        </p:spPr>
+        <p:style>
+          <a:lnRef idx="2">
+            <a:schemeClr val="accent1"/>
+          </a:lnRef>
+          <a:fillRef idx="0">
+            <a:schemeClr val="accent1"/>
+          </a:fillRef>
+          <a:effectRef idx="1">
+            <a:schemeClr val="accent1"/>
+          </a:effectRef>
+          <a:fontRef idx="minor">
+            <a:schemeClr val="tx1"/>
+          </a:fontRef>
+        </p:style>
+      </p:cxnSp>
+      <p:sp>
+        <p:nvSpPr>
+          <p:cNvPr id="2" name="Title 1"/>
           <p:cNvSpPr>
             <a:spLocks noGrp="1"/>
           </p:cNvSpPr>
@@ -746,16 +3186,16 @@
           <a:lstStyle/>
           <a:p>
             <a:r>
-              <a:rPr kumimoji="1" lang="ja-JP" altLang="en-US" smtClean="0"/>
+              <a:rPr lang="ja-JP" altLang="en-US" smtClean="0"/>
               <a:t>マスター タイトルの書式設定</a:t>
             </a:r>
-            <a:endParaRPr kumimoji="1" lang="ja-JP" altLang="en-US"/>
-          </a:p>
-        </p:txBody>
-      </p:sp>
-      <p:sp>
-        <p:nvSpPr>
-          <p:cNvPr id="3" name="コンテンツ プレースホルダー 2"/>
+            <a:endParaRPr lang="en-US" dirty="0"/>
+          </a:p>
+        </p:txBody>
+      </p:sp>
+      <p:sp>
+        <p:nvSpPr>
+          <p:cNvPr id="3" name="Content Placeholder 2"/>
           <p:cNvSpPr>
             <a:spLocks noGrp="1"/>
           </p:cNvSpPr>
@@ -770,76 +3210,76 @@
           <a:p>
             <a:pPr lvl="0"/>
             <a:r>
-              <a:rPr kumimoji="1" lang="ja-JP" altLang="en-US" smtClean="0"/>
+              <a:rPr lang="ja-JP" altLang="en-US" smtClean="0"/>
               <a:t>マスター テキストの書式設定</a:t>
             </a:r>
           </a:p>
           <a:p>
             <a:pPr lvl="1"/>
             <a:r>
-              <a:rPr kumimoji="1" lang="ja-JP" altLang="en-US" smtClean="0"/>
+              <a:rPr lang="ja-JP" altLang="en-US" smtClean="0"/>
               <a:t>第 </a:t>
             </a:r>
             <a:r>
-              <a:rPr kumimoji="1" lang="en-US" altLang="ja-JP" smtClean="0"/>
+              <a:rPr lang="en-US" altLang="ja-JP" smtClean="0"/>
               <a:t>2 </a:t>
             </a:r>
             <a:r>
-              <a:rPr kumimoji="1" lang="ja-JP" altLang="en-US" smtClean="0"/>
+              <a:rPr lang="ja-JP" altLang="en-US" smtClean="0"/>
               <a:t>レベル</a:t>
             </a:r>
           </a:p>
           <a:p>
             <a:pPr lvl="2"/>
             <a:r>
-              <a:rPr kumimoji="1" lang="ja-JP" altLang="en-US" smtClean="0"/>
+              <a:rPr lang="ja-JP" altLang="en-US" smtClean="0"/>
               <a:t>第 </a:t>
             </a:r>
             <a:r>
-              <a:rPr kumimoji="1" lang="en-US" altLang="ja-JP" smtClean="0"/>
+              <a:rPr lang="en-US" altLang="ja-JP" smtClean="0"/>
               <a:t>3 </a:t>
             </a:r>
             <a:r>
-              <a:rPr kumimoji="1" lang="ja-JP" altLang="en-US" smtClean="0"/>
+              <a:rPr lang="ja-JP" altLang="en-US" smtClean="0"/>
               <a:t>レベル</a:t>
             </a:r>
           </a:p>
           <a:p>
             <a:pPr lvl="3"/>
             <a:r>
-              <a:rPr kumimoji="1" lang="ja-JP" altLang="en-US" smtClean="0"/>
+              <a:rPr lang="ja-JP" altLang="en-US" smtClean="0"/>
               <a:t>第 </a:t>
             </a:r>
             <a:r>
-              <a:rPr kumimoji="1" lang="en-US" altLang="ja-JP" smtClean="0"/>
+              <a:rPr lang="en-US" altLang="ja-JP" smtClean="0"/>
               <a:t>4 </a:t>
             </a:r>
             <a:r>
-              <a:rPr kumimoji="1" lang="ja-JP" altLang="en-US" smtClean="0"/>
+              <a:rPr lang="ja-JP" altLang="en-US" smtClean="0"/>
               <a:t>レベル</a:t>
             </a:r>
           </a:p>
           <a:p>
             <a:pPr lvl="4"/>
             <a:r>
-              <a:rPr kumimoji="1" lang="ja-JP" altLang="en-US" smtClean="0"/>
+              <a:rPr lang="ja-JP" altLang="en-US" smtClean="0"/>
               <a:t>第 </a:t>
             </a:r>
             <a:r>
-              <a:rPr kumimoji="1" lang="en-US" altLang="ja-JP" smtClean="0"/>
+              <a:rPr lang="en-US" altLang="ja-JP" smtClean="0"/>
               <a:t>5 </a:t>
             </a:r>
             <a:r>
-              <a:rPr kumimoji="1" lang="ja-JP" altLang="en-US" smtClean="0"/>
+              <a:rPr lang="ja-JP" altLang="en-US" smtClean="0"/>
               <a:t>レベル</a:t>
             </a:r>
-            <a:endParaRPr kumimoji="1" lang="ja-JP" altLang="en-US"/>
-          </a:p>
-        </p:txBody>
-      </p:sp>
-      <p:sp>
-        <p:nvSpPr>
-          <p:cNvPr id="4" name="日付プレースホルダー 3"/>
+            <a:endParaRPr lang="en-US" dirty="0"/>
+          </a:p>
+        </p:txBody>
+      </p:sp>
+      <p:sp>
+        <p:nvSpPr>
+          <p:cNvPr id="4" name="Date Placeholder 3"/>
           <p:cNvSpPr>
             <a:spLocks noGrp="1"/>
           </p:cNvSpPr>
@@ -862,7 +3302,7 @@
       </p:sp>
       <p:sp>
         <p:nvSpPr>
-          <p:cNvPr id="5" name="フッター プレースホルダー 4"/>
+          <p:cNvPr id="5" name="Footer Placeholder 4"/>
           <p:cNvSpPr>
             <a:spLocks noGrp="1"/>
           </p:cNvSpPr>
@@ -881,7 +3321,7 @@
       </p:sp>
       <p:sp>
         <p:nvSpPr>
-          <p:cNvPr id="6" name="スライド番号プレースホルダー 5"/>
+          <p:cNvPr id="6" name="Slide Number Placeholder 5"/>
           <p:cNvSpPr>
             <a:spLocks noGrp="1"/>
           </p:cNvSpPr>
@@ -905,7 +3345,7 @@
     </p:spTree>
     <p:extLst>
       <p:ext uri="{BB962C8B-B14F-4D97-AF65-F5344CB8AC3E}">
-        <p14:creationId xmlns:p14="http://schemas.microsoft.com/office/powerpoint/2010/main" val="1937232109"/>
+        <p14:creationId xmlns:p14="http://schemas.microsoft.com/office/powerpoint/2010/main" val="3187226409"/>
       </p:ext>
     </p:extLst>
   </p:cSld>
@@ -934,7 +3374,7 @@
       </p:grpSpPr>
       <p:sp>
         <p:nvSpPr>
-          <p:cNvPr id="2" name="タイトル 1"/>
+          <p:cNvPr id="2" name="Title 1"/>
           <p:cNvSpPr>
             <a:spLocks noGrp="1"/>
           </p:cNvSpPr>
@@ -944,29 +3384,31 @@
         </p:nvSpPr>
         <p:spPr>
           <a:xfrm>
-            <a:off x="831850" y="1709738"/>
-            <a:ext cx="10515600" cy="2852737"/>
+            <a:off x="2015069" y="1752606"/>
+            <a:ext cx="8158688" cy="1822514"/>
           </a:xfrm>
         </p:spPr>
         <p:txBody>
-          <a:bodyPr anchor="b"/>
+          <a:bodyPr anchor="b">
+            <a:normAutofit/>
+          </a:bodyPr>
           <a:lstStyle>
-            <a:lvl1pPr>
-              <a:defRPr sz="6000"/>
+            <a:lvl1pPr algn="ctr">
+              <a:defRPr sz="4400" b="0" cap="none"/>
             </a:lvl1pPr>
           </a:lstStyle>
           <a:p>
             <a:r>
-              <a:rPr kumimoji="1" lang="ja-JP" altLang="en-US" smtClean="0"/>
+              <a:rPr lang="ja-JP" altLang="en-US" smtClean="0"/>
               <a:t>マスター タイトルの書式設定</a:t>
             </a:r>
-            <a:endParaRPr kumimoji="1" lang="ja-JP" altLang="en-US"/>
-          </a:p>
-        </p:txBody>
-      </p:sp>
-      <p:sp>
-        <p:nvSpPr>
-          <p:cNvPr id="3" name="テキスト プレースホルダー 2"/>
+            <a:endParaRPr lang="en-US" dirty="0"/>
+          </a:p>
+        </p:txBody>
+      </p:sp>
+      <p:sp>
+        <p:nvSpPr>
+          <p:cNvPr id="3" name="Text Placeholder 2"/>
           <p:cNvSpPr>
             <a:spLocks noGrp="1"/>
           </p:cNvSpPr>
@@ -976,108 +3418,108 @@
         </p:nvSpPr>
         <p:spPr>
           <a:xfrm>
-            <a:off x="831850" y="4589463"/>
-            <a:ext cx="10515600" cy="1500187"/>
+            <a:off x="2015067" y="3846051"/>
+            <a:ext cx="8158690" cy="954547"/>
           </a:xfrm>
         </p:spPr>
         <p:txBody>
-          <a:bodyPr/>
+          <a:bodyPr anchor="t">
+            <a:normAutofit/>
+          </a:bodyPr>
           <a:lstStyle>
-            <a:lvl1pPr marL="0" indent="0">
+            <a:lvl1pPr marL="0" indent="0" algn="ctr">
               <a:buNone/>
               <a:defRPr sz="2400">
+                <a:solidFill>
+                  <a:schemeClr val="tx1"/>
+                </a:solidFill>
+              </a:defRPr>
+            </a:lvl1pPr>
+            <a:lvl2pPr marL="457200" indent="0">
+              <a:buNone/>
+              <a:defRPr sz="1800">
                 <a:solidFill>
                   <a:schemeClr val="tx1">
                     <a:tint val="75000"/>
                   </a:schemeClr>
                 </a:solidFill>
               </a:defRPr>
-            </a:lvl1pPr>
-            <a:lvl2pPr marL="457200" indent="0">
-              <a:buNone/>
-              <a:defRPr sz="2000">
+            </a:lvl2pPr>
+            <a:lvl3pPr marL="914400" indent="0">
+              <a:buNone/>
+              <a:defRPr sz="1600">
                 <a:solidFill>
                   <a:schemeClr val="tx1">
                     <a:tint val="75000"/>
                   </a:schemeClr>
                 </a:solidFill>
               </a:defRPr>
-            </a:lvl2pPr>
-            <a:lvl3pPr marL="914400" indent="0">
-              <a:buNone/>
-              <a:defRPr sz="1800">
+            </a:lvl3pPr>
+            <a:lvl4pPr marL="1371600" indent="0">
+              <a:buNone/>
+              <a:defRPr sz="1400">
                 <a:solidFill>
                   <a:schemeClr val="tx1">
                     <a:tint val="75000"/>
                   </a:schemeClr>
                 </a:solidFill>
               </a:defRPr>
-            </a:lvl3pPr>
-            <a:lvl4pPr marL="1371600" indent="0">
-              <a:buNone/>
-              <a:defRPr sz="1600">
+            </a:lvl4pPr>
+            <a:lvl5pPr marL="1828800" indent="0">
+              <a:buNone/>
+              <a:defRPr sz="1400">
                 <a:solidFill>
                   <a:schemeClr val="tx1">
                     <a:tint val="75000"/>
                   </a:schemeClr>
                 </a:solidFill>
               </a:defRPr>
-            </a:lvl4pPr>
-            <a:lvl5pPr marL="1828800" indent="0">
-              <a:buNone/>
-              <a:defRPr sz="1600">
+            </a:lvl5pPr>
+            <a:lvl6pPr marL="2286000" indent="0">
+              <a:buNone/>
+              <a:defRPr sz="1400">
                 <a:solidFill>
                   <a:schemeClr val="tx1">
                     <a:tint val="75000"/>
                   </a:schemeClr>
                 </a:solidFill>
               </a:defRPr>
-            </a:lvl5pPr>
-            <a:lvl6pPr marL="2286000" indent="0">
-              <a:buNone/>
-              <a:defRPr sz="1600">
+            </a:lvl6pPr>
+            <a:lvl7pPr marL="2743200" indent="0">
+              <a:buNone/>
+              <a:defRPr sz="1400">
                 <a:solidFill>
                   <a:schemeClr val="tx1">
                     <a:tint val="75000"/>
                   </a:schemeClr>
                 </a:solidFill>
               </a:defRPr>
-            </a:lvl6pPr>
-            <a:lvl7pPr marL="2743200" indent="0">
-              <a:buNone/>
-              <a:defRPr sz="1600">
+            </a:lvl7pPr>
+            <a:lvl8pPr marL="3200400" indent="0">
+              <a:buNone/>
+              <a:defRPr sz="1400">
                 <a:solidFill>
                   <a:schemeClr val="tx1">
                     <a:tint val="75000"/>
                   </a:schemeClr>
                 </a:solidFill>
               </a:defRPr>
-            </a:lvl7pPr>
-            <a:lvl8pPr marL="3200400" indent="0">
-              <a:buNone/>
-              <a:defRPr sz="1600">
+            </a:lvl8pPr>
+            <a:lvl9pPr marL="3657600" indent="0">
+              <a:buNone/>
+              <a:defRPr sz="1400">
                 <a:solidFill>
                   <a:schemeClr val="tx1">
                     <a:tint val="75000"/>
                   </a:schemeClr>
                 </a:solidFill>
               </a:defRPr>
-            </a:lvl8pPr>
-            <a:lvl9pPr marL="3657600" indent="0">
-              <a:buNone/>
-              <a:defRPr sz="1600">
-                <a:solidFill>
-                  <a:schemeClr val="tx1">
-                    <a:tint val="75000"/>
-                  </a:schemeClr>
-                </a:solidFill>
-              </a:defRPr>
             </a:lvl9pPr>
           </a:lstStyle>
           <a:p>
             <a:pPr lvl="0"/>
             <a:r>
-              <a:rPr kumimoji="1" lang="ja-JP" altLang="en-US" smtClean="0"/>
+              <a:rPr lang="ja-JP" altLang="en-US" smtClean="0"/>
               <a:t>マスター テキストの書式設定</a:t>
             </a:r>
           </a:p>
@@ -1085,7 +3527,7 @@
       </p:sp>
       <p:sp>
         <p:nvSpPr>
-          <p:cNvPr id="4" name="日付プレースホルダー 3"/>
+          <p:cNvPr id="4" name="Date Placeholder 3"/>
           <p:cNvSpPr>
             <a:spLocks noGrp="1"/>
           </p:cNvSpPr>
@@ -1108,7 +3550,7 @@
       </p:sp>
       <p:sp>
         <p:nvSpPr>
-          <p:cNvPr id="5" name="フッター プレースホルダー 4"/>
+          <p:cNvPr id="5" name="Footer Placeholder 4"/>
           <p:cNvSpPr>
             <a:spLocks noGrp="1"/>
           </p:cNvSpPr>
@@ -1127,7 +3569,7 @@
       </p:sp>
       <p:sp>
         <p:nvSpPr>
-          <p:cNvPr id="6" name="スライド番号プレースホルダー 5"/>
+          <p:cNvPr id="6" name="Slide Number Placeholder 5"/>
           <p:cNvSpPr>
             <a:spLocks noGrp="1"/>
           </p:cNvSpPr>
@@ -1148,10 +3590,41 @@
           </a:p>
         </p:txBody>
       </p:sp>
+      <p:cxnSp>
+        <p:nvCxnSpPr>
+          <p:cNvPr id="16" name="Straight Connector 15"/>
+          <p:cNvCxnSpPr/>
+          <p:nvPr/>
+        </p:nvCxnSpPr>
+        <p:spPr>
+          <a:xfrm>
+            <a:off x="2012723" y="3710585"/>
+            <a:ext cx="8163380" cy="0"/>
+          </a:xfrm>
+          <a:prstGeom prst="line">
+            <a:avLst/>
+          </a:prstGeom>
+          <a:ln w="15875"/>
+        </p:spPr>
+        <p:style>
+          <a:lnRef idx="2">
+            <a:schemeClr val="accent1"/>
+          </a:lnRef>
+          <a:fillRef idx="0">
+            <a:schemeClr val="accent1"/>
+          </a:fillRef>
+          <a:effectRef idx="1">
+            <a:schemeClr val="accent1"/>
+          </a:effectRef>
+          <a:fontRef idx="minor">
+            <a:schemeClr val="tx1"/>
+          </a:fontRef>
+        </p:style>
+      </p:cxnSp>
     </p:spTree>
     <p:extLst>
       <p:ext uri="{BB962C8B-B14F-4D97-AF65-F5344CB8AC3E}">
-        <p14:creationId xmlns:p14="http://schemas.microsoft.com/office/powerpoint/2010/main" val="2219519320"/>
+        <p14:creationId xmlns:p14="http://schemas.microsoft.com/office/powerpoint/2010/main" val="473610143"/>
       </p:ext>
     </p:extLst>
   </p:cSld>
@@ -1178,121 +3651,154 @@
           <a:chExt cx="0" cy="0"/>
         </a:xfrm>
       </p:grpSpPr>
-      <p:sp>
-        <p:nvSpPr>
-          <p:cNvPr id="2" name="タイトル 1"/>
-          <p:cNvSpPr>
-            <a:spLocks noGrp="1"/>
-          </p:cNvSpPr>
-          <p:nvPr>
-            <p:ph type="title"/>
-          </p:nvPr>
-        </p:nvSpPr>
-        <p:spPr/>
-        <p:txBody>
-          <a:bodyPr/>
-          <a:lstStyle/>
-          <a:p>
-            <a:r>
-              <a:rPr kumimoji="1" lang="ja-JP" altLang="en-US" smtClean="0"/>
-              <a:t>マスター タイトルの書式設定</a:t>
-            </a:r>
-            <a:endParaRPr kumimoji="1" lang="ja-JP" altLang="en-US"/>
-          </a:p>
-        </p:txBody>
-      </p:sp>
-      <p:sp>
-        <p:nvSpPr>
-          <p:cNvPr id="3" name="コンテンツ プレースホルダー 2"/>
-          <p:cNvSpPr>
-            <a:spLocks noGrp="1"/>
-          </p:cNvSpPr>
-          <p:nvPr>
-            <p:ph sz="half" idx="1"/>
-          </p:nvPr>
-        </p:nvSpPr>
+      <p:cxnSp>
+        <p:nvCxnSpPr>
+          <p:cNvPr id="8" name="Straight Connector 7"/>
+          <p:cNvCxnSpPr/>
+          <p:nvPr/>
+        </p:nvCxnSpPr>
         <p:spPr>
           <a:xfrm>
-            <a:off x="838200" y="1825625"/>
-            <a:ext cx="5181600" cy="4351338"/>
+            <a:off x="1396169" y="2421466"/>
+            <a:ext cx="9407298" cy="0"/>
+          </a:xfrm>
+          <a:prstGeom prst="line">
+            <a:avLst/>
+          </a:prstGeom>
+          <a:ln w="15875"/>
+        </p:spPr>
+        <p:style>
+          <a:lnRef idx="2">
+            <a:schemeClr val="accent1"/>
+          </a:lnRef>
+          <a:fillRef idx="0">
+            <a:schemeClr val="accent1"/>
+          </a:fillRef>
+          <a:effectRef idx="1">
+            <a:schemeClr val="accent1"/>
+          </a:effectRef>
+          <a:fontRef idx="minor">
+            <a:schemeClr val="tx1"/>
+          </a:fontRef>
+        </p:style>
+      </p:cxnSp>
+      <p:sp>
+        <p:nvSpPr>
+          <p:cNvPr id="2" name="Title 1"/>
+          <p:cNvSpPr>
+            <a:spLocks noGrp="1"/>
+          </p:cNvSpPr>
+          <p:nvPr>
+            <p:ph type="title"/>
+          </p:nvPr>
+        </p:nvSpPr>
+        <p:spPr/>
+        <p:txBody>
+          <a:bodyPr/>
+          <a:lstStyle/>
+          <a:p>
+            <a:r>
+              <a:rPr lang="ja-JP" altLang="en-US" smtClean="0"/>
+              <a:t>マスター タイトルの書式設定</a:t>
+            </a:r>
+            <a:endParaRPr lang="en-US" dirty="0"/>
+          </a:p>
+        </p:txBody>
+      </p:sp>
+      <p:sp>
+        <p:nvSpPr>
+          <p:cNvPr id="3" name="Content Placeholder 2"/>
+          <p:cNvSpPr>
+            <a:spLocks noGrp="1"/>
+          </p:cNvSpPr>
+          <p:nvPr>
+            <p:ph sz="half" idx="1"/>
+          </p:nvPr>
+        </p:nvSpPr>
+        <p:spPr>
+          <a:xfrm>
+            <a:off x="1298448" y="2560320"/>
+            <a:ext cx="4718304" cy="3310128"/>
           </a:xfrm>
         </p:spPr>
         <p:txBody>
-          <a:bodyPr/>
+          <a:bodyPr>
+            <a:normAutofit/>
+          </a:bodyPr>
           <a:lstStyle/>
           <a:p>
             <a:pPr lvl="0"/>
             <a:r>
-              <a:rPr kumimoji="1" lang="ja-JP" altLang="en-US" smtClean="0"/>
+              <a:rPr lang="ja-JP" altLang="en-US" smtClean="0"/>
               <a:t>マスター テキストの書式設定</a:t>
             </a:r>
           </a:p>
           <a:p>
             <a:pPr lvl="1"/>
             <a:r>
-              <a:rPr kumimoji="1" lang="ja-JP" altLang="en-US" smtClean="0"/>
+              <a:rPr lang="ja-JP" altLang="en-US" smtClean="0"/>
               <a:t>第 </a:t>
             </a:r>
             <a:r>
-              <a:rPr kumimoji="1" lang="en-US" altLang="ja-JP" smtClean="0"/>
+              <a:rPr lang="en-US" altLang="ja-JP" smtClean="0"/>
               <a:t>2 </a:t>
             </a:r>
             <a:r>
-              <a:rPr kumimoji="1" lang="ja-JP" altLang="en-US" smtClean="0"/>
+              <a:rPr lang="ja-JP" altLang="en-US" smtClean="0"/>
               <a:t>レベル</a:t>
             </a:r>
           </a:p>
           <a:p>
             <a:pPr lvl="2"/>
             <a:r>
-              <a:rPr kumimoji="1" lang="ja-JP" altLang="en-US" smtClean="0"/>
+              <a:rPr lang="ja-JP" altLang="en-US" smtClean="0"/>
               <a:t>第 </a:t>
             </a:r>
             <a:r>
-              <a:rPr kumimoji="1" lang="en-US" altLang="ja-JP" smtClean="0"/>
+              <a:rPr lang="en-US" altLang="ja-JP" smtClean="0"/>
               <a:t>3 </a:t>
             </a:r>
             <a:r>
-              <a:rPr kumimoji="1" lang="ja-JP" altLang="en-US" smtClean="0"/>
+              <a:rPr lang="ja-JP" altLang="en-US" smtClean="0"/>
               <a:t>レベル</a:t>
             </a:r>
           </a:p>
           <a:p>
             <a:pPr lvl="3"/>
             <a:r>
-              <a:rPr kumimoji="1" lang="ja-JP" altLang="en-US" smtClean="0"/>
+              <a:rPr lang="ja-JP" altLang="en-US" smtClean="0"/>
               <a:t>第 </a:t>
             </a:r>
             <a:r>
-              <a:rPr kumimoji="1" lang="en-US" altLang="ja-JP" smtClean="0"/>
+              <a:rPr lang="en-US" altLang="ja-JP" smtClean="0"/>
               <a:t>4 </a:t>
             </a:r>
             <a:r>
-              <a:rPr kumimoji="1" lang="ja-JP" altLang="en-US" smtClean="0"/>
+              <a:rPr lang="ja-JP" altLang="en-US" smtClean="0"/>
               <a:t>レベル</a:t>
             </a:r>
           </a:p>
           <a:p>
             <a:pPr lvl="4"/>
             <a:r>
-              <a:rPr kumimoji="1" lang="ja-JP" altLang="en-US" smtClean="0"/>
+              <a:rPr lang="ja-JP" altLang="en-US" smtClean="0"/>
               <a:t>第 </a:t>
             </a:r>
             <a:r>
-              <a:rPr kumimoji="1" lang="en-US" altLang="ja-JP" smtClean="0"/>
+              <a:rPr lang="en-US" altLang="ja-JP" smtClean="0"/>
               <a:t>5 </a:t>
             </a:r>
             <a:r>
-              <a:rPr kumimoji="1" lang="ja-JP" altLang="en-US" smtClean="0"/>
+              <a:rPr lang="ja-JP" altLang="en-US" smtClean="0"/>
               <a:t>レベル</a:t>
             </a:r>
-            <a:endParaRPr kumimoji="1" lang="ja-JP" altLang="en-US"/>
-          </a:p>
-        </p:txBody>
-      </p:sp>
-      <p:sp>
-        <p:nvSpPr>
-          <p:cNvPr id="4" name="コンテンツ プレースホルダー 3"/>
+            <a:endParaRPr lang="en-US" dirty="0"/>
+          </a:p>
+        </p:txBody>
+      </p:sp>
+      <p:sp>
+        <p:nvSpPr>
+          <p:cNvPr id="4" name="Content Placeholder 3"/>
           <p:cNvSpPr>
             <a:spLocks noGrp="1"/>
           </p:cNvSpPr>
@@ -1302,86 +3808,88 @@
         </p:nvSpPr>
         <p:spPr>
           <a:xfrm>
-            <a:off x="6172200" y="1825625"/>
-            <a:ext cx="5181600" cy="4351338"/>
+            <a:off x="6181344" y="2560320"/>
+            <a:ext cx="4718304" cy="3310128"/>
           </a:xfrm>
         </p:spPr>
         <p:txBody>
-          <a:bodyPr/>
+          <a:bodyPr>
+            <a:normAutofit/>
+          </a:bodyPr>
           <a:lstStyle/>
           <a:p>
             <a:pPr lvl="0"/>
             <a:r>
-              <a:rPr kumimoji="1" lang="ja-JP" altLang="en-US" smtClean="0"/>
+              <a:rPr lang="ja-JP" altLang="en-US" smtClean="0"/>
               <a:t>マスター テキストの書式設定</a:t>
             </a:r>
           </a:p>
           <a:p>
             <a:pPr lvl="1"/>
             <a:r>
-              <a:rPr kumimoji="1" lang="ja-JP" altLang="en-US" smtClean="0"/>
+              <a:rPr lang="ja-JP" altLang="en-US" smtClean="0"/>
               <a:t>第 </a:t>
             </a:r>
             <a:r>
-              <a:rPr kumimoji="1" lang="en-US" altLang="ja-JP" smtClean="0"/>
+              <a:rPr lang="en-US" altLang="ja-JP" smtClean="0"/>
               <a:t>2 </a:t>
             </a:r>
             <a:r>
-              <a:rPr kumimoji="1" lang="ja-JP" altLang="en-US" smtClean="0"/>
+              <a:rPr lang="ja-JP" altLang="en-US" smtClean="0"/>
               <a:t>レベル</a:t>
             </a:r>
           </a:p>
           <a:p>
             <a:pPr lvl="2"/>
             <a:r>
-              <a:rPr kumimoji="1" lang="ja-JP" altLang="en-US" smtClean="0"/>
+              <a:rPr lang="ja-JP" altLang="en-US" smtClean="0"/>
               <a:t>第 </a:t>
             </a:r>
             <a:r>
-              <a:rPr kumimoji="1" lang="en-US" altLang="ja-JP" smtClean="0"/>
+              <a:rPr lang="en-US" altLang="ja-JP" smtClean="0"/>
               <a:t>3 </a:t>
             </a:r>
             <a:r>
-              <a:rPr kumimoji="1" lang="ja-JP" altLang="en-US" smtClean="0"/>
+              <a:rPr lang="ja-JP" altLang="en-US" smtClean="0"/>
               <a:t>レベル</a:t>
             </a:r>
           </a:p>
           <a:p>
             <a:pPr lvl="3"/>
             <a:r>
-              <a:rPr kumimoji="1" lang="ja-JP" altLang="en-US" smtClean="0"/>
+              <a:rPr lang="ja-JP" altLang="en-US" smtClean="0"/>
               <a:t>第 </a:t>
             </a:r>
             <a:r>
-              <a:rPr kumimoji="1" lang="en-US" altLang="ja-JP" smtClean="0"/>
+              <a:rPr lang="en-US" altLang="ja-JP" smtClean="0"/>
               <a:t>4 </a:t>
             </a:r>
             <a:r>
-              <a:rPr kumimoji="1" lang="ja-JP" altLang="en-US" smtClean="0"/>
+              <a:rPr lang="ja-JP" altLang="en-US" smtClean="0"/>
               <a:t>レベル</a:t>
             </a:r>
           </a:p>
           <a:p>
             <a:pPr lvl="4"/>
             <a:r>
-              <a:rPr kumimoji="1" lang="ja-JP" altLang="en-US" smtClean="0"/>
+              <a:rPr lang="ja-JP" altLang="en-US" smtClean="0"/>
               <a:t>第 </a:t>
             </a:r>
             <a:r>
-              <a:rPr kumimoji="1" lang="en-US" altLang="ja-JP" smtClean="0"/>
+              <a:rPr lang="en-US" altLang="ja-JP" smtClean="0"/>
               <a:t>5 </a:t>
             </a:r>
             <a:r>
-              <a:rPr kumimoji="1" lang="ja-JP" altLang="en-US" smtClean="0"/>
+              <a:rPr lang="ja-JP" altLang="en-US" smtClean="0"/>
               <a:t>レベル</a:t>
             </a:r>
-            <a:endParaRPr kumimoji="1" lang="ja-JP" altLang="en-US"/>
-          </a:p>
-        </p:txBody>
-      </p:sp>
-      <p:sp>
-        <p:nvSpPr>
-          <p:cNvPr id="5" name="日付プレースホルダー 4"/>
+            <a:endParaRPr lang="en-US" dirty="0"/>
+          </a:p>
+        </p:txBody>
+      </p:sp>
+      <p:sp>
+        <p:nvSpPr>
+          <p:cNvPr id="5" name="Date Placeholder 4"/>
           <p:cNvSpPr>
             <a:spLocks noGrp="1"/>
           </p:cNvSpPr>
@@ -1404,7 +3912,7 @@
       </p:sp>
       <p:sp>
         <p:nvSpPr>
-          <p:cNvPr id="6" name="フッター プレースホルダー 5"/>
+          <p:cNvPr id="6" name="Footer Placeholder 5"/>
           <p:cNvSpPr>
             <a:spLocks noGrp="1"/>
           </p:cNvSpPr>
@@ -1423,7 +3931,7 @@
       </p:sp>
       <p:sp>
         <p:nvSpPr>
-          <p:cNvPr id="7" name="スライド番号プレースホルダー 6"/>
+          <p:cNvPr id="7" name="Slide Number Placeholder 6"/>
           <p:cNvSpPr>
             <a:spLocks noGrp="1"/>
           </p:cNvSpPr>
@@ -1447,7 +3955,7 @@
     </p:spTree>
     <p:extLst>
       <p:ext uri="{BB962C8B-B14F-4D97-AF65-F5344CB8AC3E}">
-        <p14:creationId xmlns:p14="http://schemas.microsoft.com/office/powerpoint/2010/main" val="1928579350"/>
+        <p14:creationId xmlns:p14="http://schemas.microsoft.com/office/powerpoint/2010/main" val="788995002"/>
       </p:ext>
     </p:extLst>
   </p:cSld>
@@ -1476,54 +3984,65 @@
       </p:grpSpPr>
       <p:sp>
         <p:nvSpPr>
-          <p:cNvPr id="2" name="タイトル 1"/>
+          <p:cNvPr id="2" name="Title 1"/>
           <p:cNvSpPr>
             <a:spLocks noGrp="1"/>
           </p:cNvSpPr>
           <p:nvPr>
             <p:ph type="title"/>
+          </p:nvPr>
+        </p:nvSpPr>
+        <p:spPr/>
+        <p:txBody>
+          <a:bodyPr/>
+          <a:lstStyle>
+            <a:lvl1pPr>
+              <a:defRPr/>
+            </a:lvl1pPr>
+          </a:lstStyle>
+          <a:p>
+            <a:r>
+              <a:rPr lang="ja-JP" altLang="en-US" smtClean="0"/>
+              <a:t>マスター タイトルの書式設定</a:t>
+            </a:r>
+            <a:endParaRPr lang="en-US" dirty="0"/>
+          </a:p>
+        </p:txBody>
+      </p:sp>
+      <p:sp>
+        <p:nvSpPr>
+          <p:cNvPr id="3" name="Text Placeholder 2"/>
+          <p:cNvSpPr>
+            <a:spLocks noGrp="1"/>
+          </p:cNvSpPr>
+          <p:nvPr>
+            <p:ph type="body" idx="1"/>
           </p:nvPr>
         </p:nvSpPr>
         <p:spPr>
           <a:xfrm>
-            <a:off x="839788" y="365125"/>
-            <a:ext cx="10515600" cy="1325563"/>
+            <a:off x="1295400" y="2658533"/>
+            <a:ext cx="4718304" cy="576262"/>
           </a:xfrm>
         </p:spPr>
         <p:txBody>
-          <a:bodyPr/>
-          <a:lstStyle/>
-          <a:p>
-            <a:r>
-              <a:rPr kumimoji="1" lang="ja-JP" altLang="en-US" smtClean="0"/>
-              <a:t>マスター タイトルの書式設定</a:t>
-            </a:r>
-            <a:endParaRPr kumimoji="1" lang="ja-JP" altLang="en-US"/>
-          </a:p>
-        </p:txBody>
-      </p:sp>
-      <p:sp>
-        <p:nvSpPr>
-          <p:cNvPr id="3" name="テキスト プレースホルダー 2"/>
-          <p:cNvSpPr>
-            <a:spLocks noGrp="1"/>
-          </p:cNvSpPr>
-          <p:nvPr>
-            <p:ph type="body" idx="1"/>
-          </p:nvPr>
-        </p:nvSpPr>
-        <p:spPr>
-          <a:xfrm>
-            <a:off x="839788" y="1681163"/>
-            <a:ext cx="5157787" cy="823912"/>
-          </a:xfrm>
-        </p:spPr>
-        <p:txBody>
-          <a:bodyPr anchor="b"/>
+          <a:bodyPr anchor="b">
+            <a:noAutofit/>
+          </a:bodyPr>
           <a:lstStyle>
             <a:lvl1pPr marL="0" indent="0">
-              <a:buNone/>
-              <a:defRPr sz="2400" b="1"/>
+              <a:spcBef>
+                <a:spcPts val="672"/>
+              </a:spcBef>
+              <a:spcAft>
+                <a:spcPts val="600"/>
+              </a:spcAft>
+              <a:buNone/>
+              <a:defRPr sz="2800" b="0">
+                <a:solidFill>
+                  <a:schemeClr val="accent1"/>
+                </a:solidFill>
+              </a:defRPr>
             </a:lvl1pPr>
             <a:lvl2pPr marL="457200" indent="0">
               <a:buNone/>
@@ -1561,7 +4080,7 @@
           <a:p>
             <a:pPr lvl="0"/>
             <a:r>
-              <a:rPr kumimoji="1" lang="ja-JP" altLang="en-US" smtClean="0"/>
+              <a:rPr lang="ja-JP" altLang="en-US" smtClean="0"/>
               <a:t>マスター テキストの書式設定</a:t>
             </a:r>
           </a:p>
@@ -1569,7 +4088,7 @@
       </p:sp>
       <p:sp>
         <p:nvSpPr>
-          <p:cNvPr id="4" name="コンテンツ プレースホルダー 3"/>
+          <p:cNvPr id="4" name="Content Placeholder 3"/>
           <p:cNvSpPr>
             <a:spLocks noGrp="1"/>
           </p:cNvSpPr>
@@ -1579,86 +4098,88 @@
         </p:nvSpPr>
         <p:spPr>
           <a:xfrm>
-            <a:off x="839788" y="2505075"/>
-            <a:ext cx="5157787" cy="3684588"/>
+            <a:off x="1295400" y="3243262"/>
+            <a:ext cx="4718304" cy="2632605"/>
           </a:xfrm>
         </p:spPr>
         <p:txBody>
-          <a:bodyPr/>
+          <a:bodyPr anchor="t">
+            <a:normAutofit/>
+          </a:bodyPr>
           <a:lstStyle/>
           <a:p>
             <a:pPr lvl="0"/>
             <a:r>
-              <a:rPr kumimoji="1" lang="ja-JP" altLang="en-US" smtClean="0"/>
+              <a:rPr lang="ja-JP" altLang="en-US" smtClean="0"/>
               <a:t>マスター テキストの書式設定</a:t>
             </a:r>
           </a:p>
           <a:p>
             <a:pPr lvl="1"/>
             <a:r>
-              <a:rPr kumimoji="1" lang="ja-JP" altLang="en-US" smtClean="0"/>
+              <a:rPr lang="ja-JP" altLang="en-US" smtClean="0"/>
               <a:t>第 </a:t>
             </a:r>
             <a:r>
-              <a:rPr kumimoji="1" lang="en-US" altLang="ja-JP" smtClean="0"/>
+              <a:rPr lang="en-US" altLang="ja-JP" smtClean="0"/>
               <a:t>2 </a:t>
             </a:r>
             <a:r>
-              <a:rPr kumimoji="1" lang="ja-JP" altLang="en-US" smtClean="0"/>
+              <a:rPr lang="ja-JP" altLang="en-US" smtClean="0"/>
               <a:t>レベル</a:t>
             </a:r>
           </a:p>
           <a:p>
             <a:pPr lvl="2"/>
             <a:r>
-              <a:rPr kumimoji="1" lang="ja-JP" altLang="en-US" smtClean="0"/>
+              <a:rPr lang="ja-JP" altLang="en-US" smtClean="0"/>
               <a:t>第 </a:t>
             </a:r>
             <a:r>
-              <a:rPr kumimoji="1" lang="en-US" altLang="ja-JP" smtClean="0"/>
+              <a:rPr lang="en-US" altLang="ja-JP" smtClean="0"/>
               <a:t>3 </a:t>
             </a:r>
             <a:r>
-              <a:rPr kumimoji="1" lang="ja-JP" altLang="en-US" smtClean="0"/>
+              <a:rPr lang="ja-JP" altLang="en-US" smtClean="0"/>
               <a:t>レベル</a:t>
             </a:r>
           </a:p>
           <a:p>
             <a:pPr lvl="3"/>
             <a:r>
-              <a:rPr kumimoji="1" lang="ja-JP" altLang="en-US" smtClean="0"/>
+              <a:rPr lang="ja-JP" altLang="en-US" smtClean="0"/>
               <a:t>第 </a:t>
             </a:r>
             <a:r>
-              <a:rPr kumimoji="1" lang="en-US" altLang="ja-JP" smtClean="0"/>
+              <a:rPr lang="en-US" altLang="ja-JP" smtClean="0"/>
               <a:t>4 </a:t>
             </a:r>
             <a:r>
-              <a:rPr kumimoji="1" lang="ja-JP" altLang="en-US" smtClean="0"/>
+              <a:rPr lang="ja-JP" altLang="en-US" smtClean="0"/>
               <a:t>レベル</a:t>
             </a:r>
           </a:p>
           <a:p>
             <a:pPr lvl="4"/>
             <a:r>
-              <a:rPr kumimoji="1" lang="ja-JP" altLang="en-US" smtClean="0"/>
+              <a:rPr lang="ja-JP" altLang="en-US" smtClean="0"/>
               <a:t>第 </a:t>
             </a:r>
             <a:r>
-              <a:rPr kumimoji="1" lang="en-US" altLang="ja-JP" smtClean="0"/>
+              <a:rPr lang="en-US" altLang="ja-JP" smtClean="0"/>
               <a:t>5 </a:t>
             </a:r>
             <a:r>
-              <a:rPr kumimoji="1" lang="ja-JP" altLang="en-US" smtClean="0"/>
+              <a:rPr lang="ja-JP" altLang="en-US" smtClean="0"/>
               <a:t>レベル</a:t>
             </a:r>
-            <a:endParaRPr kumimoji="1" lang="ja-JP" altLang="en-US"/>
-          </a:p>
-        </p:txBody>
-      </p:sp>
-      <p:sp>
-        <p:nvSpPr>
-          <p:cNvPr id="5" name="テキスト プレースホルダー 4"/>
+            <a:endParaRPr lang="en-US" dirty="0"/>
+          </a:p>
+        </p:txBody>
+      </p:sp>
+      <p:sp>
+        <p:nvSpPr>
+          <p:cNvPr id="5" name="Text Placeholder 4"/>
           <p:cNvSpPr>
             <a:spLocks noGrp="1"/>
           </p:cNvSpPr>
@@ -1668,16 +4189,28 @@
         </p:nvSpPr>
         <p:spPr>
           <a:xfrm>
-            <a:off x="6172200" y="1681163"/>
-            <a:ext cx="5183188" cy="823912"/>
+            <a:off x="6180670" y="2658533"/>
+            <a:ext cx="4718304" cy="576262"/>
           </a:xfrm>
         </p:spPr>
         <p:txBody>
-          <a:bodyPr anchor="b"/>
+          <a:bodyPr anchor="b">
+            <a:noAutofit/>
+          </a:bodyPr>
           <a:lstStyle>
             <a:lvl1pPr marL="0" indent="0">
-              <a:buNone/>
-              <a:defRPr sz="2400" b="1"/>
+              <a:spcBef>
+                <a:spcPts val="672"/>
+              </a:spcBef>
+              <a:spcAft>
+                <a:spcPts val="600"/>
+              </a:spcAft>
+              <a:buNone/>
+              <a:defRPr sz="2800" b="0">
+                <a:solidFill>
+                  <a:schemeClr val="accent1"/>
+                </a:solidFill>
+              </a:defRPr>
             </a:lvl1pPr>
             <a:lvl2pPr marL="457200" indent="0">
               <a:buNone/>
@@ -1715,7 +4248,7 @@
           <a:p>
             <a:pPr lvl="0"/>
             <a:r>
-              <a:rPr kumimoji="1" lang="ja-JP" altLang="en-US" smtClean="0"/>
+              <a:rPr lang="ja-JP" altLang="en-US" smtClean="0"/>
               <a:t>マスター テキストの書式設定</a:t>
             </a:r>
           </a:p>
@@ -1723,7 +4256,7 @@
       </p:sp>
       <p:sp>
         <p:nvSpPr>
-          <p:cNvPr id="6" name="コンテンツ プレースホルダー 5"/>
+          <p:cNvPr id="6" name="Content Placeholder 5"/>
           <p:cNvSpPr>
             <a:spLocks noGrp="1"/>
           </p:cNvSpPr>
@@ -1733,86 +4266,88 @@
         </p:nvSpPr>
         <p:spPr>
           <a:xfrm>
-            <a:off x="6172200" y="2505075"/>
-            <a:ext cx="5183188" cy="3684588"/>
+            <a:off x="6180670" y="3243262"/>
+            <a:ext cx="4718304" cy="2632605"/>
           </a:xfrm>
         </p:spPr>
         <p:txBody>
-          <a:bodyPr/>
+          <a:bodyPr anchor="t">
+            <a:normAutofit/>
+          </a:bodyPr>
           <a:lstStyle/>
           <a:p>
             <a:pPr lvl="0"/>
             <a:r>
-              <a:rPr kumimoji="1" lang="ja-JP" altLang="en-US" smtClean="0"/>
+              <a:rPr lang="ja-JP" altLang="en-US" smtClean="0"/>
               <a:t>マスター テキストの書式設定</a:t>
             </a:r>
           </a:p>
           <a:p>
             <a:pPr lvl="1"/>
             <a:r>
-              <a:rPr kumimoji="1" lang="ja-JP" altLang="en-US" smtClean="0"/>
+              <a:rPr lang="ja-JP" altLang="en-US" smtClean="0"/>
               <a:t>第 </a:t>
             </a:r>
             <a:r>
-              <a:rPr kumimoji="1" lang="en-US" altLang="ja-JP" smtClean="0"/>
+              <a:rPr lang="en-US" altLang="ja-JP" smtClean="0"/>
               <a:t>2 </a:t>
             </a:r>
             <a:r>
-              <a:rPr kumimoji="1" lang="ja-JP" altLang="en-US" smtClean="0"/>
+              <a:rPr lang="ja-JP" altLang="en-US" smtClean="0"/>
               <a:t>レベル</a:t>
             </a:r>
           </a:p>
           <a:p>
             <a:pPr lvl="2"/>
             <a:r>
-              <a:rPr kumimoji="1" lang="ja-JP" altLang="en-US" smtClean="0"/>
+              <a:rPr lang="ja-JP" altLang="en-US" smtClean="0"/>
               <a:t>第 </a:t>
             </a:r>
             <a:r>
-              <a:rPr kumimoji="1" lang="en-US" altLang="ja-JP" smtClean="0"/>
+              <a:rPr lang="en-US" altLang="ja-JP" smtClean="0"/>
               <a:t>3 </a:t>
             </a:r>
             <a:r>
-              <a:rPr kumimoji="1" lang="ja-JP" altLang="en-US" smtClean="0"/>
+              <a:rPr lang="ja-JP" altLang="en-US" smtClean="0"/>
               <a:t>レベル</a:t>
             </a:r>
           </a:p>
           <a:p>
             <a:pPr lvl="3"/>
             <a:r>
-              <a:rPr kumimoji="1" lang="ja-JP" altLang="en-US" smtClean="0"/>
+              <a:rPr lang="ja-JP" altLang="en-US" smtClean="0"/>
               <a:t>第 </a:t>
             </a:r>
             <a:r>
-              <a:rPr kumimoji="1" lang="en-US" altLang="ja-JP" smtClean="0"/>
+              <a:rPr lang="en-US" altLang="ja-JP" smtClean="0"/>
               <a:t>4 </a:t>
             </a:r>
             <a:r>
-              <a:rPr kumimoji="1" lang="ja-JP" altLang="en-US" smtClean="0"/>
+              <a:rPr lang="ja-JP" altLang="en-US" smtClean="0"/>
               <a:t>レベル</a:t>
             </a:r>
           </a:p>
           <a:p>
             <a:pPr lvl="4"/>
             <a:r>
-              <a:rPr kumimoji="1" lang="ja-JP" altLang="en-US" smtClean="0"/>
+              <a:rPr lang="ja-JP" altLang="en-US" smtClean="0"/>
               <a:t>第 </a:t>
             </a:r>
             <a:r>
-              <a:rPr kumimoji="1" lang="en-US" altLang="ja-JP" smtClean="0"/>
+              <a:rPr lang="en-US" altLang="ja-JP" smtClean="0"/>
               <a:t>5 </a:t>
             </a:r>
             <a:r>
-              <a:rPr kumimoji="1" lang="ja-JP" altLang="en-US" smtClean="0"/>
+              <a:rPr lang="ja-JP" altLang="en-US" smtClean="0"/>
               <a:t>レベル</a:t>
             </a:r>
-            <a:endParaRPr kumimoji="1" lang="ja-JP" altLang="en-US"/>
-          </a:p>
-        </p:txBody>
-      </p:sp>
-      <p:sp>
-        <p:nvSpPr>
-          <p:cNvPr id="7" name="日付プレースホルダー 6"/>
+            <a:endParaRPr lang="en-US" dirty="0"/>
+          </a:p>
+        </p:txBody>
+      </p:sp>
+      <p:sp>
+        <p:nvSpPr>
+          <p:cNvPr id="7" name="Date Placeholder 6"/>
           <p:cNvSpPr>
             <a:spLocks noGrp="1"/>
           </p:cNvSpPr>
@@ -1835,7 +4370,7 @@
       </p:sp>
       <p:sp>
         <p:nvSpPr>
-          <p:cNvPr id="8" name="フッター プレースホルダー 7"/>
+          <p:cNvPr id="8" name="Footer Placeholder 7"/>
           <p:cNvSpPr>
             <a:spLocks noGrp="1"/>
           </p:cNvSpPr>
@@ -1854,7 +4389,7 @@
       </p:sp>
       <p:sp>
         <p:nvSpPr>
-          <p:cNvPr id="9" name="スライド番号プレースホルダー 8"/>
+          <p:cNvPr id="9" name="Slide Number Placeholder 8"/>
           <p:cNvSpPr>
             <a:spLocks noGrp="1"/>
           </p:cNvSpPr>
@@ -1875,10 +4410,41 @@
           </a:p>
         </p:txBody>
       </p:sp>
+      <p:cxnSp>
+        <p:nvCxnSpPr>
+          <p:cNvPr id="18" name="Straight Connector 17"/>
+          <p:cNvCxnSpPr/>
+          <p:nvPr/>
+        </p:nvCxnSpPr>
+        <p:spPr>
+          <a:xfrm>
+            <a:off x="1396169" y="2421466"/>
+            <a:ext cx="9407298" cy="0"/>
+          </a:xfrm>
+          <a:prstGeom prst="line">
+            <a:avLst/>
+          </a:prstGeom>
+          <a:ln w="15875"/>
+        </p:spPr>
+        <p:style>
+          <a:lnRef idx="2">
+            <a:schemeClr val="accent1"/>
+          </a:lnRef>
+          <a:fillRef idx="0">
+            <a:schemeClr val="accent1"/>
+          </a:fillRef>
+          <a:effectRef idx="1">
+            <a:schemeClr val="accent1"/>
+          </a:effectRef>
+          <a:fontRef idx="minor">
+            <a:schemeClr val="tx1"/>
+          </a:fontRef>
+        </p:style>
+      </p:cxnSp>
     </p:spTree>
     <p:extLst>
       <p:ext uri="{BB962C8B-B14F-4D97-AF65-F5344CB8AC3E}">
-        <p14:creationId xmlns:p14="http://schemas.microsoft.com/office/powerpoint/2010/main" val="4102936643"/>
+        <p14:creationId xmlns:p14="http://schemas.microsoft.com/office/powerpoint/2010/main" val="3217907093"/>
       </p:ext>
     </p:extLst>
   </p:cSld>
@@ -1907,7 +4473,7 @@
       </p:grpSpPr>
       <p:sp>
         <p:nvSpPr>
-          <p:cNvPr id="2" name="タイトル 1"/>
+          <p:cNvPr id="2" name="Title 1"/>
           <p:cNvSpPr>
             <a:spLocks noGrp="1"/>
           </p:cNvSpPr>
@@ -1921,16 +4487,16 @@
           <a:lstStyle/>
           <a:p>
             <a:r>
-              <a:rPr kumimoji="1" lang="ja-JP" altLang="en-US" smtClean="0"/>
+              <a:rPr lang="ja-JP" altLang="en-US" smtClean="0"/>
               <a:t>マスター タイトルの書式設定</a:t>
             </a:r>
-            <a:endParaRPr kumimoji="1" lang="ja-JP" altLang="en-US"/>
-          </a:p>
-        </p:txBody>
-      </p:sp>
-      <p:sp>
-        <p:nvSpPr>
-          <p:cNvPr id="3" name="日付プレースホルダー 2"/>
+            <a:endParaRPr lang="en-US" dirty="0"/>
+          </a:p>
+        </p:txBody>
+      </p:sp>
+      <p:sp>
+        <p:nvSpPr>
+          <p:cNvPr id="3" name="Date Placeholder 2"/>
           <p:cNvSpPr>
             <a:spLocks noGrp="1"/>
           </p:cNvSpPr>
@@ -1953,7 +4519,7 @@
       </p:sp>
       <p:sp>
         <p:nvSpPr>
-          <p:cNvPr id="4" name="フッター プレースホルダー 3"/>
+          <p:cNvPr id="4" name="Footer Placeholder 3"/>
           <p:cNvSpPr>
             <a:spLocks noGrp="1"/>
           </p:cNvSpPr>
@@ -1972,7 +4538,7 @@
       </p:sp>
       <p:sp>
         <p:nvSpPr>
-          <p:cNvPr id="5" name="スライド番号プレースホルダー 4"/>
+          <p:cNvPr id="5" name="Slide Number Placeholder 4"/>
           <p:cNvSpPr>
             <a:spLocks noGrp="1"/>
           </p:cNvSpPr>
@@ -1993,10 +4559,41 @@
           </a:p>
         </p:txBody>
       </p:sp>
+      <p:cxnSp>
+        <p:nvCxnSpPr>
+          <p:cNvPr id="14" name="Straight Connector 13"/>
+          <p:cNvCxnSpPr/>
+          <p:nvPr/>
+        </p:nvCxnSpPr>
+        <p:spPr>
+          <a:xfrm>
+            <a:off x="1396169" y="2421466"/>
+            <a:ext cx="9407298" cy="0"/>
+          </a:xfrm>
+          <a:prstGeom prst="line">
+            <a:avLst/>
+          </a:prstGeom>
+          <a:ln w="15875"/>
+        </p:spPr>
+        <p:style>
+          <a:lnRef idx="2">
+            <a:schemeClr val="accent1"/>
+          </a:lnRef>
+          <a:fillRef idx="0">
+            <a:schemeClr val="accent1"/>
+          </a:fillRef>
+          <a:effectRef idx="1">
+            <a:schemeClr val="accent1"/>
+          </a:effectRef>
+          <a:fontRef idx="minor">
+            <a:schemeClr val="tx1"/>
+          </a:fontRef>
+        </p:style>
+      </p:cxnSp>
     </p:spTree>
     <p:extLst>
       <p:ext uri="{BB962C8B-B14F-4D97-AF65-F5344CB8AC3E}">
-        <p14:creationId xmlns:p14="http://schemas.microsoft.com/office/powerpoint/2010/main" val="453388301"/>
+        <p14:creationId xmlns:p14="http://schemas.microsoft.com/office/powerpoint/2010/main" val="3853564526"/>
       </p:ext>
     </p:extLst>
   </p:cSld>
@@ -2025,7 +4622,7 @@
       </p:grpSpPr>
       <p:sp>
         <p:nvSpPr>
-          <p:cNvPr id="2" name="日付プレースホルダー 1"/>
+          <p:cNvPr id="2" name="Date Placeholder 1"/>
           <p:cNvSpPr>
             <a:spLocks noGrp="1"/>
           </p:cNvSpPr>
@@ -2048,7 +4645,7 @@
       </p:sp>
       <p:sp>
         <p:nvSpPr>
-          <p:cNvPr id="3" name="フッター プレースホルダー 2"/>
+          <p:cNvPr id="3" name="Footer Placeholder 2"/>
           <p:cNvSpPr>
             <a:spLocks noGrp="1"/>
           </p:cNvSpPr>
@@ -2067,7 +4664,7 @@
       </p:sp>
       <p:sp>
         <p:nvSpPr>
-          <p:cNvPr id="4" name="スライド番号プレースホルダー 3"/>
+          <p:cNvPr id="4" name="Slide Number Placeholder 3"/>
           <p:cNvSpPr>
             <a:spLocks noGrp="1"/>
           </p:cNvSpPr>
@@ -2091,7 +4688,7 @@
     </p:spTree>
     <p:extLst>
       <p:ext uri="{BB962C8B-B14F-4D97-AF65-F5344CB8AC3E}">
-        <p14:creationId xmlns:p14="http://schemas.microsoft.com/office/powerpoint/2010/main" val="1484225271"/>
+        <p14:creationId xmlns:p14="http://schemas.microsoft.com/office/powerpoint/2010/main" val="837763193"/>
       </p:ext>
     </p:extLst>
   </p:cSld>
@@ -2120,7 +4717,7 @@
       </p:grpSpPr>
       <p:sp>
         <p:nvSpPr>
-          <p:cNvPr id="2" name="タイトル 1"/>
+          <p:cNvPr id="2" name="Title 1"/>
           <p:cNvSpPr>
             <a:spLocks noGrp="1"/>
           </p:cNvSpPr>
@@ -2130,29 +4727,31 @@
         </p:nvSpPr>
         <p:spPr>
           <a:xfrm>
-            <a:off x="839788" y="457200"/>
-            <a:ext cx="3932237" cy="1600200"/>
+            <a:off x="1293811" y="1388534"/>
+            <a:ext cx="3718455" cy="1371600"/>
           </a:xfrm>
         </p:spPr>
         <p:txBody>
-          <a:bodyPr anchor="b"/>
+          <a:bodyPr anchor="b">
+            <a:normAutofit/>
+          </a:bodyPr>
           <a:lstStyle>
-            <a:lvl1pPr>
-              <a:defRPr sz="3200"/>
+            <a:lvl1pPr algn="ctr">
+              <a:defRPr sz="2400" b="0"/>
             </a:lvl1pPr>
           </a:lstStyle>
           <a:p>
             <a:r>
-              <a:rPr kumimoji="1" lang="ja-JP" altLang="en-US" smtClean="0"/>
+              <a:rPr lang="ja-JP" altLang="en-US" smtClean="0"/>
               <a:t>マスター タイトルの書式設定</a:t>
             </a:r>
-            <a:endParaRPr kumimoji="1" lang="ja-JP" altLang="en-US"/>
-          </a:p>
-        </p:txBody>
-      </p:sp>
-      <p:sp>
-        <p:nvSpPr>
-          <p:cNvPr id="3" name="コンテンツ プレースホルダー 2"/>
+            <a:endParaRPr lang="en-US" dirty="0"/>
+          </a:p>
+        </p:txBody>
+      </p:sp>
+      <p:sp>
+        <p:nvSpPr>
+          <p:cNvPr id="3" name="Content Placeholder 2"/>
           <p:cNvSpPr>
             <a:spLocks noGrp="1"/>
           </p:cNvSpPr>
@@ -2162,114 +4761,88 @@
         </p:nvSpPr>
         <p:spPr>
           <a:xfrm>
-            <a:off x="5183188" y="987425"/>
-            <a:ext cx="6172200" cy="4873625"/>
+            <a:off x="5418668" y="982131"/>
+            <a:ext cx="5469466" cy="4893735"/>
           </a:xfrm>
         </p:spPr>
         <p:txBody>
-          <a:bodyPr/>
-          <a:lstStyle>
-            <a:lvl1pPr>
-              <a:defRPr sz="3200"/>
-            </a:lvl1pPr>
-            <a:lvl2pPr>
-              <a:defRPr sz="2800"/>
-            </a:lvl2pPr>
-            <a:lvl3pPr>
-              <a:defRPr sz="2400"/>
-            </a:lvl3pPr>
-            <a:lvl4pPr>
-              <a:defRPr sz="2000"/>
-            </a:lvl4pPr>
-            <a:lvl5pPr>
-              <a:defRPr sz="2000"/>
-            </a:lvl5pPr>
-            <a:lvl6pPr>
-              <a:defRPr sz="2000"/>
-            </a:lvl6pPr>
-            <a:lvl7pPr>
-              <a:defRPr sz="2000"/>
-            </a:lvl7pPr>
-            <a:lvl8pPr>
-              <a:defRPr sz="2000"/>
-            </a:lvl8pPr>
-            <a:lvl9pPr>
-              <a:defRPr sz="2000"/>
-            </a:lvl9pPr>
-          </a:lstStyle>
+          <a:bodyPr anchor="ctr">
+            <a:normAutofit/>
+          </a:bodyPr>
+          <a:lstStyle/>
           <a:p>
             <a:pPr lvl="0"/>
             <a:r>
-              <a:rPr kumimoji="1" lang="ja-JP" altLang="en-US" smtClean="0"/>
+              <a:rPr lang="ja-JP" altLang="en-US" smtClean="0"/>
               <a:t>マスター テキストの書式設定</a:t>
             </a:r>
           </a:p>
           <a:p>
             <a:pPr lvl="1"/>
             <a:r>
-              <a:rPr kumimoji="1" lang="ja-JP" altLang="en-US" smtClean="0"/>
+              <a:rPr lang="ja-JP" altLang="en-US" smtClean="0"/>
               <a:t>第 </a:t>
             </a:r>
             <a:r>
-              <a:rPr kumimoji="1" lang="en-US" altLang="ja-JP" smtClean="0"/>
+              <a:rPr lang="en-US" altLang="ja-JP" smtClean="0"/>
               <a:t>2 </a:t>
             </a:r>
             <a:r>
-              <a:rPr kumimoji="1" lang="ja-JP" altLang="en-US" smtClean="0"/>
+              <a:rPr lang="ja-JP" altLang="en-US" smtClean="0"/>
               <a:t>レベル</a:t>
             </a:r>
           </a:p>
           <a:p>
             <a:pPr lvl="2"/>
             <a:r>
-              <a:rPr kumimoji="1" lang="ja-JP" altLang="en-US" smtClean="0"/>
+              <a:rPr lang="ja-JP" altLang="en-US" smtClean="0"/>
               <a:t>第 </a:t>
             </a:r>
             <a:r>
-              <a:rPr kumimoji="1" lang="en-US" altLang="ja-JP" smtClean="0"/>
+              <a:rPr lang="en-US" altLang="ja-JP" smtClean="0"/>
               <a:t>3 </a:t>
             </a:r>
             <a:r>
-              <a:rPr kumimoji="1" lang="ja-JP" altLang="en-US" smtClean="0"/>
+              <a:rPr lang="ja-JP" altLang="en-US" smtClean="0"/>
               <a:t>レベル</a:t>
             </a:r>
           </a:p>
           <a:p>
             <a:pPr lvl="3"/>
             <a:r>
-              <a:rPr kumimoji="1" lang="ja-JP" altLang="en-US" smtClean="0"/>
+              <a:rPr lang="ja-JP" altLang="en-US" smtClean="0"/>
               <a:t>第 </a:t>
             </a:r>
             <a:r>
-              <a:rPr kumimoji="1" lang="en-US" altLang="ja-JP" smtClean="0"/>
+              <a:rPr lang="en-US" altLang="ja-JP" smtClean="0"/>
               <a:t>4 </a:t>
             </a:r>
             <a:r>
-              <a:rPr kumimoji="1" lang="ja-JP" altLang="en-US" smtClean="0"/>
+              <a:rPr lang="ja-JP" altLang="en-US" smtClean="0"/>
               <a:t>レベル</a:t>
             </a:r>
           </a:p>
           <a:p>
             <a:pPr lvl="4"/>
             <a:r>
-              <a:rPr kumimoji="1" lang="ja-JP" altLang="en-US" smtClean="0"/>
+              <a:rPr lang="ja-JP" altLang="en-US" smtClean="0"/>
               <a:t>第 </a:t>
             </a:r>
             <a:r>
-              <a:rPr kumimoji="1" lang="en-US" altLang="ja-JP" smtClean="0"/>
+              <a:rPr lang="en-US" altLang="ja-JP" smtClean="0"/>
               <a:t>5 </a:t>
             </a:r>
             <a:r>
-              <a:rPr kumimoji="1" lang="ja-JP" altLang="en-US" smtClean="0"/>
+              <a:rPr lang="ja-JP" altLang="en-US" smtClean="0"/>
               <a:t>レベル</a:t>
             </a:r>
-            <a:endParaRPr kumimoji="1" lang="ja-JP" altLang="en-US"/>
-          </a:p>
-        </p:txBody>
-      </p:sp>
-      <p:sp>
-        <p:nvSpPr>
-          <p:cNvPr id="4" name="テキスト プレースホルダー 3"/>
+            <a:endParaRPr lang="en-US" dirty="0"/>
+          </a:p>
+        </p:txBody>
+      </p:sp>
+      <p:sp>
+        <p:nvSpPr>
+          <p:cNvPr id="4" name="Text Placeholder 3"/>
           <p:cNvSpPr>
             <a:spLocks noGrp="1"/>
           </p:cNvSpPr>
@@ -2279,54 +4852,56 @@
         </p:nvSpPr>
         <p:spPr>
           <a:xfrm>
-            <a:off x="839788" y="2057400"/>
-            <a:ext cx="3932237" cy="3811588"/>
+            <a:off x="1293811" y="3031065"/>
+            <a:ext cx="3718455" cy="2438404"/>
           </a:xfrm>
         </p:spPr>
         <p:txBody>
-          <a:bodyPr/>
+          <a:bodyPr anchor="t">
+            <a:normAutofit/>
+          </a:bodyPr>
           <a:lstStyle>
-            <a:lvl1pPr marL="0" indent="0">
+            <a:lvl1pPr marL="0" indent="0" algn="ctr">
               <a:buNone/>
               <a:defRPr sz="1600"/>
             </a:lvl1pPr>
             <a:lvl2pPr marL="457200" indent="0">
               <a:buNone/>
-              <a:defRPr sz="1400"/>
+              <a:defRPr sz="1200"/>
             </a:lvl2pPr>
             <a:lvl3pPr marL="914400" indent="0">
               <a:buNone/>
-              <a:defRPr sz="1200"/>
+              <a:defRPr sz="1000"/>
             </a:lvl3pPr>
             <a:lvl4pPr marL="1371600" indent="0">
               <a:buNone/>
-              <a:defRPr sz="1000"/>
+              <a:defRPr sz="900"/>
             </a:lvl4pPr>
             <a:lvl5pPr marL="1828800" indent="0">
               <a:buNone/>
-              <a:defRPr sz="1000"/>
+              <a:defRPr sz="900"/>
             </a:lvl5pPr>
             <a:lvl6pPr marL="2286000" indent="0">
               <a:buNone/>
-              <a:defRPr sz="1000"/>
+              <a:defRPr sz="900"/>
             </a:lvl6pPr>
             <a:lvl7pPr marL="2743200" indent="0">
               <a:buNone/>
-              <a:defRPr sz="1000"/>
+              <a:defRPr sz="900"/>
             </a:lvl7pPr>
             <a:lvl8pPr marL="3200400" indent="0">
               <a:buNone/>
-              <a:defRPr sz="1000"/>
+              <a:defRPr sz="900"/>
             </a:lvl8pPr>
             <a:lvl9pPr marL="3657600" indent="0">
               <a:buNone/>
-              <a:defRPr sz="1000"/>
+              <a:defRPr sz="900"/>
             </a:lvl9pPr>
           </a:lstStyle>
           <a:p>
             <a:pPr lvl="0"/>
             <a:r>
-              <a:rPr kumimoji="1" lang="ja-JP" altLang="en-US" smtClean="0"/>
+              <a:rPr lang="ja-JP" altLang="en-US" smtClean="0"/>
               <a:t>マスター テキストの書式設定</a:t>
             </a:r>
           </a:p>
@@ -2334,7 +4909,7 @@
       </p:sp>
       <p:sp>
         <p:nvSpPr>
-          <p:cNvPr id="5" name="日付プレースホルダー 4"/>
+          <p:cNvPr id="5" name="Date Placeholder 4"/>
           <p:cNvSpPr>
             <a:spLocks noGrp="1"/>
           </p:cNvSpPr>
@@ -2357,7 +4932,7 @@
       </p:sp>
       <p:sp>
         <p:nvSpPr>
-          <p:cNvPr id="6" name="フッター プレースホルダー 5"/>
+          <p:cNvPr id="6" name="Footer Placeholder 5"/>
           <p:cNvSpPr>
             <a:spLocks noGrp="1"/>
           </p:cNvSpPr>
@@ -2376,7 +4951,7 @@
       </p:sp>
       <p:sp>
         <p:nvSpPr>
-          <p:cNvPr id="7" name="スライド番号プレースホルダー 6"/>
+          <p:cNvPr id="7" name="Slide Number Placeholder 6"/>
           <p:cNvSpPr>
             <a:spLocks noGrp="1"/>
           </p:cNvSpPr>
@@ -2397,10 +4972,41 @@
           </a:p>
         </p:txBody>
       </p:sp>
+      <p:cxnSp>
+        <p:nvCxnSpPr>
+          <p:cNvPr id="16" name="Straight Connector 15"/>
+          <p:cNvCxnSpPr/>
+          <p:nvPr/>
+        </p:nvCxnSpPr>
+        <p:spPr>
+          <a:xfrm>
+            <a:off x="1396169" y="2912533"/>
+            <a:ext cx="3514498" cy="0"/>
+          </a:xfrm>
+          <a:prstGeom prst="line">
+            <a:avLst/>
+          </a:prstGeom>
+          <a:ln w="15875"/>
+        </p:spPr>
+        <p:style>
+          <a:lnRef idx="2">
+            <a:schemeClr val="accent1"/>
+          </a:lnRef>
+          <a:fillRef idx="0">
+            <a:schemeClr val="accent1"/>
+          </a:fillRef>
+          <a:effectRef idx="1">
+            <a:schemeClr val="accent1"/>
+          </a:effectRef>
+          <a:fontRef idx="minor">
+            <a:schemeClr val="tx1"/>
+          </a:fontRef>
+        </p:style>
+      </p:cxnSp>
     </p:spTree>
     <p:extLst>
       <p:ext uri="{BB962C8B-B14F-4D97-AF65-F5344CB8AC3E}">
-        <p14:creationId xmlns:p14="http://schemas.microsoft.com/office/powerpoint/2010/main" val="838206134"/>
+        <p14:creationId xmlns:p14="http://schemas.microsoft.com/office/powerpoint/2010/main" val="1697292561"/>
       </p:ext>
     </p:extLst>
   </p:cSld>
@@ -2429,7 +5035,7 @@
       </p:grpSpPr>
       <p:sp>
         <p:nvSpPr>
-          <p:cNvPr id="2" name="タイトル 1"/>
+          <p:cNvPr id="2" name="Title 1"/>
           <p:cNvSpPr>
             <a:spLocks noGrp="1"/>
           </p:cNvSpPr>
@@ -2439,31 +5045,33 @@
         </p:nvSpPr>
         <p:spPr>
           <a:xfrm>
-            <a:off x="839788" y="457200"/>
-            <a:ext cx="3932237" cy="1600200"/>
+            <a:off x="1295399" y="1883832"/>
+            <a:ext cx="6241816" cy="1371600"/>
           </a:xfrm>
         </p:spPr>
         <p:txBody>
-          <a:bodyPr anchor="b"/>
+          <a:bodyPr anchor="b">
+            <a:normAutofit/>
+          </a:bodyPr>
           <a:lstStyle>
-            <a:lvl1pPr>
-              <a:defRPr sz="3200"/>
+            <a:lvl1pPr algn="ctr">
+              <a:defRPr sz="2800" b="0"/>
             </a:lvl1pPr>
           </a:lstStyle>
           <a:p>
             <a:r>
-              <a:rPr kumimoji="1" lang="ja-JP" altLang="en-US" smtClean="0"/>
+              <a:rPr lang="ja-JP" altLang="en-US" smtClean="0"/>
               <a:t>マスター タイトルの書式設定</a:t>
             </a:r>
-            <a:endParaRPr kumimoji="1" lang="ja-JP" altLang="en-US"/>
-          </a:p>
-        </p:txBody>
-      </p:sp>
-      <p:sp>
-        <p:nvSpPr>
-          <p:cNvPr id="3" name="図プレースホルダー 2"/>
-          <p:cNvSpPr>
-            <a:spLocks noGrp="1"/>
+            <a:endParaRPr lang="en-US" dirty="0"/>
+          </a:p>
+        </p:txBody>
+      </p:sp>
+      <p:sp>
+        <p:nvSpPr>
+          <p:cNvPr id="17" name="Picture Placeholder 2"/>
+          <p:cNvSpPr>
+            <a:spLocks noGrp="1" noChangeAspect="1"/>
           </p:cNvSpPr>
           <p:nvPr>
             <p:ph type="pic" idx="1"/>
@@ -2471,115 +5079,144 @@
         </p:nvSpPr>
         <p:spPr>
           <a:xfrm>
-            <a:off x="5183188" y="987425"/>
-            <a:ext cx="6172200" cy="4873625"/>
+            <a:off x="8094831" y="1041400"/>
+            <a:ext cx="3063347" cy="4775200"/>
           </a:xfrm>
+          <a:prstGeom prst="roundRect">
+            <a:avLst>
+              <a:gd name="adj" fmla="val 0"/>
+            </a:avLst>
+          </a:prstGeom>
+          <a:ln w="57150" cmpd="thickThin">
+            <a:solidFill>
+              <a:schemeClr val="tx1">
+                <a:lumMod val="50000"/>
+                <a:lumOff val="50000"/>
+              </a:schemeClr>
+            </a:solidFill>
+            <a:miter lim="800000"/>
+          </a:ln>
+          <a:effectLst>
+            <a:innerShdw blurRad="57150" dist="38100" dir="14460000">
+              <a:srgbClr val="000000">
+                <a:alpha val="70000"/>
+              </a:srgbClr>
+            </a:innerShdw>
+          </a:effectLst>
         </p:spPr>
         <p:txBody>
-          <a:bodyPr/>
+          <a:bodyPr anchor="t">
+            <a:normAutofit/>
+          </a:bodyPr>
           <a:lstStyle>
-            <a:lvl1pPr marL="0" indent="0">
-              <a:buNone/>
-              <a:defRPr sz="3200"/>
-            </a:lvl1pPr>
-            <a:lvl2pPr marL="457200" indent="0">
-              <a:buNone/>
-              <a:defRPr sz="2800"/>
-            </a:lvl2pPr>
-            <a:lvl3pPr marL="914400" indent="0">
-              <a:buNone/>
-              <a:defRPr sz="2400"/>
-            </a:lvl3pPr>
-            <a:lvl4pPr marL="1371600" indent="0">
-              <a:buNone/>
-              <a:defRPr sz="2000"/>
-            </a:lvl4pPr>
-            <a:lvl5pPr marL="1828800" indent="0">
-              <a:buNone/>
-              <a:defRPr sz="2000"/>
-            </a:lvl5pPr>
-            <a:lvl6pPr marL="2286000" indent="0">
-              <a:buNone/>
-              <a:defRPr sz="2000"/>
-            </a:lvl6pPr>
-            <a:lvl7pPr marL="2743200" indent="0">
-              <a:buNone/>
-              <a:defRPr sz="2000"/>
-            </a:lvl7pPr>
-            <a:lvl8pPr marL="3200400" indent="0">
-              <a:buNone/>
-              <a:defRPr sz="2000"/>
-            </a:lvl8pPr>
-            <a:lvl9pPr marL="3657600" indent="0">
-              <a:buNone/>
-              <a:defRPr sz="2000"/>
-            </a:lvl9pPr>
-          </a:lstStyle>
-          <a:p>
-            <a:endParaRPr kumimoji="1" lang="ja-JP" altLang="en-US"/>
-          </a:p>
-        </p:txBody>
-      </p:sp>
-      <p:sp>
-        <p:nvSpPr>
-          <p:cNvPr id="4" name="テキスト プレースホルダー 3"/>
-          <p:cNvSpPr>
-            <a:spLocks noGrp="1"/>
-          </p:cNvSpPr>
-          <p:nvPr>
-            <p:ph type="body" sz="half" idx="2"/>
-          </p:nvPr>
-        </p:nvSpPr>
-        <p:spPr>
-          <a:xfrm>
-            <a:off x="839788" y="2057400"/>
-            <a:ext cx="3932237" cy="3811588"/>
-          </a:xfrm>
-        </p:spPr>
-        <p:txBody>
-          <a:bodyPr/>
-          <a:lstStyle>
-            <a:lvl1pPr marL="0" indent="0">
+            <a:lvl1pPr marL="0" indent="0" algn="ctr">
               <a:buNone/>
               <a:defRPr sz="1600"/>
             </a:lvl1pPr>
             <a:lvl2pPr marL="457200" indent="0">
               <a:buNone/>
-              <a:defRPr sz="1400"/>
+              <a:defRPr sz="1600"/>
             </a:lvl2pPr>
             <a:lvl3pPr marL="914400" indent="0">
               <a:buNone/>
-              <a:defRPr sz="1200"/>
+              <a:defRPr sz="1600"/>
             </a:lvl3pPr>
             <a:lvl4pPr marL="1371600" indent="0">
               <a:buNone/>
-              <a:defRPr sz="1000"/>
+              <a:defRPr sz="1600"/>
             </a:lvl4pPr>
             <a:lvl5pPr marL="1828800" indent="0">
               <a:buNone/>
-              <a:defRPr sz="1000"/>
+              <a:defRPr sz="1600"/>
             </a:lvl5pPr>
             <a:lvl6pPr marL="2286000" indent="0">
               <a:buNone/>
-              <a:defRPr sz="1000"/>
+              <a:defRPr sz="1600"/>
             </a:lvl6pPr>
             <a:lvl7pPr marL="2743200" indent="0">
               <a:buNone/>
-              <a:defRPr sz="1000"/>
+              <a:defRPr sz="1600"/>
             </a:lvl7pPr>
             <a:lvl8pPr marL="3200400" indent="0">
               <a:buNone/>
-              <a:defRPr sz="1000"/>
+              <a:defRPr sz="1600"/>
             </a:lvl8pPr>
             <a:lvl9pPr marL="3657600" indent="0">
               <a:buNone/>
-              <a:defRPr sz="1000"/>
+              <a:defRPr sz="1600"/>
             </a:lvl9pPr>
           </a:lstStyle>
           <a:p>
+            <a:r>
+              <a:rPr lang="ja-JP" altLang="en-US" smtClean="0"/>
+              <a:t>図を追加</a:t>
+            </a:r>
+            <a:endParaRPr lang="en-US" dirty="0"/>
+          </a:p>
+        </p:txBody>
+      </p:sp>
+      <p:sp>
+        <p:nvSpPr>
+          <p:cNvPr id="4" name="Text Placeholder 3"/>
+          <p:cNvSpPr>
+            <a:spLocks noGrp="1"/>
+          </p:cNvSpPr>
+          <p:nvPr>
+            <p:ph type="body" sz="half" idx="2"/>
+          </p:nvPr>
+        </p:nvSpPr>
+        <p:spPr>
+          <a:xfrm>
+            <a:off x="1295399" y="3255432"/>
+            <a:ext cx="6241816" cy="1828800"/>
+          </a:xfrm>
+        </p:spPr>
+        <p:txBody>
+          <a:bodyPr anchor="t">
+            <a:normAutofit/>
+          </a:bodyPr>
+          <a:lstStyle>
+            <a:lvl1pPr marL="0" indent="0" algn="ctr">
+              <a:buNone/>
+              <a:defRPr sz="1800"/>
+            </a:lvl1pPr>
+            <a:lvl2pPr marL="457200" indent="0">
+              <a:buNone/>
+              <a:defRPr sz="1200"/>
+            </a:lvl2pPr>
+            <a:lvl3pPr marL="914400" indent="0">
+              <a:buNone/>
+              <a:defRPr sz="1000"/>
+            </a:lvl3pPr>
+            <a:lvl4pPr marL="1371600" indent="0">
+              <a:buNone/>
+              <a:defRPr sz="900"/>
+            </a:lvl4pPr>
+            <a:lvl5pPr marL="1828800" indent="0">
+              <a:buNone/>
+              <a:defRPr sz="900"/>
+            </a:lvl5pPr>
+            <a:lvl6pPr marL="2286000" indent="0">
+              <a:buNone/>
+              <a:defRPr sz="900"/>
+            </a:lvl6pPr>
+            <a:lvl7pPr marL="2743200" indent="0">
+              <a:buNone/>
+              <a:defRPr sz="900"/>
+            </a:lvl7pPr>
+            <a:lvl8pPr marL="3200400" indent="0">
+              <a:buNone/>
+              <a:defRPr sz="900"/>
+            </a:lvl8pPr>
+            <a:lvl9pPr marL="3657600" indent="0">
+              <a:buNone/>
+              <a:defRPr sz="900"/>
+            </a:lvl9pPr>
+          </a:lstStyle>
+          <a:p>
             <a:pPr lvl="0"/>
             <a:r>
-              <a:rPr kumimoji="1" lang="ja-JP" altLang="en-US" smtClean="0"/>
+              <a:rPr lang="ja-JP" altLang="en-US" smtClean="0"/>
               <a:t>マスター テキストの書式設定</a:t>
             </a:r>
           </a:p>
@@ -2587,7 +5224,7 @@
       </p:sp>
       <p:sp>
         <p:nvSpPr>
-          <p:cNvPr id="5" name="日付プレースホルダー 4"/>
+          <p:cNvPr id="5" name="Date Placeholder 4"/>
           <p:cNvSpPr>
             <a:spLocks noGrp="1"/>
           </p:cNvSpPr>
@@ -2610,7 +5247,7 @@
       </p:sp>
       <p:sp>
         <p:nvSpPr>
-          <p:cNvPr id="6" name="フッター プレースホルダー 5"/>
+          <p:cNvPr id="6" name="Footer Placeholder 5"/>
           <p:cNvSpPr>
             <a:spLocks noGrp="1"/>
           </p:cNvSpPr>
@@ -2629,7 +5266,7 @@
       </p:sp>
       <p:sp>
         <p:nvSpPr>
-          <p:cNvPr id="7" name="スライド番号プレースホルダー 6"/>
+          <p:cNvPr id="7" name="Slide Number Placeholder 6"/>
           <p:cNvSpPr>
             <a:spLocks noGrp="1"/>
           </p:cNvSpPr>
@@ -2653,7 +5290,7 @@
     </p:spTree>
     <p:extLst>
       <p:ext uri="{BB962C8B-B14F-4D97-AF65-F5344CB8AC3E}">
-        <p14:creationId xmlns:p14="http://schemas.microsoft.com/office/powerpoint/2010/main" val="3076025403"/>
+        <p14:creationId xmlns:p14="http://schemas.microsoft.com/office/powerpoint/2010/main" val="959302497"/>
       </p:ext>
     </p:extLst>
   </p:cSld>
@@ -2667,7 +5304,7 @@
 <p:sldMaster xmlns:a="http://schemas.openxmlformats.org/drawingml/2006/main" xmlns:r="http://schemas.openxmlformats.org/officeDocument/2006/relationships" xmlns:p="http://schemas.openxmlformats.org/presentationml/2006/main">
   <p:cSld>
     <p:bg>
-      <p:bgRef idx="1001">
+      <p:bgRef idx="1003">
         <a:schemeClr val="bg1"/>
       </p:bgRef>
     </p:bg>
@@ -2685,9 +5322,146 @@
           <a:chExt cx="0" cy="0"/>
         </a:xfrm>
       </p:grpSpPr>
-      <p:sp>
-        <p:nvSpPr>
-          <p:cNvPr id="2" name="タイトル プレースホルダー 1"/>
+      <p:grpSp>
+        <p:nvGrpSpPr>
+          <p:cNvPr id="7" name="Group 6"/>
+          <p:cNvGrpSpPr/>
+          <p:nvPr/>
+        </p:nvGrpSpPr>
+        <p:grpSpPr>
+          <a:xfrm>
+            <a:off x="-15736" y="0"/>
+            <a:ext cx="12229962" cy="6856214"/>
+            <a:chOff x="-15736" y="0"/>
+            <a:chExt cx="12229962" cy="6856214"/>
+          </a:xfrm>
+        </p:grpSpPr>
+        <p:pic>
+          <p:nvPicPr>
+            <p:cNvPr id="8" name="Picture 7" descr="HD-PanelContent.png"/>
+            <p:cNvPicPr>
+              <a:picLocks noChangeAspect="1"/>
+            </p:cNvPicPr>
+            <p:nvPr/>
+          </p:nvPicPr>
+          <p:blipFill>
+            <a:blip r:embed="rId19">
+              <a:extLst>
+                <a:ext uri="{28A0092B-C50C-407E-A947-70E740481C1C}">
+                  <a14:useLocalDpi xmlns:a14="http://schemas.microsoft.com/office/drawing/2010/main" val="0"/>
+                </a:ext>
+              </a:extLst>
+            </a:blip>
+            <a:stretch>
+              <a:fillRect/>
+            </a:stretch>
+          </p:blipFill>
+          <p:spPr>
+            <a:xfrm>
+              <a:off x="0" y="0"/>
+              <a:ext cx="12188825" cy="6856214"/>
+            </a:xfrm>
+            <a:prstGeom prst="rect">
+              <a:avLst/>
+            </a:prstGeom>
+          </p:spPr>
+        </p:pic>
+        <p:sp>
+          <p:nvSpPr>
+            <p:cNvPr id="9" name="Rectangle 8"/>
+            <p:cNvSpPr/>
+            <p:nvPr/>
+          </p:nvSpPr>
+          <p:spPr>
+            <a:xfrm>
+              <a:off x="608012" y="609600"/>
+              <a:ext cx="10972800" cy="5638800"/>
+            </a:xfrm>
+            <a:prstGeom prst="rect">
+              <a:avLst/>
+            </a:prstGeom>
+            <a:noFill/>
+            <a:ln w="15875" cap="flat">
+              <a:miter lim="800000"/>
+            </a:ln>
+          </p:spPr>
+          <p:style>
+            <a:lnRef idx="1">
+              <a:schemeClr val="accent1"/>
+            </a:lnRef>
+            <a:fillRef idx="3">
+              <a:schemeClr val="accent1"/>
+            </a:fillRef>
+            <a:effectRef idx="2">
+              <a:schemeClr val="accent1"/>
+            </a:effectRef>
+            <a:fontRef idx="minor">
+              <a:schemeClr val="lt1"/>
+            </a:fontRef>
+          </p:style>
+        </p:sp>
+        <p:pic>
+          <p:nvPicPr>
+            <p:cNvPr id="10" name="Picture 9" descr="HDRibbonContent-UniformTrim.png"/>
+            <p:cNvPicPr>
+              <a:picLocks noChangeAspect="1"/>
+            </p:cNvPicPr>
+            <p:nvPr/>
+          </p:nvPicPr>
+          <p:blipFill rotWithShape="1">
+            <a:blip r:embed="rId20">
+              <a:extLst>
+                <a:ext uri="{28A0092B-C50C-407E-A947-70E740481C1C}">
+                  <a14:useLocalDpi xmlns:a14="http://schemas.microsoft.com/office/drawing/2010/main" val="0"/>
+                </a:ext>
+              </a:extLst>
+            </a:blip>
+            <a:srcRect/>
+            <a:stretch/>
+          </p:blipFill>
+          <p:spPr>
+            <a:xfrm>
+              <a:off x="-15736" y="3153832"/>
+              <a:ext cx="777240" cy="606425"/>
+            </a:xfrm>
+            <a:prstGeom prst="rect">
+              <a:avLst/>
+            </a:prstGeom>
+          </p:spPr>
+        </p:pic>
+        <p:pic>
+          <p:nvPicPr>
+            <p:cNvPr id="11" name="Picture 10" descr="HDRibbonContent-UniformTrim.png"/>
+            <p:cNvPicPr>
+              <a:picLocks noChangeAspect="1"/>
+            </p:cNvPicPr>
+            <p:nvPr/>
+          </p:nvPicPr>
+          <p:blipFill rotWithShape="1">
+            <a:blip r:embed="rId20">
+              <a:extLst>
+                <a:ext uri="{28A0092B-C50C-407E-A947-70E740481C1C}">
+                  <a14:useLocalDpi xmlns:a14="http://schemas.microsoft.com/office/drawing/2010/main" val="0"/>
+                </a:ext>
+              </a:extLst>
+            </a:blip>
+            <a:srcRect/>
+            <a:stretch/>
+          </p:blipFill>
+          <p:spPr>
+            <a:xfrm>
+              <a:off x="11436986" y="3153832"/>
+              <a:ext cx="777240" cy="606425"/>
+            </a:xfrm>
+            <a:prstGeom prst="rect">
+              <a:avLst/>
+            </a:prstGeom>
+          </p:spPr>
+        </p:pic>
+      </p:grpSp>
+      <p:sp>
+        <p:nvSpPr>
+          <p:cNvPr id="2" name="Title Placeholder 1"/>
           <p:cNvSpPr>
             <a:spLocks noGrp="1"/>
           </p:cNvSpPr>
@@ -2697,135 +5471,177 @@
         </p:nvSpPr>
         <p:spPr>
           <a:xfrm>
-            <a:off x="838200" y="365125"/>
-            <a:ext cx="10515600" cy="1325563"/>
+            <a:off x="1295402" y="982132"/>
+            <a:ext cx="9601196" cy="1303867"/>
+          </a:xfrm>
+          <a:prstGeom prst="rect">
+            <a:avLst/>
+          </a:prstGeom>
+          <a:effectLst/>
+        </p:spPr>
+        <p:txBody>
+          <a:bodyPr vert="horz" lIns="91440" tIns="45720" rIns="91440" bIns="45720" rtlCol="0" anchor="ctr">
+            <a:normAutofit/>
+          </a:bodyPr>
+          <a:lstStyle/>
+          <a:p>
+            <a:r>
+              <a:rPr lang="ja-JP" altLang="en-US" smtClean="0"/>
+              <a:t>マスター タイトルの書式設定</a:t>
+            </a:r>
+            <a:endParaRPr lang="en-US" dirty="0"/>
+          </a:p>
+        </p:txBody>
+      </p:sp>
+      <p:sp>
+        <p:nvSpPr>
+          <p:cNvPr id="3" name="Text Placeholder 2"/>
+          <p:cNvSpPr>
+            <a:spLocks noGrp="1"/>
+          </p:cNvSpPr>
+          <p:nvPr>
+            <p:ph type="body" idx="1"/>
+          </p:nvPr>
+        </p:nvSpPr>
+        <p:spPr>
+          <a:xfrm>
+            <a:off x="1295401" y="2556932"/>
+            <a:ext cx="9601196" cy="3318936"/>
           </a:xfrm>
           <a:prstGeom prst="rect">
             <a:avLst/>
           </a:prstGeom>
         </p:spPr>
         <p:txBody>
-          <a:bodyPr vert="horz" lIns="91440" tIns="45720" rIns="91440" bIns="45720" rtlCol="0" anchor="ctr">
+          <a:bodyPr vert="horz" lIns="91440" tIns="45720" rIns="91440" bIns="45720" rtlCol="0" anchor="t">
             <a:normAutofit/>
           </a:bodyPr>
           <a:lstStyle/>
           <a:p>
-            <a:r>
-              <a:rPr kumimoji="1" lang="ja-JP" altLang="en-US" smtClean="0"/>
-              <a:t>マスター タイトルの書式設定</a:t>
-            </a:r>
-            <a:endParaRPr kumimoji="1" lang="ja-JP" altLang="en-US"/>
-          </a:p>
-        </p:txBody>
-      </p:sp>
-      <p:sp>
-        <p:nvSpPr>
-          <p:cNvPr id="3" name="テキスト プレースホルダー 2"/>
-          <p:cNvSpPr>
-            <a:spLocks noGrp="1"/>
-          </p:cNvSpPr>
-          <p:nvPr>
-            <p:ph type="body" idx="1"/>
+            <a:pPr lvl="0"/>
+            <a:r>
+              <a:rPr lang="ja-JP" altLang="en-US" smtClean="0"/>
+              <a:t>マスター テキストの書式設定</a:t>
+            </a:r>
+          </a:p>
+          <a:p>
+            <a:pPr lvl="1"/>
+            <a:r>
+              <a:rPr lang="ja-JP" altLang="en-US" smtClean="0"/>
+              <a:t>第 </a:t>
+            </a:r>
+            <a:r>
+              <a:rPr lang="en-US" altLang="ja-JP" smtClean="0"/>
+              <a:t>2 </a:t>
+            </a:r>
+            <a:r>
+              <a:rPr lang="ja-JP" altLang="en-US" smtClean="0"/>
+              <a:t>レベル</a:t>
+            </a:r>
+          </a:p>
+          <a:p>
+            <a:pPr lvl="2"/>
+            <a:r>
+              <a:rPr lang="ja-JP" altLang="en-US" smtClean="0"/>
+              <a:t>第 </a:t>
+            </a:r>
+            <a:r>
+              <a:rPr lang="en-US" altLang="ja-JP" smtClean="0"/>
+              <a:t>3 </a:t>
+            </a:r>
+            <a:r>
+              <a:rPr lang="ja-JP" altLang="en-US" smtClean="0"/>
+              <a:t>レベル</a:t>
+            </a:r>
+          </a:p>
+          <a:p>
+            <a:pPr lvl="3"/>
+            <a:r>
+              <a:rPr lang="ja-JP" altLang="en-US" smtClean="0"/>
+              <a:t>第 </a:t>
+            </a:r>
+            <a:r>
+              <a:rPr lang="en-US" altLang="ja-JP" smtClean="0"/>
+              <a:t>4 </a:t>
+            </a:r>
+            <a:r>
+              <a:rPr lang="ja-JP" altLang="en-US" smtClean="0"/>
+              <a:t>レベル</a:t>
+            </a:r>
+          </a:p>
+          <a:p>
+            <a:pPr lvl="4"/>
+            <a:r>
+              <a:rPr lang="ja-JP" altLang="en-US" smtClean="0"/>
+              <a:t>第 </a:t>
+            </a:r>
+            <a:r>
+              <a:rPr lang="en-US" altLang="ja-JP" smtClean="0"/>
+              <a:t>5 </a:t>
+            </a:r>
+            <a:r>
+              <a:rPr lang="ja-JP" altLang="en-US" smtClean="0"/>
+              <a:t>レベル</a:t>
+            </a:r>
+            <a:endParaRPr lang="en-US" dirty="0"/>
+          </a:p>
+        </p:txBody>
+      </p:sp>
+      <p:sp>
+        <p:nvSpPr>
+          <p:cNvPr id="4" name="Date Placeholder 3"/>
+          <p:cNvSpPr>
+            <a:spLocks noGrp="1"/>
+          </p:cNvSpPr>
+          <p:nvPr>
+            <p:ph type="dt" sz="half" idx="2"/>
           </p:nvPr>
         </p:nvSpPr>
         <p:spPr>
           <a:xfrm>
-            <a:off x="838200" y="1825625"/>
-            <a:ext cx="10515600" cy="4351338"/>
+            <a:off x="8677501" y="5969000"/>
+            <a:ext cx="1600200" cy="279400"/>
           </a:xfrm>
           <a:prstGeom prst="rect">
             <a:avLst/>
           </a:prstGeom>
         </p:spPr>
         <p:txBody>
-          <a:bodyPr vert="horz" lIns="91440" tIns="45720" rIns="91440" bIns="45720" rtlCol="0">
-            <a:normAutofit/>
-          </a:bodyPr>
-          <a:lstStyle/>
-          <a:p>
-            <a:pPr lvl="0"/>
-            <a:r>
+          <a:bodyPr vert="horz" lIns="91440" tIns="45720" rIns="91440" bIns="45720" rtlCol="0" anchor="ctr"/>
+          <a:lstStyle>
+            <a:lvl1pPr algn="r">
+              <a:defRPr sz="1000" b="0" i="0">
+                <a:solidFill>
+                  <a:schemeClr val="tx1"/>
+                </a:solidFill>
+                <a:effectLst/>
+                <a:latin typeface="+mn-lt"/>
+              </a:defRPr>
+            </a:lvl1pPr>
+          </a:lstStyle>
+          <a:p>
+            <a:fld id="{715A4993-4668-4F9E-BB8C-4CD671B46C76}" type="datetimeFigureOut">
               <a:rPr kumimoji="1" lang="ja-JP" altLang="en-US" smtClean="0"/>
-              <a:t>マスター テキストの書式設定</a:t>
-            </a:r>
-          </a:p>
-          <a:p>
-            <a:pPr lvl="1"/>
-            <a:r>
-              <a:rPr kumimoji="1" lang="ja-JP" altLang="en-US" smtClean="0"/>
-              <a:t>第 </a:t>
-            </a:r>
-            <a:r>
-              <a:rPr kumimoji="1" lang="en-US" altLang="ja-JP" smtClean="0"/>
-              <a:t>2 </a:t>
-            </a:r>
-            <a:r>
-              <a:rPr kumimoji="1" lang="ja-JP" altLang="en-US" smtClean="0"/>
-              <a:t>レベル</a:t>
-            </a:r>
-          </a:p>
-          <a:p>
-            <a:pPr lvl="2"/>
-            <a:r>
-              <a:rPr kumimoji="1" lang="ja-JP" altLang="en-US" smtClean="0"/>
-              <a:t>第 </a:t>
-            </a:r>
-            <a:r>
-              <a:rPr kumimoji="1" lang="en-US" altLang="ja-JP" smtClean="0"/>
-              <a:t>3 </a:t>
-            </a:r>
-            <a:r>
-              <a:rPr kumimoji="1" lang="ja-JP" altLang="en-US" smtClean="0"/>
-              <a:t>レベル</a:t>
-            </a:r>
-          </a:p>
-          <a:p>
-            <a:pPr lvl="3"/>
-            <a:r>
-              <a:rPr kumimoji="1" lang="ja-JP" altLang="en-US" smtClean="0"/>
-              <a:t>第 </a:t>
-            </a:r>
-            <a:r>
-              <a:rPr kumimoji="1" lang="en-US" altLang="ja-JP" smtClean="0"/>
-              <a:t>4 </a:t>
-            </a:r>
-            <a:r>
-              <a:rPr kumimoji="1" lang="ja-JP" altLang="en-US" smtClean="0"/>
-              <a:t>レベル</a:t>
-            </a:r>
-          </a:p>
-          <a:p>
-            <a:pPr lvl="4"/>
-            <a:r>
-              <a:rPr kumimoji="1" lang="ja-JP" altLang="en-US" smtClean="0"/>
-              <a:t>第 </a:t>
-            </a:r>
-            <a:r>
-              <a:rPr kumimoji="1" lang="en-US" altLang="ja-JP" smtClean="0"/>
-              <a:t>5 </a:t>
-            </a:r>
-            <a:r>
-              <a:rPr kumimoji="1" lang="ja-JP" altLang="en-US" smtClean="0"/>
-              <a:t>レベル</a:t>
-            </a:r>
+              <a:t>2015/12/16</a:t>
+            </a:fld>
             <a:endParaRPr kumimoji="1" lang="ja-JP" altLang="en-US"/>
           </a:p>
         </p:txBody>
       </p:sp>
       <p:sp>
         <p:nvSpPr>
-          <p:cNvPr id="4" name="日付プレースホルダー 3"/>
-          <p:cNvSpPr>
-            <a:spLocks noGrp="1"/>
-          </p:cNvSpPr>
-          <p:nvPr>
-            <p:ph type="dt" sz="half" idx="2"/>
+          <p:cNvPr id="5" name="Footer Placeholder 4"/>
+          <p:cNvSpPr>
+            <a:spLocks noGrp="1"/>
+          </p:cNvSpPr>
+          <p:nvPr>
+            <p:ph type="ftr" sz="quarter" idx="3"/>
           </p:nvPr>
         </p:nvSpPr>
         <p:spPr>
           <a:xfrm>
-            <a:off x="838200" y="6356350"/>
-            <a:ext cx="2743200" cy="365125"/>
+            <a:off x="1295401" y="5969000"/>
+            <a:ext cx="7305900" cy="279400"/>
           </a:xfrm>
           <a:prstGeom prst="rect">
             <a:avLst/>
@@ -2835,38 +5651,34 @@
           <a:bodyPr vert="horz" lIns="91440" tIns="45720" rIns="91440" bIns="45720" rtlCol="0" anchor="ctr"/>
           <a:lstStyle>
             <a:lvl1pPr algn="l">
-              <a:defRPr sz="1200">
-                <a:solidFill>
-                  <a:schemeClr val="tx1">
-                    <a:tint val="75000"/>
-                  </a:schemeClr>
-                </a:solidFill>
+              <a:defRPr sz="1000" b="0" i="0">
+                <a:solidFill>
+                  <a:schemeClr val="tx1"/>
+                </a:solidFill>
+                <a:effectLst/>
+                <a:latin typeface="+mn-lt"/>
               </a:defRPr>
             </a:lvl1pPr>
           </a:lstStyle>
           <a:p>
-            <a:fld id="{715A4993-4668-4F9E-BB8C-4CD671B46C76}" type="datetimeFigureOut">
-              <a:rPr kumimoji="1" lang="ja-JP" altLang="en-US" smtClean="0"/>
-              <a:t>2015/12/16</a:t>
-            </a:fld>
             <a:endParaRPr kumimoji="1" lang="ja-JP" altLang="en-US"/>
           </a:p>
         </p:txBody>
       </p:sp>
       <p:sp>
         <p:nvSpPr>
-          <p:cNvPr id="5" name="フッター プレースホルダー 4"/>
-          <p:cNvSpPr>
-            <a:spLocks noGrp="1"/>
-          </p:cNvSpPr>
-          <p:nvPr>
-            <p:ph type="ftr" sz="quarter" idx="3"/>
+          <p:cNvPr id="6" name="Slide Number Placeholder 5"/>
+          <p:cNvSpPr>
+            <a:spLocks noGrp="1"/>
+          </p:cNvSpPr>
+          <p:nvPr>
+            <p:ph type="sldNum" sz="quarter" idx="4"/>
           </p:nvPr>
         </p:nvSpPr>
         <p:spPr>
           <a:xfrm>
-            <a:off x="4038600" y="6356350"/>
-            <a:ext cx="4114800" cy="365125"/>
+            <a:off x="10353901" y="5969000"/>
+            <a:ext cx="542697" cy="279400"/>
           </a:xfrm>
           <a:prstGeom prst="rect">
             <a:avLst/>
@@ -2875,50 +5687,13 @@
         <p:txBody>
           <a:bodyPr vert="horz" lIns="91440" tIns="45720" rIns="91440" bIns="45720" rtlCol="0" anchor="ctr"/>
           <a:lstStyle>
-            <a:lvl1pPr algn="ctr">
-              <a:defRPr sz="1200">
-                <a:solidFill>
-                  <a:schemeClr val="tx1">
-                    <a:tint val="75000"/>
-                  </a:schemeClr>
-                </a:solidFill>
-              </a:defRPr>
-            </a:lvl1pPr>
-          </a:lstStyle>
-          <a:p>
-            <a:endParaRPr kumimoji="1" lang="ja-JP" altLang="en-US"/>
-          </a:p>
-        </p:txBody>
-      </p:sp>
-      <p:sp>
-        <p:nvSpPr>
-          <p:cNvPr id="6" name="スライド番号プレースホルダー 5"/>
-          <p:cNvSpPr>
-            <a:spLocks noGrp="1"/>
-          </p:cNvSpPr>
-          <p:nvPr>
-            <p:ph type="sldNum" sz="quarter" idx="4"/>
-          </p:nvPr>
-        </p:nvSpPr>
-        <p:spPr>
-          <a:xfrm>
-            <a:off x="8610600" y="6356350"/>
-            <a:ext cx="2743200" cy="365125"/>
-          </a:xfrm>
-          <a:prstGeom prst="rect">
-            <a:avLst/>
-          </a:prstGeom>
-        </p:spPr>
-        <p:txBody>
-          <a:bodyPr vert="horz" lIns="91440" tIns="45720" rIns="91440" bIns="45720" rtlCol="0" anchor="ctr"/>
-          <a:lstStyle>
             <a:lvl1pPr algn="r">
-              <a:defRPr sz="1200">
-                <a:solidFill>
-                  <a:schemeClr val="tx1">
-                    <a:tint val="75000"/>
-                  </a:schemeClr>
-                </a:solidFill>
+              <a:defRPr sz="1000" b="0" i="0">
+                <a:solidFill>
+                  <a:schemeClr val="tx1"/>
+                </a:solidFill>
+                <a:effectLst/>
+                <a:latin typeface="+mn-lt"/>
               </a:defRPr>
             </a:lvl1pPr>
           </a:lstStyle>
@@ -2934,55 +5709,352 @@
     </p:spTree>
     <p:extLst>
       <p:ext uri="{BB962C8B-B14F-4D97-AF65-F5344CB8AC3E}">
-        <p14:creationId xmlns:p14="http://schemas.microsoft.com/office/powerpoint/2010/main" val="4116266366"/>
+        <p14:creationId xmlns:p14="http://schemas.microsoft.com/office/powerpoint/2010/main" val="4256435694"/>
       </p:ext>
     </p:extLst>
   </p:cSld>
   <p:clrMap bg1="lt1" tx1="dk1" bg2="lt2" tx2="dk2" accent1="accent1" accent2="accent2" accent3="accent3" accent4="accent4" accent5="accent5" accent6="accent6" hlink="hlink" folHlink="folHlink"/>
   <p:sldLayoutIdLst>
-    <p:sldLayoutId id="2147483649" r:id="rId1"/>
-    <p:sldLayoutId id="2147483650" r:id="rId2"/>
-    <p:sldLayoutId id="2147483651" r:id="rId3"/>
-    <p:sldLayoutId id="2147483652" r:id="rId4"/>
-    <p:sldLayoutId id="2147483653" r:id="rId5"/>
-    <p:sldLayoutId id="2147483654" r:id="rId6"/>
-    <p:sldLayoutId id="2147483655" r:id="rId7"/>
-    <p:sldLayoutId id="2147483656" r:id="rId8"/>
-    <p:sldLayoutId id="2147483657" r:id="rId9"/>
-    <p:sldLayoutId id="2147483658" r:id="rId10"/>
-    <p:sldLayoutId id="2147483659" r:id="rId11"/>
+    <p:sldLayoutId id="2147483696" r:id="rId1"/>
+    <p:sldLayoutId id="2147483697" r:id="rId2"/>
+    <p:sldLayoutId id="2147483698" r:id="rId3"/>
+    <p:sldLayoutId id="2147483699" r:id="rId4"/>
+    <p:sldLayoutId id="2147483700" r:id="rId5"/>
+    <p:sldLayoutId id="2147483701" r:id="rId6"/>
+    <p:sldLayoutId id="2147483702" r:id="rId7"/>
+    <p:sldLayoutId id="2147483703" r:id="rId8"/>
+    <p:sldLayoutId id="2147483704" r:id="rId9"/>
+    <p:sldLayoutId id="2147483705" r:id="rId10"/>
+    <p:sldLayoutId id="2147483706" r:id="rId11"/>
+    <p:sldLayoutId id="2147483707" r:id="rId12"/>
+    <p:sldLayoutId id="2147483708" r:id="rId13"/>
+    <p:sldLayoutId id="2147483709" r:id="rId14"/>
+    <p:sldLayoutId id="2147483710" r:id="rId15"/>
+    <p:sldLayoutId id="2147483711" r:id="rId16"/>
+    <p:sldLayoutId id="2147483712" r:id="rId17"/>
   </p:sldLayoutIdLst>
   <p:txStyles>
     <p:titleStyle>
-      <a:lvl1pPr algn="l" defTabSz="914400" rtl="0" eaLnBrk="1" latinLnBrk="0" hangingPunct="1">
-        <a:lnSpc>
-          <a:spcPct val="90000"/>
-        </a:lnSpc>
+      <a:lvl1pPr algn="ctr" defTabSz="457200" rtl="0" eaLnBrk="1" latinLnBrk="0" hangingPunct="1">
         <a:spcBef>
           <a:spcPct val="0"/>
         </a:spcBef>
         <a:buNone/>
-        <a:defRPr kumimoji="1" sz="4400" kern="1200">
+        <a:defRPr kumimoji="1" sz="4400" kern="1200" cap="none">
+          <a:ln w="3175" cmpd="sng">
+            <a:noFill/>
+          </a:ln>
           <a:solidFill>
-            <a:schemeClr val="tx1"/>
+            <a:schemeClr val="tx1">
+              <a:lumMod val="85000"/>
+              <a:lumOff val="15000"/>
+            </a:schemeClr>
           </a:solidFill>
+          <a:effectLst/>
           <a:latin typeface="+mj-lt"/>
           <a:ea typeface="+mj-ea"/>
           <a:cs typeface="+mj-cs"/>
         </a:defRPr>
       </a:lvl1pPr>
+      <a:lvl2pPr eaLnBrk="1" hangingPunct="1">
+        <a:defRPr kumimoji="1">
+          <a:solidFill>
+            <a:schemeClr val="tx2"/>
+          </a:solidFill>
+        </a:defRPr>
+      </a:lvl2pPr>
+      <a:lvl3pPr eaLnBrk="1" hangingPunct="1">
+        <a:defRPr kumimoji="1">
+          <a:solidFill>
+            <a:schemeClr val="tx2"/>
+          </a:solidFill>
+        </a:defRPr>
+      </a:lvl3pPr>
+      <a:lvl4pPr eaLnBrk="1" hangingPunct="1">
+        <a:defRPr kumimoji="1">
+          <a:solidFill>
+            <a:schemeClr val="tx2"/>
+          </a:solidFill>
+        </a:defRPr>
+      </a:lvl4pPr>
+      <a:lvl5pPr eaLnBrk="1" hangingPunct="1">
+        <a:defRPr kumimoji="1">
+          <a:solidFill>
+            <a:schemeClr val="tx2"/>
+          </a:solidFill>
+        </a:defRPr>
+      </a:lvl5pPr>
+      <a:lvl6pPr eaLnBrk="1" hangingPunct="1">
+        <a:defRPr kumimoji="1">
+          <a:solidFill>
+            <a:schemeClr val="tx2"/>
+          </a:solidFill>
+        </a:defRPr>
+      </a:lvl6pPr>
+      <a:lvl7pPr eaLnBrk="1" hangingPunct="1">
+        <a:defRPr kumimoji="1">
+          <a:solidFill>
+            <a:schemeClr val="tx2"/>
+          </a:solidFill>
+        </a:defRPr>
+      </a:lvl7pPr>
+      <a:lvl8pPr eaLnBrk="1" hangingPunct="1">
+        <a:defRPr kumimoji="1">
+          <a:solidFill>
+            <a:schemeClr val="tx2"/>
+          </a:solidFill>
+        </a:defRPr>
+      </a:lvl8pPr>
+      <a:lvl9pPr eaLnBrk="1" hangingPunct="1">
+        <a:defRPr kumimoji="1">
+          <a:solidFill>
+            <a:schemeClr val="tx2"/>
+          </a:solidFill>
+        </a:defRPr>
+      </a:lvl9pPr>
     </p:titleStyle>
     <p:bodyStyle>
-      <a:lvl1pPr marL="228600" indent="-228600" algn="l" defTabSz="914400" rtl="0" eaLnBrk="1" latinLnBrk="0" hangingPunct="1">
-        <a:lnSpc>
-          <a:spcPct val="90000"/>
-        </a:lnSpc>
+      <a:lvl1pPr marL="285750" indent="-285750" algn="l" defTabSz="457200" rtl="0" eaLnBrk="1" latinLnBrk="0" hangingPunct="1">
         <a:spcBef>
-          <a:spcPts val="1000"/>
+          <a:spcPct val="20000"/>
         </a:spcBef>
-        <a:buFont typeface="Arial" panose="020B0604020202020204" pitchFamily="34" charset="0"/>
+        <a:spcAft>
+          <a:spcPts val="600"/>
+        </a:spcAft>
+        <a:buClr>
+          <a:schemeClr val="accent1"/>
+        </a:buClr>
+        <a:buSzPct val="115000"/>
+        <a:buFont typeface="Arial"/>
         <a:buChar char="•"/>
-        <a:defRPr kumimoji="1" sz="2800" kern="1200">
+        <a:defRPr kumimoji="1" sz="2400" kern="1200" cap="none">
+          <a:solidFill>
+            <a:schemeClr val="tx1">
+              <a:lumMod val="85000"/>
+              <a:lumOff val="15000"/>
+            </a:schemeClr>
+          </a:solidFill>
+          <a:effectLst/>
+          <a:latin typeface="+mn-lt"/>
+          <a:ea typeface="+mn-ea"/>
+          <a:cs typeface="+mn-cs"/>
+        </a:defRPr>
+      </a:lvl1pPr>
+      <a:lvl2pPr marL="742950" indent="-285750" algn="l" defTabSz="457200" rtl="0" eaLnBrk="1" latinLnBrk="0" hangingPunct="1">
+        <a:spcBef>
+          <a:spcPct val="20000"/>
+        </a:spcBef>
+        <a:spcAft>
+          <a:spcPts val="600"/>
+        </a:spcAft>
+        <a:buClr>
+          <a:schemeClr val="accent1"/>
+        </a:buClr>
+        <a:buSzPct val="115000"/>
+        <a:buFont typeface="Arial"/>
+        <a:buChar char="•"/>
+        <a:defRPr kumimoji="1" sz="2000" kern="1200" cap="none">
+          <a:solidFill>
+            <a:schemeClr val="tx1">
+              <a:lumMod val="85000"/>
+              <a:lumOff val="15000"/>
+            </a:schemeClr>
+          </a:solidFill>
+          <a:effectLst/>
+          <a:latin typeface="+mn-lt"/>
+          <a:ea typeface="+mn-ea"/>
+          <a:cs typeface="+mn-cs"/>
+        </a:defRPr>
+      </a:lvl2pPr>
+      <a:lvl3pPr marL="1200150" indent="-285750" algn="l" defTabSz="457200" rtl="0" eaLnBrk="1" latinLnBrk="0" hangingPunct="1">
+        <a:spcBef>
+          <a:spcPct val="20000"/>
+        </a:spcBef>
+        <a:spcAft>
+          <a:spcPts val="600"/>
+        </a:spcAft>
+        <a:buClr>
+          <a:schemeClr val="accent1"/>
+        </a:buClr>
+        <a:buSzPct val="115000"/>
+        <a:buFont typeface="Arial"/>
+        <a:buChar char="•"/>
+        <a:defRPr kumimoji="1" sz="1800" kern="1200" cap="none">
+          <a:solidFill>
+            <a:schemeClr val="tx1">
+              <a:lumMod val="85000"/>
+              <a:lumOff val="15000"/>
+            </a:schemeClr>
+          </a:solidFill>
+          <a:effectLst/>
+          <a:latin typeface="+mn-lt"/>
+          <a:ea typeface="+mn-ea"/>
+          <a:cs typeface="+mn-cs"/>
+        </a:defRPr>
+      </a:lvl3pPr>
+      <a:lvl4pPr marL="1543050" indent="-171450" algn="l" defTabSz="457200" rtl="0" eaLnBrk="1" latinLnBrk="0" hangingPunct="1">
+        <a:spcBef>
+          <a:spcPct val="20000"/>
+        </a:spcBef>
+        <a:spcAft>
+          <a:spcPts val="600"/>
+        </a:spcAft>
+        <a:buClr>
+          <a:schemeClr val="accent1"/>
+        </a:buClr>
+        <a:buSzPct val="115000"/>
+        <a:buFont typeface="Arial"/>
+        <a:buChar char="•"/>
+        <a:defRPr kumimoji="1" sz="1600" kern="1200" cap="none">
+          <a:solidFill>
+            <a:schemeClr val="tx1">
+              <a:lumMod val="85000"/>
+              <a:lumOff val="15000"/>
+            </a:schemeClr>
+          </a:solidFill>
+          <a:effectLst/>
+          <a:latin typeface="+mn-lt"/>
+          <a:ea typeface="+mn-ea"/>
+          <a:cs typeface="+mn-cs"/>
+        </a:defRPr>
+      </a:lvl4pPr>
+      <a:lvl5pPr marL="2000250" indent="-171450" algn="l" defTabSz="457200" rtl="0" eaLnBrk="1" latinLnBrk="0" hangingPunct="1">
+        <a:spcBef>
+          <a:spcPct val="20000"/>
+        </a:spcBef>
+        <a:spcAft>
+          <a:spcPts val="600"/>
+        </a:spcAft>
+        <a:buClr>
+          <a:schemeClr val="accent1"/>
+        </a:buClr>
+        <a:buSzPct val="115000"/>
+        <a:buFont typeface="Arial"/>
+        <a:buChar char="•"/>
+        <a:defRPr kumimoji="1" sz="1400" kern="1200" cap="none">
+          <a:solidFill>
+            <a:schemeClr val="tx1">
+              <a:lumMod val="85000"/>
+              <a:lumOff val="15000"/>
+            </a:schemeClr>
+          </a:solidFill>
+          <a:effectLst/>
+          <a:latin typeface="+mn-lt"/>
+          <a:ea typeface="+mn-ea"/>
+          <a:cs typeface="+mn-cs"/>
+        </a:defRPr>
+      </a:lvl5pPr>
+      <a:lvl6pPr marL="2514600" indent="-228600" algn="l" defTabSz="457200" rtl="0" eaLnBrk="1" latinLnBrk="0" hangingPunct="1">
+        <a:spcBef>
+          <a:spcPct val="20000"/>
+        </a:spcBef>
+        <a:spcAft>
+          <a:spcPts val="600"/>
+        </a:spcAft>
+        <a:buClr>
+          <a:schemeClr val="accent1"/>
+        </a:buClr>
+        <a:buSzPct val="115000"/>
+        <a:buFont typeface="Arial"/>
+        <a:buChar char="•"/>
+        <a:defRPr kumimoji="1" sz="1400" kern="1200" cap="none">
+          <a:solidFill>
+            <a:schemeClr val="tx1">
+              <a:lumMod val="85000"/>
+              <a:lumOff val="15000"/>
+            </a:schemeClr>
+          </a:solidFill>
+          <a:effectLst/>
+          <a:latin typeface="+mn-lt"/>
+          <a:ea typeface="+mn-ea"/>
+          <a:cs typeface="+mn-cs"/>
+        </a:defRPr>
+      </a:lvl6pPr>
+      <a:lvl7pPr marL="2971800" indent="-228600" algn="l" defTabSz="457200" rtl="0" eaLnBrk="1" latinLnBrk="0" hangingPunct="1">
+        <a:spcBef>
+          <a:spcPct val="20000"/>
+        </a:spcBef>
+        <a:spcAft>
+          <a:spcPts val="600"/>
+        </a:spcAft>
+        <a:buClr>
+          <a:schemeClr val="accent1"/>
+        </a:buClr>
+        <a:buSzPct val="115000"/>
+        <a:buFont typeface="Arial"/>
+        <a:buChar char="•"/>
+        <a:defRPr kumimoji="1" sz="1400" kern="1200" cap="none">
+          <a:solidFill>
+            <a:schemeClr val="tx1">
+              <a:lumMod val="85000"/>
+              <a:lumOff val="15000"/>
+            </a:schemeClr>
+          </a:solidFill>
+          <a:effectLst/>
+          <a:latin typeface="+mn-lt"/>
+          <a:ea typeface="+mn-ea"/>
+          <a:cs typeface="+mn-cs"/>
+        </a:defRPr>
+      </a:lvl7pPr>
+      <a:lvl8pPr marL="3429000" indent="-228600" algn="l" defTabSz="457200" rtl="0" eaLnBrk="1" latinLnBrk="0" hangingPunct="1">
+        <a:spcBef>
+          <a:spcPct val="20000"/>
+        </a:spcBef>
+        <a:spcAft>
+          <a:spcPts val="600"/>
+        </a:spcAft>
+        <a:buClr>
+          <a:schemeClr val="accent1"/>
+        </a:buClr>
+        <a:buSzPct val="115000"/>
+        <a:buFont typeface="Arial"/>
+        <a:buChar char="•"/>
+        <a:defRPr kumimoji="1" sz="1400" kern="1200" cap="none">
+          <a:solidFill>
+            <a:schemeClr val="tx1">
+              <a:lumMod val="85000"/>
+              <a:lumOff val="15000"/>
+            </a:schemeClr>
+          </a:solidFill>
+          <a:effectLst/>
+          <a:latin typeface="+mn-lt"/>
+          <a:ea typeface="+mn-ea"/>
+          <a:cs typeface="+mn-cs"/>
+        </a:defRPr>
+      </a:lvl8pPr>
+      <a:lvl9pPr marL="3886200" indent="-228600" algn="l" defTabSz="457200" rtl="0" eaLnBrk="1" latinLnBrk="0" hangingPunct="1">
+        <a:spcBef>
+          <a:spcPct val="20000"/>
+        </a:spcBef>
+        <a:spcAft>
+          <a:spcPts val="600"/>
+        </a:spcAft>
+        <a:buClr>
+          <a:schemeClr val="accent1"/>
+        </a:buClr>
+        <a:buSzPct val="115000"/>
+        <a:buFont typeface="Arial"/>
+        <a:buChar char="•"/>
+        <a:defRPr kumimoji="1" sz="1400" kern="1200" cap="none">
+          <a:solidFill>
+            <a:schemeClr val="tx1">
+              <a:lumMod val="85000"/>
+              <a:lumOff val="15000"/>
+            </a:schemeClr>
+          </a:solidFill>
+          <a:effectLst/>
+          <a:latin typeface="+mn-lt"/>
+          <a:ea typeface="+mn-ea"/>
+          <a:cs typeface="+mn-cs"/>
+        </a:defRPr>
+      </a:lvl9pPr>
+    </p:bodyStyle>
+    <p:otherStyle>
+      <a:defPPr>
+        <a:defRPr lang="en-US"/>
+      </a:defPPr>
+      <a:lvl1pPr marL="0" algn="l" defTabSz="457200" rtl="0" eaLnBrk="1" latinLnBrk="0" hangingPunct="1">
+        <a:defRPr kumimoji="1" sz="1800" kern="1200">
           <a:solidFill>
             <a:schemeClr val="tx1"/>
           </a:solidFill>
@@ -2991,16 +6063,8 @@
           <a:cs typeface="+mn-cs"/>
         </a:defRPr>
       </a:lvl1pPr>
-      <a:lvl2pPr marL="685800" indent="-228600" algn="l" defTabSz="914400" rtl="0" eaLnBrk="1" latinLnBrk="0" hangingPunct="1">
-        <a:lnSpc>
-          <a:spcPct val="90000"/>
-        </a:lnSpc>
-        <a:spcBef>
-          <a:spcPts val="500"/>
-        </a:spcBef>
-        <a:buFont typeface="Arial" panose="020B0604020202020204" pitchFamily="34" charset="0"/>
-        <a:buChar char="•"/>
-        <a:defRPr kumimoji="1" sz="2400" kern="1200">
+      <a:lvl2pPr marL="457200" algn="l" defTabSz="457200" rtl="0" eaLnBrk="1" latinLnBrk="0" hangingPunct="1">
+        <a:defRPr kumimoji="1" sz="1800" kern="1200">
           <a:solidFill>
             <a:schemeClr val="tx1"/>
           </a:solidFill>
@@ -3009,16 +6073,8 @@
           <a:cs typeface="+mn-cs"/>
         </a:defRPr>
       </a:lvl2pPr>
-      <a:lvl3pPr marL="1143000" indent="-228600" algn="l" defTabSz="914400" rtl="0" eaLnBrk="1" latinLnBrk="0" hangingPunct="1">
-        <a:lnSpc>
-          <a:spcPct val="90000"/>
-        </a:lnSpc>
-        <a:spcBef>
-          <a:spcPts val="500"/>
-        </a:spcBef>
-        <a:buFont typeface="Arial" panose="020B0604020202020204" pitchFamily="34" charset="0"/>
-        <a:buChar char="•"/>
-        <a:defRPr kumimoji="1" sz="2000" kern="1200">
+      <a:lvl3pPr marL="914400" algn="l" defTabSz="457200" rtl="0" eaLnBrk="1" latinLnBrk="0" hangingPunct="1">
+        <a:defRPr kumimoji="1" sz="1800" kern="1200">
           <a:solidFill>
             <a:schemeClr val="tx1"/>
           </a:solidFill>
@@ -3027,15 +6083,7 @@
           <a:cs typeface="+mn-cs"/>
         </a:defRPr>
       </a:lvl3pPr>
-      <a:lvl4pPr marL="1600200" indent="-228600" algn="l" defTabSz="914400" rtl="0" eaLnBrk="1" latinLnBrk="0" hangingPunct="1">
-        <a:lnSpc>
-          <a:spcPct val="90000"/>
-        </a:lnSpc>
-        <a:spcBef>
-          <a:spcPts val="500"/>
-        </a:spcBef>
-        <a:buFont typeface="Arial" panose="020B0604020202020204" pitchFamily="34" charset="0"/>
-        <a:buChar char="•"/>
+      <a:lvl4pPr marL="1371600" algn="l" defTabSz="457200" rtl="0" eaLnBrk="1" latinLnBrk="0" hangingPunct="1">
         <a:defRPr kumimoji="1" sz="1800" kern="1200">
           <a:solidFill>
             <a:schemeClr val="tx1"/>
@@ -3045,15 +6093,7 @@
           <a:cs typeface="+mn-cs"/>
         </a:defRPr>
       </a:lvl4pPr>
-      <a:lvl5pPr marL="2057400" indent="-228600" algn="l" defTabSz="914400" rtl="0" eaLnBrk="1" latinLnBrk="0" hangingPunct="1">
-        <a:lnSpc>
-          <a:spcPct val="90000"/>
-        </a:lnSpc>
-        <a:spcBef>
-          <a:spcPts val="500"/>
-        </a:spcBef>
-        <a:buFont typeface="Arial" panose="020B0604020202020204" pitchFamily="34" charset="0"/>
-        <a:buChar char="•"/>
+      <a:lvl5pPr marL="1828800" algn="l" defTabSz="457200" rtl="0" eaLnBrk="1" latinLnBrk="0" hangingPunct="1">
         <a:defRPr kumimoji="1" sz="1800" kern="1200">
           <a:solidFill>
             <a:schemeClr val="tx1"/>
@@ -3063,15 +6103,7 @@
           <a:cs typeface="+mn-cs"/>
         </a:defRPr>
       </a:lvl5pPr>
-      <a:lvl6pPr marL="2514600" indent="-228600" algn="l" defTabSz="914400" rtl="0" eaLnBrk="1" latinLnBrk="0" hangingPunct="1">
-        <a:lnSpc>
-          <a:spcPct val="90000"/>
-        </a:lnSpc>
-        <a:spcBef>
-          <a:spcPts val="500"/>
-        </a:spcBef>
-        <a:buFont typeface="Arial" panose="020B0604020202020204" pitchFamily="34" charset="0"/>
-        <a:buChar char="•"/>
+      <a:lvl6pPr marL="2286000" algn="l" defTabSz="457200" rtl="0" eaLnBrk="1" latinLnBrk="0" hangingPunct="1">
         <a:defRPr kumimoji="1" sz="1800" kern="1200">
           <a:solidFill>
             <a:schemeClr val="tx1"/>
@@ -3081,15 +6113,7 @@
           <a:cs typeface="+mn-cs"/>
         </a:defRPr>
       </a:lvl6pPr>
-      <a:lvl7pPr marL="2971800" indent="-228600" algn="l" defTabSz="914400" rtl="0" eaLnBrk="1" latinLnBrk="0" hangingPunct="1">
-        <a:lnSpc>
-          <a:spcPct val="90000"/>
-        </a:lnSpc>
-        <a:spcBef>
-          <a:spcPts val="500"/>
-        </a:spcBef>
-        <a:buFont typeface="Arial" panose="020B0604020202020204" pitchFamily="34" charset="0"/>
-        <a:buChar char="•"/>
+      <a:lvl7pPr marL="2743200" algn="l" defTabSz="457200" rtl="0" eaLnBrk="1" latinLnBrk="0" hangingPunct="1">
         <a:defRPr kumimoji="1" sz="1800" kern="1200">
           <a:solidFill>
             <a:schemeClr val="tx1"/>
@@ -3099,15 +6123,7 @@
           <a:cs typeface="+mn-cs"/>
         </a:defRPr>
       </a:lvl7pPr>
-      <a:lvl8pPr marL="3429000" indent="-228600" algn="l" defTabSz="914400" rtl="0" eaLnBrk="1" latinLnBrk="0" hangingPunct="1">
-        <a:lnSpc>
-          <a:spcPct val="90000"/>
-        </a:lnSpc>
-        <a:spcBef>
-          <a:spcPts val="500"/>
-        </a:spcBef>
-        <a:buFont typeface="Arial" panose="020B0604020202020204" pitchFamily="34" charset="0"/>
-        <a:buChar char="•"/>
+      <a:lvl8pPr marL="3200400" algn="l" defTabSz="457200" rtl="0" eaLnBrk="1" latinLnBrk="0" hangingPunct="1">
         <a:defRPr kumimoji="1" sz="1800" kern="1200">
           <a:solidFill>
             <a:schemeClr val="tx1"/>
@@ -3117,110 +6133,7 @@
           <a:cs typeface="+mn-cs"/>
         </a:defRPr>
       </a:lvl8pPr>
-      <a:lvl9pPr marL="3886200" indent="-228600" algn="l" defTabSz="914400" rtl="0" eaLnBrk="1" latinLnBrk="0" hangingPunct="1">
-        <a:lnSpc>
-          <a:spcPct val="90000"/>
-        </a:lnSpc>
-        <a:spcBef>
-          <a:spcPts val="500"/>
-        </a:spcBef>
-        <a:buFont typeface="Arial" panose="020B0604020202020204" pitchFamily="34" charset="0"/>
-        <a:buChar char="•"/>
-        <a:defRPr kumimoji="1" sz="1800" kern="1200">
-          <a:solidFill>
-            <a:schemeClr val="tx1"/>
-          </a:solidFill>
-          <a:latin typeface="+mn-lt"/>
-          <a:ea typeface="+mn-ea"/>
-          <a:cs typeface="+mn-cs"/>
-        </a:defRPr>
-      </a:lvl9pPr>
-    </p:bodyStyle>
-    <p:otherStyle>
-      <a:defPPr>
-        <a:defRPr lang="ja-JP"/>
-      </a:defPPr>
-      <a:lvl1pPr marL="0" algn="l" defTabSz="914400" rtl="0" eaLnBrk="1" latinLnBrk="0" hangingPunct="1">
-        <a:defRPr kumimoji="1" sz="1800" kern="1200">
-          <a:solidFill>
-            <a:schemeClr val="tx1"/>
-          </a:solidFill>
-          <a:latin typeface="+mn-lt"/>
-          <a:ea typeface="+mn-ea"/>
-          <a:cs typeface="+mn-cs"/>
-        </a:defRPr>
-      </a:lvl1pPr>
-      <a:lvl2pPr marL="457200" algn="l" defTabSz="914400" rtl="0" eaLnBrk="1" latinLnBrk="0" hangingPunct="1">
-        <a:defRPr kumimoji="1" sz="1800" kern="1200">
-          <a:solidFill>
-            <a:schemeClr val="tx1"/>
-          </a:solidFill>
-          <a:latin typeface="+mn-lt"/>
-          <a:ea typeface="+mn-ea"/>
-          <a:cs typeface="+mn-cs"/>
-        </a:defRPr>
-      </a:lvl2pPr>
-      <a:lvl3pPr marL="914400" algn="l" defTabSz="914400" rtl="0" eaLnBrk="1" latinLnBrk="0" hangingPunct="1">
-        <a:defRPr kumimoji="1" sz="1800" kern="1200">
-          <a:solidFill>
-            <a:schemeClr val="tx1"/>
-          </a:solidFill>
-          <a:latin typeface="+mn-lt"/>
-          <a:ea typeface="+mn-ea"/>
-          <a:cs typeface="+mn-cs"/>
-        </a:defRPr>
-      </a:lvl3pPr>
-      <a:lvl4pPr marL="1371600" algn="l" defTabSz="914400" rtl="0" eaLnBrk="1" latinLnBrk="0" hangingPunct="1">
-        <a:defRPr kumimoji="1" sz="1800" kern="1200">
-          <a:solidFill>
-            <a:schemeClr val="tx1"/>
-          </a:solidFill>
-          <a:latin typeface="+mn-lt"/>
-          <a:ea typeface="+mn-ea"/>
-          <a:cs typeface="+mn-cs"/>
-        </a:defRPr>
-      </a:lvl4pPr>
-      <a:lvl5pPr marL="1828800" algn="l" defTabSz="914400" rtl="0" eaLnBrk="1" latinLnBrk="0" hangingPunct="1">
-        <a:defRPr kumimoji="1" sz="1800" kern="1200">
-          <a:solidFill>
-            <a:schemeClr val="tx1"/>
-          </a:solidFill>
-          <a:latin typeface="+mn-lt"/>
-          <a:ea typeface="+mn-ea"/>
-          <a:cs typeface="+mn-cs"/>
-        </a:defRPr>
-      </a:lvl5pPr>
-      <a:lvl6pPr marL="2286000" algn="l" defTabSz="914400" rtl="0" eaLnBrk="1" latinLnBrk="0" hangingPunct="1">
-        <a:defRPr kumimoji="1" sz="1800" kern="1200">
-          <a:solidFill>
-            <a:schemeClr val="tx1"/>
-          </a:solidFill>
-          <a:latin typeface="+mn-lt"/>
-          <a:ea typeface="+mn-ea"/>
-          <a:cs typeface="+mn-cs"/>
-        </a:defRPr>
-      </a:lvl6pPr>
-      <a:lvl7pPr marL="2743200" algn="l" defTabSz="914400" rtl="0" eaLnBrk="1" latinLnBrk="0" hangingPunct="1">
-        <a:defRPr kumimoji="1" sz="1800" kern="1200">
-          <a:solidFill>
-            <a:schemeClr val="tx1"/>
-          </a:solidFill>
-          <a:latin typeface="+mn-lt"/>
-          <a:ea typeface="+mn-ea"/>
-          <a:cs typeface="+mn-cs"/>
-        </a:defRPr>
-      </a:lvl7pPr>
-      <a:lvl8pPr marL="3200400" algn="l" defTabSz="914400" rtl="0" eaLnBrk="1" latinLnBrk="0" hangingPunct="1">
-        <a:defRPr kumimoji="1" sz="1800" kern="1200">
-          <a:solidFill>
-            <a:schemeClr val="tx1"/>
-          </a:solidFill>
-          <a:latin typeface="+mn-lt"/>
-          <a:ea typeface="+mn-ea"/>
-          <a:cs typeface="+mn-cs"/>
-        </a:defRPr>
-      </a:lvl8pPr>
-      <a:lvl9pPr marL="3657600" algn="l" defTabSz="914400" rtl="0" eaLnBrk="1" latinLnBrk="0" hangingPunct="1">
+      <a:lvl9pPr marL="3657600" algn="l" defTabSz="457200" rtl="0" eaLnBrk="1" latinLnBrk="0" hangingPunct="1">
         <a:defRPr kumimoji="1" sz="1800" kern="1200">
           <a:solidFill>
             <a:schemeClr val="tx1"/>
@@ -3262,7 +6175,12 @@
             <p:ph type="ctrTitle"/>
           </p:nvPr>
         </p:nvSpPr>
-        <p:spPr/>
+        <p:spPr>
+          <a:xfrm>
+            <a:off x="1523999" y="952961"/>
+            <a:ext cx="9144000" cy="2387600"/>
+          </a:xfrm>
+        </p:spPr>
         <p:txBody>
           <a:bodyPr/>
           <a:lstStyle/>
@@ -3296,12 +6214,130 @@
             <p:ph type="subTitle" idx="1"/>
           </p:nvPr>
         </p:nvSpPr>
-        <p:spPr/>
-        <p:txBody>
-          <a:bodyPr/>
-          <a:lstStyle/>
-          <a:p>
-            <a:endParaRPr kumimoji="1" lang="ja-JP" altLang="en-US"/>
+        <p:spPr>
+          <a:xfrm>
+            <a:off x="2707727" y="3602038"/>
+            <a:ext cx="6776545" cy="1923776"/>
+          </a:xfrm>
+        </p:spPr>
+        <p:txBody>
+          <a:bodyPr numCol="2">
+            <a:normAutofit/>
+          </a:bodyPr>
+          <a:lstStyle/>
+          <a:p>
+            <a:pPr algn="l"/>
+            <a:r>
+              <a:rPr lang="en-US" altLang="ja-JP" dirty="0" smtClean="0"/>
+              <a:t>21511007</a:t>
+            </a:r>
+            <a:r>
+              <a:rPr lang="ja-JP" altLang="en-US" dirty="0"/>
+              <a:t>　荒井　綺</a:t>
+            </a:r>
+            <a:r>
+              <a:rPr lang="ja-JP" altLang="en-US" dirty="0" smtClean="0"/>
+              <a:t>花</a:t>
+            </a:r>
+            <a:endParaRPr lang="en-US" altLang="ja-JP" dirty="0" smtClean="0"/>
+          </a:p>
+          <a:p>
+            <a:pPr algn="l"/>
+            <a:r>
+              <a:rPr lang="en-US" altLang="ja-JP" dirty="0" smtClean="0"/>
+              <a:t>21511021</a:t>
+            </a:r>
+            <a:r>
+              <a:rPr lang="ja-JP" altLang="en-US" dirty="0"/>
+              <a:t>　磯野　萌々</a:t>
+            </a:r>
+            <a:r>
+              <a:rPr lang="ja-JP" altLang="en-US" dirty="0" smtClean="0"/>
+              <a:t>香</a:t>
+            </a:r>
+            <a:endParaRPr lang="en-US" altLang="ja-JP" dirty="0" smtClean="0"/>
+          </a:p>
+          <a:p>
+            <a:pPr algn="l"/>
+            <a:r>
+              <a:rPr lang="en-US" altLang="ja-JP" dirty="0" smtClean="0"/>
+              <a:t>21511060</a:t>
+            </a:r>
+            <a:r>
+              <a:rPr lang="ja-JP" altLang="en-US" dirty="0"/>
+              <a:t>　大水　</a:t>
+            </a:r>
+            <a:r>
+              <a:rPr lang="ja-JP" altLang="en-US" dirty="0" smtClean="0"/>
+              <a:t>香</a:t>
+            </a:r>
+            <a:endParaRPr lang="en-US" altLang="ja-JP" dirty="0" smtClean="0"/>
+          </a:p>
+          <a:p>
+            <a:pPr algn="l"/>
+            <a:r>
+              <a:rPr lang="en-US" altLang="ja-JP" dirty="0" smtClean="0"/>
+              <a:t>21511066</a:t>
+            </a:r>
+            <a:r>
+              <a:rPr lang="ja-JP" altLang="en-US" dirty="0"/>
+              <a:t>　奥原　</a:t>
+            </a:r>
+            <a:r>
+              <a:rPr lang="ja-JP" altLang="en-US" dirty="0" err="1"/>
+              <a:t>れ</a:t>
+            </a:r>
+            <a:r>
+              <a:rPr lang="ja-JP" altLang="en-US" dirty="0" smtClean="0"/>
+              <a:t>いな</a:t>
+            </a:r>
+            <a:endParaRPr lang="en-US" altLang="ja-JP" dirty="0" smtClean="0"/>
+          </a:p>
+          <a:p>
+            <a:pPr algn="l"/>
+            <a:r>
+              <a:rPr lang="en-US" altLang="ja-JP" dirty="0" smtClean="0"/>
+              <a:t>21511179</a:t>
+            </a:r>
+            <a:r>
+              <a:rPr lang="ja-JP" altLang="en-US" dirty="0"/>
+              <a:t>　副島　</a:t>
+            </a:r>
+            <a:r>
+              <a:rPr lang="ja-JP" altLang="en-US" dirty="0" smtClean="0"/>
+              <a:t>幸奈</a:t>
+            </a:r>
+            <a:r>
+              <a:rPr lang="ja-JP" altLang="en-US" dirty="0"/>
+              <a:t>　</a:t>
+            </a:r>
+            <a:endParaRPr lang="en-US" altLang="ja-JP" dirty="0" smtClean="0"/>
+          </a:p>
+          <a:p>
+            <a:pPr algn="l"/>
+            <a:r>
+              <a:rPr lang="en-US" altLang="ja-JP" dirty="0" smtClean="0"/>
+              <a:t>21511277</a:t>
+            </a:r>
+            <a:r>
+              <a:rPr lang="ja-JP" altLang="en-US" dirty="0"/>
+              <a:t>　古橋　明日香 </a:t>
+            </a:r>
+          </a:p>
+          <a:p>
+            <a:pPr algn="l"/>
+            <a:r>
+              <a:rPr lang="en-US" altLang="ja-JP" dirty="0" smtClean="0"/>
+              <a:t>21511283</a:t>
+            </a:r>
+            <a:r>
+              <a:rPr lang="ja-JP" altLang="en-US" dirty="0"/>
+              <a:t>　前川　瑞稀</a:t>
+            </a:r>
+          </a:p>
+          <a:p>
+            <a:pPr algn="l"/>
+            <a:endParaRPr kumimoji="1" lang="ja-JP" altLang="en-US" dirty="0"/>
           </a:p>
         </p:txBody>
       </p:sp>
@@ -3318,10 +6354,870 @@
 </p:sld>
 </file>
 
+<file path=ppt/slides/slide2.xml><?xml version="1.0" encoding="utf-8"?>
+<p:sld xmlns:a="http://schemas.openxmlformats.org/drawingml/2006/main" xmlns:r="http://schemas.openxmlformats.org/officeDocument/2006/relationships" xmlns:p="http://schemas.openxmlformats.org/presentationml/2006/main">
+  <p:cSld>
+    <p:spTree>
+      <p:nvGrpSpPr>
+        <p:cNvPr id="1" name=""/>
+        <p:cNvGrpSpPr/>
+        <p:nvPr/>
+      </p:nvGrpSpPr>
+      <p:grpSpPr>
+        <a:xfrm>
+          <a:off x="0" y="0"/>
+          <a:ext cx="0" cy="0"/>
+          <a:chOff x="0" y="0"/>
+          <a:chExt cx="0" cy="0"/>
+        </a:xfrm>
+      </p:grpSpPr>
+      <p:sp>
+        <p:nvSpPr>
+          <p:cNvPr id="2" name="タイトル 1"/>
+          <p:cNvSpPr>
+            <a:spLocks noGrp="1"/>
+          </p:cNvSpPr>
+          <p:nvPr>
+            <p:ph type="title"/>
+          </p:nvPr>
+        </p:nvSpPr>
+        <p:spPr/>
+        <p:txBody>
+          <a:bodyPr/>
+          <a:lstStyle/>
+          <a:p>
+            <a:pPr algn="l"/>
+            <a:r>
+              <a:rPr kumimoji="1" lang="ja-JP" altLang="en-US" dirty="0" smtClean="0"/>
+              <a:t>目次</a:t>
+            </a:r>
+            <a:endParaRPr kumimoji="1" lang="ja-JP" altLang="en-US" dirty="0"/>
+          </a:p>
+        </p:txBody>
+      </p:sp>
+      <p:sp>
+        <p:nvSpPr>
+          <p:cNvPr id="3" name="コンテンツ プレースホルダー 2"/>
+          <p:cNvSpPr>
+            <a:spLocks noGrp="1"/>
+          </p:cNvSpPr>
+          <p:nvPr>
+            <p:ph idx="1"/>
+          </p:nvPr>
+        </p:nvSpPr>
+        <p:spPr/>
+        <p:txBody>
+          <a:bodyPr/>
+          <a:lstStyle/>
+          <a:p>
+            <a:pPr marL="0" indent="0">
+              <a:buNone/>
+            </a:pPr>
+            <a:r>
+              <a:rPr kumimoji="1" lang="en-US" altLang="ja-JP" dirty="0" smtClean="0"/>
+              <a:t>1.</a:t>
+            </a:r>
+            <a:r>
+              <a:rPr kumimoji="1" lang="ja-JP" altLang="en-US" dirty="0" smtClean="0"/>
+              <a:t>　</a:t>
+            </a:r>
+            <a:r>
+              <a:rPr kumimoji="1" lang="ja-JP" altLang="en-US" sz="3200" dirty="0" smtClean="0"/>
+              <a:t>目的</a:t>
+            </a:r>
+            <a:endParaRPr kumimoji="1" lang="en-US" altLang="ja-JP" sz="3200" dirty="0" smtClean="0"/>
+          </a:p>
+          <a:p>
+            <a:pPr marL="0" indent="0">
+              <a:buNone/>
+            </a:pPr>
+            <a:endParaRPr kumimoji="1" lang="en-US" altLang="ja-JP" dirty="0" smtClean="0"/>
+          </a:p>
+          <a:p>
+            <a:pPr marL="0" indent="0">
+              <a:buNone/>
+            </a:pPr>
+            <a:r>
+              <a:rPr lang="en-US" altLang="ja-JP" dirty="0" smtClean="0"/>
+              <a:t>2.</a:t>
+            </a:r>
+            <a:r>
+              <a:rPr lang="ja-JP" altLang="en-US" dirty="0" smtClean="0"/>
+              <a:t>　</a:t>
+            </a:r>
+            <a:r>
+              <a:rPr lang="ja-JP" altLang="en-US" sz="3200" dirty="0" smtClean="0"/>
+              <a:t>資金計画</a:t>
+            </a:r>
+            <a:endParaRPr lang="en-US" altLang="ja-JP" sz="3200" dirty="0" smtClean="0"/>
+          </a:p>
+          <a:p>
+            <a:pPr marL="0" indent="0">
+              <a:buNone/>
+            </a:pPr>
+            <a:endParaRPr lang="en-US" altLang="ja-JP" dirty="0" smtClean="0"/>
+          </a:p>
+          <a:p>
+            <a:pPr marL="0" indent="0">
+              <a:buNone/>
+            </a:pPr>
+            <a:r>
+              <a:rPr lang="en-US" altLang="ja-JP" dirty="0" smtClean="0"/>
+              <a:t>3.</a:t>
+            </a:r>
+            <a:r>
+              <a:rPr lang="ja-JP" altLang="en-US" dirty="0" smtClean="0"/>
+              <a:t>　</a:t>
+            </a:r>
+            <a:r>
+              <a:rPr kumimoji="1" lang="ja-JP" altLang="en-US" sz="3200" dirty="0" smtClean="0"/>
+              <a:t>リワード（</a:t>
+            </a:r>
+            <a:r>
+              <a:rPr lang="ja-JP" altLang="en-US" sz="3200" dirty="0"/>
+              <a:t>リターン</a:t>
+            </a:r>
+            <a:r>
+              <a:rPr kumimoji="1" lang="ja-JP" altLang="en-US" sz="3200" dirty="0" smtClean="0"/>
+              <a:t>）の金額と内容</a:t>
+            </a:r>
+            <a:endParaRPr kumimoji="1" lang="ja-JP" altLang="en-US" sz="3200" dirty="0"/>
+          </a:p>
+        </p:txBody>
+      </p:sp>
+    </p:spTree>
+    <p:extLst>
+      <p:ext uri="{BB962C8B-B14F-4D97-AF65-F5344CB8AC3E}">
+        <p14:creationId xmlns:p14="http://schemas.microsoft.com/office/powerpoint/2010/main" val="3979475714"/>
+      </p:ext>
+    </p:extLst>
+  </p:cSld>
+  <p:clrMapOvr>
+    <a:masterClrMapping/>
+  </p:clrMapOvr>
+</p:sld>
+</file>
+
+<file path=ppt/slides/slide3.xml><?xml version="1.0" encoding="utf-8"?>
+<p:sld xmlns:a="http://schemas.openxmlformats.org/drawingml/2006/main" xmlns:r="http://schemas.openxmlformats.org/officeDocument/2006/relationships" xmlns:p="http://schemas.openxmlformats.org/presentationml/2006/main">
+  <p:cSld>
+    <p:spTree>
+      <p:nvGrpSpPr>
+        <p:cNvPr id="1" name=""/>
+        <p:cNvGrpSpPr/>
+        <p:nvPr/>
+      </p:nvGrpSpPr>
+      <p:grpSpPr>
+        <a:xfrm>
+          <a:off x="0" y="0"/>
+          <a:ext cx="0" cy="0"/>
+          <a:chOff x="0" y="0"/>
+          <a:chExt cx="0" cy="0"/>
+        </a:xfrm>
+      </p:grpSpPr>
+      <p:sp>
+        <p:nvSpPr>
+          <p:cNvPr id="2" name="タイトル 1"/>
+          <p:cNvSpPr>
+            <a:spLocks noGrp="1"/>
+          </p:cNvSpPr>
+          <p:nvPr>
+            <p:ph type="title"/>
+          </p:nvPr>
+        </p:nvSpPr>
+        <p:spPr/>
+        <p:txBody>
+          <a:bodyPr/>
+          <a:lstStyle/>
+          <a:p>
+            <a:r>
+              <a:rPr kumimoji="1" lang="ja-JP" altLang="en-US" dirty="0" smtClean="0"/>
+              <a:t>１．目的</a:t>
+            </a:r>
+            <a:endParaRPr kumimoji="1" lang="ja-JP" altLang="en-US" dirty="0"/>
+          </a:p>
+        </p:txBody>
+      </p:sp>
+      <p:sp>
+        <p:nvSpPr>
+          <p:cNvPr id="3" name="コンテンツ プレースホルダー 2"/>
+          <p:cNvSpPr>
+            <a:spLocks noGrp="1"/>
+          </p:cNvSpPr>
+          <p:nvPr>
+            <p:ph idx="1"/>
+          </p:nvPr>
+        </p:nvSpPr>
+        <p:spPr/>
+        <p:txBody>
+          <a:bodyPr>
+            <a:normAutofit/>
+          </a:bodyPr>
+          <a:lstStyle/>
+          <a:p>
+            <a:pPr marL="0" indent="0" algn="dist">
+              <a:buNone/>
+            </a:pPr>
+            <a:r>
+              <a:rPr kumimoji="1" lang="ja-JP" altLang="en-US" sz="4400" dirty="0" smtClean="0">
+                <a:latin typeface="HGP創英角ﾎﾟｯﾌﾟ体" panose="040B0A00000000000000" pitchFamily="50" charset="-128"/>
+                <a:ea typeface="HGP創英角ﾎﾟｯﾌﾟ体" panose="040B0A00000000000000" pitchFamily="50" charset="-128"/>
+              </a:rPr>
+              <a:t>少子高齢化が進む</a:t>
+            </a:r>
+            <a:r>
+              <a:rPr kumimoji="1" lang="ja-JP" altLang="en-US" sz="4400" dirty="0" smtClean="0">
+                <a:solidFill>
+                  <a:srgbClr val="00B0F0"/>
+                </a:solidFill>
+                <a:latin typeface="HGP創英角ﾎﾟｯﾌﾟ体" panose="040B0A00000000000000" pitchFamily="50" charset="-128"/>
+                <a:ea typeface="HGP創英角ﾎﾟｯﾌﾟ体" panose="040B0A00000000000000" pitchFamily="50" charset="-128"/>
+              </a:rPr>
+              <a:t>多摩地域</a:t>
+            </a:r>
+            <a:r>
+              <a:rPr kumimoji="1" lang="ja-JP" altLang="en-US" sz="4400" dirty="0" smtClean="0">
+                <a:latin typeface="HGP創英角ﾎﾟｯﾌﾟ体" panose="040B0A00000000000000" pitchFamily="50" charset="-128"/>
+                <a:ea typeface="HGP創英角ﾎﾟｯﾌﾟ体" panose="040B0A00000000000000" pitchFamily="50" charset="-128"/>
+              </a:rPr>
+              <a:t>に</a:t>
+            </a:r>
+            <a:endParaRPr kumimoji="1" lang="en-US" altLang="ja-JP" sz="4400" dirty="0" smtClean="0">
+              <a:latin typeface="HGP創英角ﾎﾟｯﾌﾟ体" panose="040B0A00000000000000" pitchFamily="50" charset="-128"/>
+              <a:ea typeface="HGP創英角ﾎﾟｯﾌﾟ体" panose="040B0A00000000000000" pitchFamily="50" charset="-128"/>
+            </a:endParaRPr>
+          </a:p>
+          <a:p>
+            <a:pPr marL="0" indent="0" algn="dist">
+              <a:buNone/>
+            </a:pPr>
+            <a:endParaRPr kumimoji="1" lang="en-US" altLang="ja-JP" sz="4400" dirty="0" smtClean="0">
+              <a:latin typeface="HGP創英角ﾎﾟｯﾌﾟ体" panose="040B0A00000000000000" pitchFamily="50" charset="-128"/>
+              <a:ea typeface="HGP創英角ﾎﾟｯﾌﾟ体" panose="040B0A00000000000000" pitchFamily="50" charset="-128"/>
+            </a:endParaRPr>
+          </a:p>
+          <a:p>
+            <a:pPr marL="0" indent="0" algn="dist">
+              <a:buNone/>
+            </a:pPr>
+            <a:r>
+              <a:rPr kumimoji="1" lang="ja-JP" altLang="en-US" sz="4400" dirty="0" smtClean="0">
+                <a:latin typeface="HGP創英角ﾎﾟｯﾌﾟ体" panose="040B0A00000000000000" pitchFamily="50" charset="-128"/>
+                <a:ea typeface="HGP創英角ﾎﾟｯﾌﾟ体" panose="040B0A00000000000000" pitchFamily="50" charset="-128"/>
+              </a:rPr>
+              <a:t>若者や観光客を呼び込む！</a:t>
+            </a:r>
+            <a:endParaRPr kumimoji="1" lang="ja-JP" altLang="en-US" sz="4400" dirty="0">
+              <a:latin typeface="HGP創英角ﾎﾟｯﾌﾟ体" panose="040B0A00000000000000" pitchFamily="50" charset="-128"/>
+              <a:ea typeface="HGP創英角ﾎﾟｯﾌﾟ体" panose="040B0A00000000000000" pitchFamily="50" charset="-128"/>
+            </a:endParaRPr>
+          </a:p>
+        </p:txBody>
+      </p:sp>
+    </p:spTree>
+    <p:extLst>
+      <p:ext uri="{BB962C8B-B14F-4D97-AF65-F5344CB8AC3E}">
+        <p14:creationId xmlns:p14="http://schemas.microsoft.com/office/powerpoint/2010/main" val="130957491"/>
+      </p:ext>
+    </p:extLst>
+  </p:cSld>
+  <p:clrMapOvr>
+    <a:masterClrMapping/>
+  </p:clrMapOvr>
+</p:sld>
+</file>
+
+<file path=ppt/slides/slide4.xml><?xml version="1.0" encoding="utf-8"?>
+<p:sld xmlns:a="http://schemas.openxmlformats.org/drawingml/2006/main" xmlns:r="http://schemas.openxmlformats.org/officeDocument/2006/relationships" xmlns:p="http://schemas.openxmlformats.org/presentationml/2006/main">
+  <p:cSld>
+    <p:spTree>
+      <p:nvGrpSpPr>
+        <p:cNvPr id="1" name=""/>
+        <p:cNvGrpSpPr/>
+        <p:nvPr/>
+      </p:nvGrpSpPr>
+      <p:grpSpPr>
+        <a:xfrm>
+          <a:off x="0" y="0"/>
+          <a:ext cx="0" cy="0"/>
+          <a:chOff x="0" y="0"/>
+          <a:chExt cx="0" cy="0"/>
+        </a:xfrm>
+      </p:grpSpPr>
+      <p:sp>
+        <p:nvSpPr>
+          <p:cNvPr id="2" name="タイトル 1"/>
+          <p:cNvSpPr>
+            <a:spLocks noGrp="1"/>
+          </p:cNvSpPr>
+          <p:nvPr>
+            <p:ph type="title"/>
+          </p:nvPr>
+        </p:nvSpPr>
+        <p:spPr/>
+        <p:txBody>
+          <a:bodyPr/>
+          <a:lstStyle/>
+          <a:p>
+            <a:r>
+              <a:rPr kumimoji="1" lang="ja-JP" altLang="en-US" dirty="0" smtClean="0"/>
+              <a:t>内容</a:t>
+            </a:r>
+            <a:endParaRPr kumimoji="1" lang="ja-JP" altLang="en-US" dirty="0"/>
+          </a:p>
+        </p:txBody>
+      </p:sp>
+      <p:sp>
+        <p:nvSpPr>
+          <p:cNvPr id="3" name="コンテンツ プレースホルダー 2"/>
+          <p:cNvSpPr>
+            <a:spLocks noGrp="1"/>
+          </p:cNvSpPr>
+          <p:nvPr>
+            <p:ph idx="1"/>
+          </p:nvPr>
+        </p:nvSpPr>
+        <p:spPr/>
+        <p:txBody>
+          <a:bodyPr/>
+          <a:lstStyle/>
+          <a:p>
+            <a:r>
+              <a:rPr kumimoji="1" lang="ja-JP" altLang="en-US" dirty="0" smtClean="0"/>
+              <a:t>位置情報サービスを使用しながら、謎を解き宝を探す</a:t>
+            </a:r>
+            <a:endParaRPr kumimoji="1" lang="en-US" altLang="ja-JP" dirty="0" smtClean="0"/>
+          </a:p>
+          <a:p>
+            <a:pPr marL="0" indent="0">
+              <a:buNone/>
+            </a:pPr>
+            <a:endParaRPr lang="en-US" altLang="ja-JP" dirty="0"/>
+          </a:p>
+          <a:p>
+            <a:pPr marL="0" indent="0">
+              <a:buNone/>
+            </a:pPr>
+            <a:r>
+              <a:rPr kumimoji="1" lang="ja-JP" altLang="en-US" dirty="0" smtClean="0"/>
+              <a:t>マップを見ながら、各ポイントで謎を解き、ゴールへの答えを導き出す！</a:t>
+            </a:r>
+            <a:endParaRPr kumimoji="1" lang="en-US" altLang="ja-JP" dirty="0" smtClean="0"/>
+          </a:p>
+          <a:p>
+            <a:pPr marL="0" indent="0">
+              <a:buNone/>
+            </a:pPr>
+            <a:r>
+              <a:rPr kumimoji="1" lang="ja-JP" altLang="en-US" dirty="0" smtClean="0"/>
+              <a:t>子供から大人まで楽しめるように年代によって難易度を変える。</a:t>
+            </a:r>
+            <a:endParaRPr kumimoji="1" lang="en-US" altLang="ja-JP" dirty="0" smtClean="0"/>
+          </a:p>
+          <a:p>
+            <a:pPr marL="0" indent="0">
+              <a:buNone/>
+            </a:pPr>
+            <a:r>
+              <a:rPr lang="ja-JP" altLang="en-US" dirty="0" smtClean="0"/>
+              <a:t>参加費：１人８００円</a:t>
+            </a:r>
+            <a:endParaRPr lang="en-US" altLang="ja-JP" dirty="0" smtClean="0"/>
+          </a:p>
+          <a:p>
+            <a:pPr marL="0" indent="0">
+              <a:buNone/>
+            </a:pPr>
+            <a:r>
+              <a:rPr kumimoji="1" lang="ja-JP" altLang="en-US" dirty="0" smtClean="0"/>
+              <a:t>ゴールできたら、多摩の特</a:t>
+            </a:r>
+            <a:r>
+              <a:rPr kumimoji="1" lang="ja-JP" altLang="en-US" smtClean="0"/>
+              <a:t>産品の詰め合わせがもらえる。</a:t>
+            </a:r>
+            <a:endParaRPr kumimoji="1" lang="ja-JP" altLang="en-US" dirty="0"/>
+          </a:p>
+        </p:txBody>
+      </p:sp>
+    </p:spTree>
+    <p:extLst>
+      <p:ext uri="{BB962C8B-B14F-4D97-AF65-F5344CB8AC3E}">
+        <p14:creationId xmlns:p14="http://schemas.microsoft.com/office/powerpoint/2010/main" val="1356425158"/>
+      </p:ext>
+    </p:extLst>
+  </p:cSld>
+  <p:clrMapOvr>
+    <a:masterClrMapping/>
+  </p:clrMapOvr>
+</p:sld>
+</file>
+
+<file path=ppt/slides/slide5.xml><?xml version="1.0" encoding="utf-8"?>
+<p:sld xmlns:a="http://schemas.openxmlformats.org/drawingml/2006/main" xmlns:r="http://schemas.openxmlformats.org/officeDocument/2006/relationships" xmlns:p="http://schemas.openxmlformats.org/presentationml/2006/main">
+  <p:cSld>
+    <p:spTree>
+      <p:nvGrpSpPr>
+        <p:cNvPr id="1" name=""/>
+        <p:cNvGrpSpPr/>
+        <p:nvPr/>
+      </p:nvGrpSpPr>
+      <p:grpSpPr>
+        <a:xfrm>
+          <a:off x="0" y="0"/>
+          <a:ext cx="0" cy="0"/>
+          <a:chOff x="0" y="0"/>
+          <a:chExt cx="0" cy="0"/>
+        </a:xfrm>
+      </p:grpSpPr>
+      <p:sp>
+        <p:nvSpPr>
+          <p:cNvPr id="2" name="タイトル 1"/>
+          <p:cNvSpPr>
+            <a:spLocks noGrp="1"/>
+          </p:cNvSpPr>
+          <p:nvPr>
+            <p:ph type="title"/>
+          </p:nvPr>
+        </p:nvSpPr>
+        <p:spPr/>
+        <p:txBody>
+          <a:bodyPr/>
+          <a:lstStyle/>
+          <a:p>
+            <a:pPr algn="l"/>
+            <a:r>
+              <a:rPr lang="ja-JP" altLang="en-US" dirty="0"/>
+              <a:t>２</a:t>
+            </a:r>
+            <a:r>
+              <a:rPr kumimoji="1" lang="ja-JP" altLang="en-US" dirty="0" smtClean="0"/>
+              <a:t>．資金計画</a:t>
+            </a:r>
+            <a:endParaRPr kumimoji="1" lang="ja-JP" altLang="en-US" dirty="0"/>
+          </a:p>
+        </p:txBody>
+      </p:sp>
+      <p:sp>
+        <p:nvSpPr>
+          <p:cNvPr id="3" name="コンテンツ プレースホルダー 2"/>
+          <p:cNvSpPr>
+            <a:spLocks noGrp="1"/>
+          </p:cNvSpPr>
+          <p:nvPr>
+            <p:ph idx="1"/>
+          </p:nvPr>
+        </p:nvSpPr>
+        <p:spPr/>
+        <p:txBody>
+          <a:bodyPr/>
+          <a:lstStyle/>
+          <a:p>
+            <a:r>
+              <a:rPr lang="ja-JP" altLang="en-US" dirty="0" smtClean="0"/>
+              <a:t>謎解きマップ製作費　約１０万円</a:t>
+            </a:r>
+            <a:endParaRPr lang="en-US" altLang="ja-JP" dirty="0" smtClean="0"/>
+          </a:p>
+          <a:p>
+            <a:r>
+              <a:rPr kumimoji="1" lang="ja-JP" altLang="en-US" dirty="0" smtClean="0"/>
+              <a:t>景品　約１５０万円</a:t>
+            </a:r>
+            <a:endParaRPr kumimoji="1" lang="en-US" altLang="ja-JP" dirty="0" smtClean="0"/>
+          </a:p>
+          <a:p>
+            <a:r>
+              <a:rPr lang="ja-JP" altLang="en-US" dirty="0" smtClean="0"/>
+              <a:t>交渉費用　約５０万円</a:t>
+            </a:r>
+            <a:endParaRPr lang="en-US" altLang="ja-JP" dirty="0" smtClean="0"/>
+          </a:p>
+          <a:p>
+            <a:pPr marL="0" indent="0">
+              <a:buNone/>
+            </a:pPr>
+            <a:endParaRPr kumimoji="1" lang="en-US" altLang="ja-JP" dirty="0"/>
+          </a:p>
+          <a:p>
+            <a:pPr marL="0" indent="0">
+              <a:buNone/>
+            </a:pPr>
+            <a:endParaRPr lang="en-US" altLang="ja-JP" dirty="0" smtClean="0"/>
+          </a:p>
+          <a:p>
+            <a:pPr marL="0" indent="0">
+              <a:buNone/>
+            </a:pPr>
+            <a:r>
+              <a:rPr kumimoji="1" lang="ja-JP" altLang="en-US" dirty="0" smtClean="0"/>
+              <a:t>計　２６０万円</a:t>
+            </a:r>
+            <a:endParaRPr kumimoji="1" lang="ja-JP" altLang="en-US" dirty="0"/>
+          </a:p>
+        </p:txBody>
+      </p:sp>
+    </p:spTree>
+    <p:extLst>
+      <p:ext uri="{BB962C8B-B14F-4D97-AF65-F5344CB8AC3E}">
+        <p14:creationId xmlns:p14="http://schemas.microsoft.com/office/powerpoint/2010/main" val="2337491496"/>
+      </p:ext>
+    </p:extLst>
+  </p:cSld>
+  <p:clrMapOvr>
+    <a:masterClrMapping/>
+  </p:clrMapOvr>
+</p:sld>
+</file>
+
+<file path=ppt/slides/slide6.xml><?xml version="1.0" encoding="utf-8"?>
+<p:sld xmlns:a="http://schemas.openxmlformats.org/drawingml/2006/main" xmlns:r="http://schemas.openxmlformats.org/officeDocument/2006/relationships" xmlns:p="http://schemas.openxmlformats.org/presentationml/2006/main">
+  <p:cSld>
+    <p:spTree>
+      <p:nvGrpSpPr>
+        <p:cNvPr id="1" name=""/>
+        <p:cNvGrpSpPr/>
+        <p:nvPr/>
+      </p:nvGrpSpPr>
+      <p:grpSpPr>
+        <a:xfrm>
+          <a:off x="0" y="0"/>
+          <a:ext cx="0" cy="0"/>
+          <a:chOff x="0" y="0"/>
+          <a:chExt cx="0" cy="0"/>
+        </a:xfrm>
+      </p:grpSpPr>
+      <p:sp>
+        <p:nvSpPr>
+          <p:cNvPr id="2" name="タイトル 1"/>
+          <p:cNvSpPr>
+            <a:spLocks noGrp="1"/>
+          </p:cNvSpPr>
+          <p:nvPr>
+            <p:ph type="title"/>
+          </p:nvPr>
+        </p:nvSpPr>
+        <p:spPr/>
+        <p:txBody>
+          <a:bodyPr/>
+          <a:lstStyle/>
+          <a:p>
+            <a:pPr algn="l"/>
+            <a:r>
+              <a:rPr lang="ja-JP" altLang="en-US" dirty="0"/>
+              <a:t>３</a:t>
+            </a:r>
+            <a:r>
+              <a:rPr kumimoji="1" lang="ja-JP" altLang="en-US" dirty="0" smtClean="0"/>
+              <a:t>．リワード</a:t>
+            </a:r>
+            <a:r>
+              <a:rPr kumimoji="1" lang="en-US" altLang="ja-JP" dirty="0" smtClean="0"/>
+              <a:t>(</a:t>
+            </a:r>
+            <a:r>
+              <a:rPr kumimoji="1" lang="ja-JP" altLang="en-US" dirty="0" smtClean="0"/>
+              <a:t>リターン</a:t>
+            </a:r>
+            <a:r>
+              <a:rPr kumimoji="1" lang="en-US" altLang="ja-JP" dirty="0" smtClean="0"/>
+              <a:t>)</a:t>
+            </a:r>
+            <a:r>
+              <a:rPr kumimoji="1" lang="ja-JP" altLang="en-US" dirty="0" smtClean="0"/>
+              <a:t>の金額と内容</a:t>
+            </a:r>
+            <a:endParaRPr kumimoji="1" lang="ja-JP" altLang="en-US" dirty="0"/>
+          </a:p>
+        </p:txBody>
+      </p:sp>
+      <p:sp>
+        <p:nvSpPr>
+          <p:cNvPr id="3" name="コンテンツ プレースホルダー 2"/>
+          <p:cNvSpPr>
+            <a:spLocks noGrp="1"/>
+          </p:cNvSpPr>
+          <p:nvPr>
+            <p:ph idx="1"/>
+          </p:nvPr>
+        </p:nvSpPr>
+        <p:spPr>
+          <a:xfrm>
+            <a:off x="1389994" y="2541166"/>
+            <a:ext cx="9369972" cy="3552206"/>
+          </a:xfrm>
+        </p:spPr>
+        <p:txBody>
+          <a:bodyPr numCol="2">
+            <a:normAutofit fontScale="25000" lnSpcReduction="20000"/>
+          </a:bodyPr>
+          <a:lstStyle/>
+          <a:p>
+            <a:r>
+              <a:rPr kumimoji="1" lang="ja-JP" altLang="en-US" sz="7400" dirty="0" smtClean="0"/>
+              <a:t>１０，０００円</a:t>
+            </a:r>
+            <a:endParaRPr kumimoji="1" lang="en-US" altLang="ja-JP" sz="7400" dirty="0" smtClean="0"/>
+          </a:p>
+          <a:p>
+            <a:pPr marL="0" indent="0">
+              <a:buNone/>
+            </a:pPr>
+            <a:r>
+              <a:rPr lang="ja-JP" altLang="en-US" sz="7400" dirty="0" smtClean="0"/>
+              <a:t>参加費無料</a:t>
+            </a:r>
+            <a:endParaRPr kumimoji="1" lang="en-US" altLang="ja-JP" sz="7400" dirty="0" smtClean="0"/>
+          </a:p>
+          <a:p>
+            <a:r>
+              <a:rPr kumimoji="1" lang="ja-JP" altLang="en-US" sz="7400" dirty="0" smtClean="0"/>
+              <a:t>２５，０００円</a:t>
+            </a:r>
+            <a:endParaRPr kumimoji="1" lang="en-US" altLang="ja-JP" sz="7400" dirty="0" smtClean="0"/>
+          </a:p>
+          <a:p>
+            <a:pPr marL="0" indent="0">
+              <a:buNone/>
+            </a:pPr>
+            <a:r>
+              <a:rPr lang="ja-JP" altLang="en-US" sz="7400" dirty="0" smtClean="0"/>
+              <a:t>参加費無料</a:t>
+            </a:r>
+            <a:endParaRPr lang="en-US" altLang="ja-JP" sz="7400" dirty="0" smtClean="0"/>
+          </a:p>
+          <a:p>
+            <a:pPr marL="0" indent="0">
+              <a:buNone/>
+            </a:pPr>
+            <a:r>
+              <a:rPr lang="ja-JP" altLang="en-US" sz="7400" dirty="0" smtClean="0"/>
+              <a:t>ヒント＋１</a:t>
+            </a:r>
+            <a:r>
+              <a:rPr lang="en-US" altLang="ja-JP" sz="7400" dirty="0" smtClean="0"/>
+              <a:t>or</a:t>
+            </a:r>
+            <a:r>
+              <a:rPr lang="ja-JP" altLang="en-US" sz="7400" dirty="0" smtClean="0"/>
+              <a:t>多摩の特産品（小）</a:t>
+            </a:r>
+            <a:endParaRPr lang="en-US" altLang="ja-JP" sz="7400" dirty="0" smtClean="0"/>
+          </a:p>
+          <a:p>
+            <a:r>
+              <a:rPr kumimoji="1" lang="ja-JP" altLang="en-US" sz="7400" dirty="0" smtClean="0"/>
+              <a:t>５０，０００円</a:t>
+            </a:r>
+            <a:endParaRPr kumimoji="1" lang="en-US" altLang="ja-JP" sz="7400" dirty="0" smtClean="0"/>
+          </a:p>
+          <a:p>
+            <a:pPr marL="0" indent="0">
+              <a:buNone/>
+            </a:pPr>
+            <a:r>
+              <a:rPr lang="ja-JP" altLang="en-US" sz="7400" dirty="0" smtClean="0"/>
+              <a:t>参加費無料</a:t>
+            </a:r>
+            <a:endParaRPr lang="en-US" altLang="ja-JP" sz="7400" dirty="0" smtClean="0"/>
+          </a:p>
+          <a:p>
+            <a:pPr marL="0" indent="0">
+              <a:buNone/>
+            </a:pPr>
+            <a:r>
+              <a:rPr lang="ja-JP" altLang="en-US" sz="7400" dirty="0"/>
+              <a:t>ヒント</a:t>
+            </a:r>
+            <a:r>
+              <a:rPr lang="ja-JP" altLang="en-US" sz="7400" dirty="0" smtClean="0"/>
+              <a:t>＋２</a:t>
+            </a:r>
+            <a:r>
+              <a:rPr lang="en-US" altLang="ja-JP" sz="7400" dirty="0" smtClean="0"/>
+              <a:t>or</a:t>
+            </a:r>
+            <a:r>
+              <a:rPr lang="ja-JP" altLang="en-US" sz="7400" dirty="0"/>
+              <a:t>多摩の特産品</a:t>
+            </a:r>
+            <a:r>
+              <a:rPr lang="ja-JP" altLang="en-US" sz="7400" dirty="0" smtClean="0"/>
+              <a:t>（中）</a:t>
+            </a:r>
+            <a:endParaRPr lang="en-US" altLang="ja-JP" sz="7400" dirty="0" smtClean="0"/>
+          </a:p>
+          <a:p>
+            <a:pPr marL="0" indent="0">
+              <a:buNone/>
+            </a:pPr>
+            <a:endParaRPr lang="en-US" altLang="ja-JP" sz="7400" dirty="0"/>
+          </a:p>
+          <a:p>
+            <a:pPr marL="0" indent="0">
+              <a:buNone/>
+            </a:pPr>
+            <a:endParaRPr lang="en-US" altLang="ja-JP" sz="7400" dirty="0" smtClean="0"/>
+          </a:p>
+          <a:p>
+            <a:pPr marL="0" indent="0">
+              <a:buNone/>
+            </a:pPr>
+            <a:endParaRPr lang="en-US" altLang="ja-JP" sz="7400" dirty="0" smtClean="0"/>
+          </a:p>
+          <a:p>
+            <a:r>
+              <a:rPr lang="ja-JP" altLang="en-US" sz="7400" dirty="0" smtClean="0"/>
+              <a:t>１</a:t>
+            </a:r>
+            <a:r>
+              <a:rPr lang="ja-JP" altLang="en-US" sz="7400" dirty="0"/>
+              <a:t>０</a:t>
+            </a:r>
+            <a:r>
+              <a:rPr lang="ja-JP" altLang="en-US" sz="7400" dirty="0" smtClean="0"/>
+              <a:t>０，０００円</a:t>
+            </a:r>
+            <a:endParaRPr lang="en-US" altLang="ja-JP" sz="7400" dirty="0" smtClean="0"/>
+          </a:p>
+          <a:p>
+            <a:pPr marL="0" indent="0">
+              <a:buNone/>
+            </a:pPr>
+            <a:r>
+              <a:rPr lang="ja-JP" altLang="en-US" sz="7400" dirty="0"/>
+              <a:t>参加費無料</a:t>
+            </a:r>
+            <a:endParaRPr lang="en-US" altLang="ja-JP" sz="7400" dirty="0"/>
+          </a:p>
+          <a:p>
+            <a:pPr marL="0" indent="0">
+              <a:buNone/>
+            </a:pPr>
+            <a:r>
+              <a:rPr lang="ja-JP" altLang="en-US" sz="7400" dirty="0"/>
+              <a:t>ヒント</a:t>
+            </a:r>
+            <a:r>
+              <a:rPr lang="ja-JP" altLang="en-US" sz="7400" dirty="0" smtClean="0"/>
+              <a:t>＋３</a:t>
+            </a:r>
+            <a:r>
+              <a:rPr lang="en-US" altLang="ja-JP" sz="7400" dirty="0" smtClean="0"/>
+              <a:t>or</a:t>
+            </a:r>
+            <a:r>
+              <a:rPr lang="ja-JP" altLang="en-US" sz="7400" dirty="0"/>
+              <a:t>多摩の特産品</a:t>
+            </a:r>
+            <a:r>
+              <a:rPr lang="ja-JP" altLang="en-US" sz="7400" dirty="0" smtClean="0"/>
+              <a:t>（大）</a:t>
+            </a:r>
+            <a:endParaRPr lang="en-US" altLang="ja-JP" sz="7400" dirty="0" smtClean="0"/>
+          </a:p>
+          <a:p>
+            <a:r>
+              <a:rPr lang="ja-JP" altLang="en-US" sz="7400" dirty="0" smtClean="0"/>
+              <a:t>１５０，０００円</a:t>
+            </a:r>
+            <a:endParaRPr lang="en-US" altLang="ja-JP" sz="7400" dirty="0" smtClean="0"/>
+          </a:p>
+          <a:p>
+            <a:pPr marL="0" indent="0">
+              <a:buNone/>
+            </a:pPr>
+            <a:r>
+              <a:rPr lang="ja-JP" altLang="en-US" sz="7400" dirty="0"/>
+              <a:t>参加費無料</a:t>
+            </a:r>
+            <a:endParaRPr lang="en-US" altLang="ja-JP" sz="7400" dirty="0"/>
+          </a:p>
+          <a:p>
+            <a:pPr marL="0" indent="0">
+              <a:buNone/>
+            </a:pPr>
+            <a:r>
+              <a:rPr lang="ja-JP" altLang="en-US" sz="7400" dirty="0"/>
+              <a:t>ヒント</a:t>
+            </a:r>
+            <a:r>
+              <a:rPr lang="ja-JP" altLang="en-US" sz="7400" dirty="0" smtClean="0"/>
+              <a:t>＋４</a:t>
+            </a:r>
+            <a:r>
+              <a:rPr lang="en-US" altLang="ja-JP" sz="7400" dirty="0" smtClean="0"/>
+              <a:t>or</a:t>
+            </a:r>
+            <a:r>
+              <a:rPr lang="ja-JP" altLang="en-US" sz="7400" dirty="0"/>
+              <a:t>多摩の特産品</a:t>
+            </a:r>
+            <a:r>
+              <a:rPr lang="ja-JP" altLang="en-US" sz="7400" dirty="0" smtClean="0"/>
+              <a:t>（特大</a:t>
+            </a:r>
+            <a:r>
+              <a:rPr lang="ja-JP" altLang="en-US" sz="7400" dirty="0"/>
+              <a:t>）</a:t>
+            </a:r>
+            <a:endParaRPr lang="en-US" altLang="ja-JP" sz="7400" dirty="0"/>
+          </a:p>
+          <a:p>
+            <a:pPr marL="0" indent="0">
+              <a:buNone/>
+            </a:pPr>
+            <a:endParaRPr lang="en-US" altLang="ja-JP" sz="7400" dirty="0" smtClean="0"/>
+          </a:p>
+          <a:p>
+            <a:pPr marL="0" indent="0">
+              <a:buNone/>
+            </a:pPr>
+            <a:endParaRPr lang="en-US" altLang="ja-JP" sz="7400" dirty="0" smtClean="0"/>
+          </a:p>
+          <a:p>
+            <a:pPr marL="0" indent="0">
+              <a:buNone/>
+            </a:pPr>
+            <a:endParaRPr lang="en-US" altLang="ja-JP" dirty="0"/>
+          </a:p>
+          <a:p>
+            <a:pPr marL="0" indent="0">
+              <a:buNone/>
+            </a:pPr>
+            <a:endParaRPr lang="en-US" altLang="ja-JP" dirty="0"/>
+          </a:p>
+          <a:p>
+            <a:pPr marL="0" indent="0">
+              <a:buNone/>
+            </a:pPr>
+            <a:endParaRPr lang="en-US" altLang="ja-JP" dirty="0" smtClean="0"/>
+          </a:p>
+          <a:p>
+            <a:pPr marL="0" indent="0">
+              <a:buNone/>
+            </a:pPr>
+            <a:endParaRPr kumimoji="1" lang="ja-JP" altLang="en-US" dirty="0"/>
+          </a:p>
+        </p:txBody>
+      </p:sp>
+    </p:spTree>
+    <p:extLst>
+      <p:ext uri="{BB962C8B-B14F-4D97-AF65-F5344CB8AC3E}">
+        <p14:creationId xmlns:p14="http://schemas.microsoft.com/office/powerpoint/2010/main" val="2586989020"/>
+      </p:ext>
+    </p:extLst>
+  </p:cSld>
+  <p:clrMapOvr>
+    <a:masterClrMapping/>
+  </p:clrMapOvr>
+</p:sld>
+</file>
+
 <file path=ppt/theme/theme1.xml><?xml version="1.0" encoding="utf-8"?>
-<a:theme xmlns:a="http://schemas.openxmlformats.org/drawingml/2006/main" name="Office テーマ">
+<a:theme xmlns:a="http://schemas.openxmlformats.org/drawingml/2006/main" name="オーガニック">
   <a:themeElements>
-    <a:clrScheme name="Office">
+    <a:clrScheme name="オーガニック">
       <a:dk1>
         <a:sysClr val="windowText" lastClr="000000"/>
       </a:dk1>
@@ -3329,44 +7225,79 @@
         <a:sysClr val="window" lastClr="FFFFFF"/>
       </a:lt1>
       <a:dk2>
-        <a:srgbClr val="44546A"/>
+        <a:srgbClr val="212121"/>
       </a:dk2>
       <a:lt2>
-        <a:srgbClr val="E7E6E6"/>
+        <a:srgbClr val="DADADA"/>
       </a:lt2>
       <a:accent1>
-        <a:srgbClr val="5B9BD5"/>
+        <a:srgbClr val="83992A"/>
       </a:accent1>
       <a:accent2>
-        <a:srgbClr val="ED7D31"/>
+        <a:srgbClr val="3C9770"/>
       </a:accent2>
       <a:accent3>
-        <a:srgbClr val="A5A5A5"/>
+        <a:srgbClr val="44709D"/>
       </a:accent3>
       <a:accent4>
-        <a:srgbClr val="FFC000"/>
+        <a:srgbClr val="A23C33"/>
       </a:accent4>
       <a:accent5>
-        <a:srgbClr val="4472C4"/>
+        <a:srgbClr val="D97828"/>
       </a:accent5>
       <a:accent6>
-        <a:srgbClr val="70AD47"/>
+        <a:srgbClr val="DEB340"/>
       </a:accent6>
       <a:hlink>
-        <a:srgbClr val="0563C1"/>
+        <a:srgbClr val="A8BF4D"/>
       </a:hlink>
       <a:folHlink>
-        <a:srgbClr val="954F72"/>
+        <a:srgbClr val="B4CA80"/>
       </a:folHlink>
     </a:clrScheme>
-    <a:fontScheme name="Office">
+    <a:fontScheme name="オーガニック">
       <a:majorFont>
-        <a:latin typeface="Calibri Light" panose="020F0302020204030204"/>
+        <a:latin typeface="Garamond" panose="02020404030301010803"/>
         <a:ea typeface=""/>
         <a:cs typeface=""/>
         <a:font script="Jpan" typeface="ＭＳ Ｐゴシック"/>
-        <a:font script="Hang" typeface="맑은 고딕"/>
-        <a:font script="Hans" typeface="宋体"/>
+        <a:font script="Hang" typeface="돋움"/>
+        <a:font script="Hans" typeface="方正舒体"/>
+        <a:font script="Hant" typeface="微軟正黑體"/>
+        <a:font script="Arab" typeface="Arial"/>
+        <a:font script="Hebr" typeface="Arial"/>
+        <a:font script="Thai" typeface="Cordia New"/>
+        <a:font script="Ethi" typeface="Nyala"/>
+        <a:font script="Beng" typeface="Vrinda"/>
+        <a:font script="Gujr" typeface="Shruti"/>
+        <a:font script="Khmr" typeface="DaunPenh"/>
+        <a:font script="Knda" typeface="Tunga"/>
+        <a:font script="Guru" typeface="Raavi"/>
+        <a:font script="Cans" typeface="Euphemia"/>
+        <a:font script="Cher" typeface="Plantagenet Cherokee"/>
+        <a:font script="Yiii" typeface="Microsoft Yi Baiti"/>
+        <a:font script="Tibt" typeface="Microsoft Himalaya"/>
+        <a:font script="Thaa" typeface="MV Boli"/>
+        <a:font script="Deva" typeface="Mangal"/>
+        <a:font script="Telu" typeface="Gautami"/>
+        <a:font script="Taml" typeface="Latha"/>
+        <a:font script="Syrc" typeface="Estrangelo Edessa"/>
+        <a:font script="Orya" typeface="Kalinga"/>
+        <a:font script="Mlym" typeface="Kartika"/>
+        <a:font script="Laoo" typeface="DokChampa"/>
+        <a:font script="Sinh" typeface="Iskoola Pota"/>
+        <a:font script="Mong" typeface="Mongolian Baiti"/>
+        <a:font script="Viet" typeface="Arial"/>
+        <a:font script="Uigh" typeface="Microsoft Uighur"/>
+        <a:font script="Geor" typeface="Sylfaen"/>
+      </a:majorFont>
+      <a:minorFont>
+        <a:latin typeface="Garamond" panose="02020404030301010803"/>
+        <a:ea typeface=""/>
+        <a:cs typeface=""/>
+        <a:font script="Jpan" typeface="ＭＳ Ｐ明朝"/>
+        <a:font script="Hang" typeface="바탕"/>
+        <a:font script="Hans" typeface="方正舒体"/>
         <a:font script="Hant" typeface="新細明體"/>
         <a:font script="Arab" typeface="Times New Roman"/>
         <a:font script="Hebr" typeface="Times New Roman"/>
@@ -3394,44 +7325,9 @@
         <a:font script="Viet" typeface="Times New Roman"/>
         <a:font script="Uigh" typeface="Microsoft Uighur"/>
         <a:font script="Geor" typeface="Sylfaen"/>
-      </a:majorFont>
-      <a:minorFont>
-        <a:latin typeface="Calibri" panose="020F0502020204030204"/>
-        <a:ea typeface=""/>
-        <a:cs typeface=""/>
-        <a:font script="Jpan" typeface="ＭＳ Ｐゴシック"/>
-        <a:font script="Hang" typeface="맑은 고딕"/>
-        <a:font script="Hans" typeface="宋体"/>
-        <a:font script="Hant" typeface="新細明體"/>
-        <a:font script="Arab" typeface="Arial"/>
-        <a:font script="Hebr" typeface="Arial"/>
-        <a:font script="Thai" typeface="Cordia New"/>
-        <a:font script="Ethi" typeface="Nyala"/>
-        <a:font script="Beng" typeface="Vrinda"/>
-        <a:font script="Gujr" typeface="Shruti"/>
-        <a:font script="Khmr" typeface="DaunPenh"/>
-        <a:font script="Knda" typeface="Tunga"/>
-        <a:font script="Guru" typeface="Raavi"/>
-        <a:font script="Cans" typeface="Euphemia"/>
-        <a:font script="Cher" typeface="Plantagenet Cherokee"/>
-        <a:font script="Yiii" typeface="Microsoft Yi Baiti"/>
-        <a:font script="Tibt" typeface="Microsoft Himalaya"/>
-        <a:font script="Thaa" typeface="MV Boli"/>
-        <a:font script="Deva" typeface="Mangal"/>
-        <a:font script="Telu" typeface="Gautami"/>
-        <a:font script="Taml" typeface="Latha"/>
-        <a:font script="Syrc" typeface="Estrangelo Edessa"/>
-        <a:font script="Orya" typeface="Kalinga"/>
-        <a:font script="Mlym" typeface="Kartika"/>
-        <a:font script="Laoo" typeface="DokChampa"/>
-        <a:font script="Sinh" typeface="Iskoola Pota"/>
-        <a:font script="Mong" typeface="Mongolian Baiti"/>
-        <a:font script="Viet" typeface="Arial"/>
-        <a:font script="Uigh" typeface="Microsoft Uighur"/>
-        <a:font script="Geor" typeface="Sylfaen"/>
       </a:minorFont>
     </a:fontScheme>
-    <a:fmtScheme name="Office">
+    <a:fmtScheme name="オーガニック">
       <a:fillStyleLst>
         <a:solidFill>
           <a:schemeClr val="phClr"/>
@@ -3440,76 +7336,54 @@
           <a:gsLst>
             <a:gs pos="0">
               <a:schemeClr val="phClr">
+                <a:tint val="60000"/>
                 <a:lumMod val="110000"/>
-                <a:satMod val="105000"/>
-                <a:tint val="67000"/>
-              </a:schemeClr>
-            </a:gs>
-            <a:gs pos="50000">
-              <a:schemeClr val="phClr">
-                <a:lumMod val="105000"/>
-                <a:satMod val="103000"/>
-                <a:tint val="73000"/>
               </a:schemeClr>
             </a:gs>
             <a:gs pos="100000">
               <a:schemeClr val="phClr">
-                <a:lumMod val="105000"/>
-                <a:satMod val="109000"/>
-                <a:tint val="81000"/>
+                <a:tint val="82000"/>
               </a:schemeClr>
             </a:gs>
           </a:gsLst>
           <a:lin ang="5400000" scaled="0"/>
         </a:gradFill>
-        <a:gradFill rotWithShape="1">
-          <a:gsLst>
-            <a:gs pos="0">
+        <a:blipFill>
+          <a:blip xmlns:r="http://schemas.openxmlformats.org/officeDocument/2006/relationships" r:embed="rId1">
+            <a:duotone>
               <a:schemeClr val="phClr">
-                <a:satMod val="103000"/>
-                <a:lumMod val="102000"/>
+                <a:shade val="74000"/>
+                <a:satMod val="130000"/>
+                <a:lumMod val="90000"/>
+              </a:schemeClr>
+              <a:schemeClr val="phClr">
                 <a:tint val="94000"/>
+                <a:satMod val="120000"/>
+                <a:lumMod val="104000"/>
               </a:schemeClr>
-            </a:gs>
-            <a:gs pos="50000">
-              <a:schemeClr val="phClr">
-                <a:satMod val="110000"/>
-                <a:lumMod val="100000"/>
-                <a:shade val="100000"/>
-              </a:schemeClr>
-            </a:gs>
-            <a:gs pos="100000">
-              <a:schemeClr val="phClr">
-                <a:lumMod val="99000"/>
-                <a:satMod val="120000"/>
-                <a:shade val="78000"/>
-              </a:schemeClr>
-            </a:gs>
-          </a:gsLst>
-          <a:lin ang="5400000" scaled="0"/>
-        </a:gradFill>
+            </a:duotone>
+          </a:blip>
+          <a:tile tx="0" ty="0" sx="100000" sy="100000" flip="none" algn="tl"/>
+        </a:blipFill>
       </a:fillStyleLst>
       <a:lnStyleLst>
-        <a:ln w="6350" cap="flat" cmpd="sng" algn="ctr">
+        <a:ln w="9525" cap="flat" cmpd="sng" algn="ctr">
           <a:solidFill>
             <a:schemeClr val="phClr"/>
           </a:solidFill>
           <a:prstDash val="solid"/>
-          <a:miter lim="800000"/>
         </a:ln>
-        <a:ln w="12700" cap="flat" cmpd="sng" algn="ctr">
+        <a:ln w="15875" cap="flat" cmpd="sng" algn="ctr">
           <a:solidFill>
             <a:schemeClr val="phClr"/>
           </a:solidFill>
           <a:prstDash val="solid"/>
-          <a:miter lim="800000"/>
         </a:ln>
-        <a:ln w="19050" cap="flat" cmpd="sng" algn="ctr">
+        <a:ln w="25400" cap="flat" cmpd="sng" algn="ctr">
           <a:solidFill>
             <a:schemeClr val="phClr"/>
           </a:solidFill>
           <a:prstDash val="solid"/>
-          <a:miter lim="800000"/>
         </a:ln>
       </a:lnStyleLst>
       <a:effectStyleLst>
@@ -3517,13 +7391,19 @@
           <a:effectLst/>
         </a:effectStyle>
         <a:effectStyle>
-          <a:effectLst/>
+          <a:effectLst>
+            <a:innerShdw blurRad="25400" dist="12700" dir="13500000">
+              <a:srgbClr val="000000">
+                <a:alpha val="45000"/>
+              </a:srgbClr>
+            </a:innerShdw>
+          </a:effectLst>
         </a:effectStyle>
         <a:effectStyle>
           <a:effectLst>
-            <a:outerShdw blurRad="57150" dist="19050" dir="5400000" algn="ctr" rotWithShape="0">
+            <a:outerShdw blurRad="38100" dist="25400" dir="5400000" rotWithShape="0">
               <a:srgbClr val="000000">
-                <a:alpha val="63000"/>
+                <a:alpha val="60000"/>
               </a:srgbClr>
             </a:outerShdw>
           </a:effectLst>
@@ -3533,39 +7413,27 @@
         <a:solidFill>
           <a:schemeClr val="phClr"/>
         </a:solidFill>
-        <a:solidFill>
-          <a:schemeClr val="phClr">
-            <a:tint val="95000"/>
-            <a:satMod val="170000"/>
-          </a:schemeClr>
-        </a:solidFill>
         <a:gradFill rotWithShape="1">
           <a:gsLst>
             <a:gs pos="0">
               <a:schemeClr val="phClr">
-                <a:tint val="93000"/>
-                <a:satMod val="150000"/>
-                <a:shade val="98000"/>
-                <a:lumMod val="102000"/>
-              </a:schemeClr>
-            </a:gs>
-            <a:gs pos="50000">
-              <a:schemeClr val="phClr">
-                <a:tint val="98000"/>
-                <a:satMod val="130000"/>
-                <a:shade val="90000"/>
-                <a:lumMod val="103000"/>
+                <a:tint val="90000"/>
+                <a:lumMod val="110000"/>
               </a:schemeClr>
             </a:gs>
             <a:gs pos="100000">
               <a:schemeClr val="phClr">
-                <a:shade val="63000"/>
-                <a:satMod val="120000"/>
+                <a:shade val="88000"/>
+                <a:lumMod val="98000"/>
               </a:schemeClr>
             </a:gs>
           </a:gsLst>
           <a:lin ang="5400000" scaled="0"/>
         </a:gradFill>
+        <a:blipFill>
+          <a:blip xmlns:r="http://schemas.openxmlformats.org/officeDocument/2006/relationships" r:embed="rId2"/>
+          <a:stretch/>
+        </a:blipFill>
       </a:bgFillStyleLst>
     </a:fmtScheme>
   </a:themeElements>
@@ -3573,7 +7441,7 @@
   <a:extraClrSchemeLst/>
   <a:extLst>
     <a:ext uri="{05A4C25C-085E-4340-85A3-A5531E510DB2}">
-      <thm15:themeFamily xmlns:thm15="http://schemas.microsoft.com/office/thememl/2012/main" name="Office Theme" id="{62F939B6-93AF-4DB8-9C6B-D6C7DFDC589F}" vid="{4A3C46E8-61CC-4603-A589-7422A47A8E4A}"/>
+      <thm15:themeFamily xmlns:thm15="http://schemas.microsoft.com/office/thememl/2012/main" name="Organic" id="{28CDC826-8792-45C0-861B-85EB3ADEDA33}" vid="{7DAC20F1-423D-49E2-BD0B-50532748BAD0}"/>
     </a:ext>
   </a:extLst>
 </a:theme>
